--- a/how_bitcoin_works_2/bc_0_blockChain.pptx
+++ b/how_bitcoin_works_2/bc_0_blockChain.pptx
@@ -5,19 +5,22 @@
     <p:sldMasterId id="2147483648" r:id="rId1"/>
   </p:sldMasterIdLst>
   <p:notesMasterIdLst>
-    <p:notesMasterId r:id="rId12"/>
+    <p:notesMasterId r:id="rId15"/>
   </p:notesMasterIdLst>
   <p:sldIdLst>
     <p:sldId id="280" r:id="rId2"/>
-    <p:sldId id="319" r:id="rId3"/>
-    <p:sldId id="322" r:id="rId4"/>
-    <p:sldId id="327" r:id="rId5"/>
+    <p:sldId id="331" r:id="rId3"/>
+    <p:sldId id="327" r:id="rId4"/>
+    <p:sldId id="322" r:id="rId5"/>
     <p:sldId id="329" r:id="rId6"/>
     <p:sldId id="330" r:id="rId7"/>
-    <p:sldId id="305" r:id="rId8"/>
-    <p:sldId id="328" r:id="rId9"/>
-    <p:sldId id="281" r:id="rId10"/>
-    <p:sldId id="302" r:id="rId11"/>
+    <p:sldId id="333" r:id="rId8"/>
+    <p:sldId id="334" r:id="rId9"/>
+    <p:sldId id="336" r:id="rId10"/>
+    <p:sldId id="335" r:id="rId11"/>
+    <p:sldId id="337" r:id="rId12"/>
+    <p:sldId id="281" r:id="rId13"/>
+    <p:sldId id="302" r:id="rId14"/>
   </p:sldIdLst>
   <p:sldSz cx="12192000" cy="6858000"/>
   <p:notesSz cx="6858000" cy="9144000"/>
@@ -210,7 +213,7 @@
           <a:p>
             <a:fld id="{997B8459-DB34-44B7-8088-D81CF29DBC4F}" type="datetimeFigureOut">
               <a:rPr lang="en-US" smtClean="0"/>
-              <a:t>6/12/2017</a:t>
+              <a:t>6/13/2017</a:t>
             </a:fld>
             <a:endParaRPr lang="en-US"/>
           </a:p>
@@ -522,6 +525,47 @@
           <a:lstStyle/>
           <a:p>
             <a:r>
+              <a:rPr lang="en-US" altLang="zh-CN" dirty="0"/>
+              <a:t>TODO:</a:t>
+            </a:r>
+          </a:p>
+          <a:p>
+            <a:pPr marL="171450" indent="-171450">
+              <a:buFont typeface="Arial" panose="020B0604020202020204" pitchFamily="34" charset="0"/>
+              <a:buChar char="•"/>
+            </a:pPr>
+            <a:r>
+              <a:rPr lang="zh-CN" altLang="en-US" dirty="0"/>
+              <a:t>相关概念</a:t>
+            </a:r>
+            <a:endParaRPr lang="en-US" altLang="zh-CN" dirty="0"/>
+          </a:p>
+          <a:p>
+            <a:pPr marL="171450" indent="-171450">
+              <a:buFont typeface="Arial" panose="020B0604020202020204" pitchFamily="34" charset="0"/>
+              <a:buChar char="•"/>
+            </a:pPr>
+            <a:r>
+              <a:rPr lang="en-US" altLang="zh-CN" dirty="0"/>
+              <a:t>Gas</a:t>
+            </a:r>
+          </a:p>
+          <a:p>
+            <a:pPr marL="171450" indent="-171450">
+              <a:buFont typeface="Arial" panose="020B0604020202020204" pitchFamily="34" charset="0"/>
+              <a:buChar char="•"/>
+            </a:pPr>
+            <a:r>
+              <a:rPr lang="zh-CN" altLang="en-US" dirty="0"/>
+              <a:t>。。</a:t>
+            </a:r>
+            <a:endParaRPr lang="en-US" dirty="0"/>
+          </a:p>
+          <a:p>
+            <a:endParaRPr lang="en-US" dirty="0"/>
+          </a:p>
+          <a:p>
+            <a:r>
               <a:rPr lang="en-US" dirty="0"/>
               <a:t>Own, Send, Mine bitcoins</a:t>
             </a:r>
@@ -890,7 +934,7 @@
           <a:p>
             <a:fld id="{AC8FCCB6-2381-4F22-909F-1230355D86F9}" type="slidenum">
               <a:rPr lang="en-US" smtClean="0"/>
-              <a:t>2</a:t>
+              <a:t>4</a:t>
             </a:fld>
             <a:endParaRPr lang="en-US"/>
           </a:p>
@@ -899,7 +943,7 @@
     </p:spTree>
     <p:extLst>
       <p:ext uri="{BB962C8B-B14F-4D97-AF65-F5344CB8AC3E}">
-        <p14:creationId xmlns:p14="http://schemas.microsoft.com/office/powerpoint/2010/main" val="1149500999"/>
+        <p14:creationId xmlns:p14="http://schemas.microsoft.com/office/powerpoint/2010/main" val="3770877796"/>
       </p:ext>
     </p:extLst>
   </p:cSld>
@@ -953,95 +997,7 @@
           <a:bodyPr/>
           <a:lstStyle/>
           <a:p>
-            <a:r>
-              <a:rPr lang="EN-US" altLang="ZH-HK" dirty="0"/>
-              <a:t>World's first decentralized Cryptocurrency</a:t>
-            </a:r>
-          </a:p>
-          <a:p>
-            <a:r>
-              <a:rPr lang="EN-US" altLang="ZH-HK" dirty="0"/>
-              <a:t>Invented in 2009 by Satoshi Nakamoto (</a:t>
-            </a:r>
-            <a:r>
-              <a:rPr lang="ZH-HK" altLang="EN-US" dirty="0"/>
-              <a:t>中本</a:t>
-            </a:r>
-            <a:r>
-              <a:rPr lang="zh-CN" altLang="en-US" dirty="0"/>
-              <a:t>聪</a:t>
-            </a:r>
-            <a:r>
-              <a:rPr lang="EN-US" altLang="ZH-HK" dirty="0"/>
-              <a:t>)</a:t>
-            </a:r>
-          </a:p>
-          <a:p>
-            <a:r>
-              <a:rPr lang="EN-US" altLang="ZH-HK" dirty="0"/>
-              <a:t>No bank or central authority</a:t>
-            </a:r>
-          </a:p>
-          <a:p>
-            <a:r>
-              <a:rPr lang="EN-US" altLang="ZH-HK" dirty="0"/>
-              <a:t>Distributed consensus system</a:t>
-            </a:r>
             <a:endParaRPr lang="en-US" dirty="0"/>
-          </a:p>
-          <a:p>
-            <a:endParaRPr lang="en-US" dirty="0"/>
-          </a:p>
-          <a:p>
-            <a:r>
-              <a:rPr lang="en-US" dirty="0"/>
-              <a:t>How transaction is done</a:t>
-            </a:r>
-          </a:p>
-          <a:p>
-            <a:r>
-              <a:rPr lang="en-US" dirty="0"/>
-              <a:t>How to transfer</a:t>
-            </a:r>
-          </a:p>
-          <a:p>
-            <a:pPr lvl="1"/>
-            <a:r>
-              <a:rPr lang="en-US" dirty="0"/>
-              <a:t>RSA</a:t>
-            </a:r>
-          </a:p>
-          <a:p>
-            <a:pPr lvl="1"/>
-            <a:r>
-              <a:rPr lang="en-US" dirty="0"/>
-              <a:t>Bitcoin cryptography</a:t>
-            </a:r>
-          </a:p>
-          <a:p>
-            <a:pPr lvl="1"/>
-            <a:r>
-              <a:rPr lang="en-US" dirty="0"/>
-              <a:t>HASH 256</a:t>
-            </a:r>
-          </a:p>
-          <a:p>
-            <a:pPr lvl="1"/>
-            <a:r>
-              <a:rPr lang="en-US" dirty="0"/>
-              <a:t>To understand: blockchain.info</a:t>
-            </a:r>
-          </a:p>
-          <a:p>
-            <a:pPr lvl="1"/>
-            <a:r>
-              <a:rPr lang="en-US" dirty="0" err="1"/>
-              <a:t>Youtube</a:t>
-            </a:r>
-            <a:r>
-              <a:rPr lang="en-US" dirty="0"/>
-              <a:t>: blockchain.info</a:t>
-            </a:r>
           </a:p>
         </p:txBody>
       </p:sp>
@@ -1062,7 +1018,7 @@
           <a:p>
             <a:fld id="{AC8FCCB6-2381-4F22-909F-1230355D86F9}" type="slidenum">
               <a:rPr lang="en-US" smtClean="0"/>
-              <a:t>3</a:t>
+              <a:t>6</a:t>
             </a:fld>
             <a:endParaRPr lang="en-US"/>
           </a:p>
@@ -1071,7 +1027,7 @@
     </p:spTree>
     <p:extLst>
       <p:ext uri="{BB962C8B-B14F-4D97-AF65-F5344CB8AC3E}">
-        <p14:creationId xmlns:p14="http://schemas.microsoft.com/office/powerpoint/2010/main" val="3770877796"/>
+        <p14:creationId xmlns:p14="http://schemas.microsoft.com/office/powerpoint/2010/main" val="1327676027"/>
       </p:ext>
     </p:extLst>
   </p:cSld>
@@ -1125,6 +1081,26 @@
           <a:bodyPr/>
           <a:lstStyle/>
           <a:p>
+            <a:r>
+              <a:rPr lang="zh-CN" altLang="en-US" dirty="0"/>
+              <a:t>谈谈区块链（</a:t>
+            </a:r>
+            <a:r>
+              <a:rPr lang="en-US" altLang="zh-CN" dirty="0"/>
+              <a:t>08</a:t>
+            </a:r>
+            <a:r>
+              <a:rPr lang="zh-CN" altLang="en-US" dirty="0"/>
+              <a:t>）：以太坊分叉和以太币买卖</a:t>
+            </a:r>
+            <a:r>
+              <a:rPr lang="en-US" altLang="zh-CN" dirty="0"/>
+              <a:t>_</a:t>
+            </a:r>
+            <a:r>
+              <a:rPr lang="zh-CN" altLang="en-US" dirty="0"/>
+              <a:t>标清</a:t>
+            </a:r>
             <a:endParaRPr lang="en-US" dirty="0"/>
           </a:p>
         </p:txBody>
@@ -1146,7 +1122,7 @@
           <a:p>
             <a:fld id="{AC8FCCB6-2381-4F22-909F-1230355D86F9}" type="slidenum">
               <a:rPr lang="en-US" smtClean="0"/>
-              <a:t>6</a:t>
+              <a:t>7</a:t>
             </a:fld>
             <a:endParaRPr lang="en-US"/>
           </a:p>
@@ -1155,7 +1131,233 @@
     </p:spTree>
     <p:extLst>
       <p:ext uri="{BB962C8B-B14F-4D97-AF65-F5344CB8AC3E}">
-        <p14:creationId xmlns:p14="http://schemas.microsoft.com/office/powerpoint/2010/main" val="1327676027"/>
+        <p14:creationId xmlns:p14="http://schemas.microsoft.com/office/powerpoint/2010/main" val="1417277939"/>
+      </p:ext>
+    </p:extLst>
+  </p:cSld>
+  <p:clrMapOvr>
+    <a:masterClrMapping/>
+  </p:clrMapOvr>
+</p:notes>
+</file>
+
+<file path=ppt/notesSlides/notesSlide5.xml><?xml version="1.0" encoding="utf-8"?>
+<p:notes xmlns:a="http://schemas.openxmlformats.org/drawingml/2006/main" xmlns:r="http://schemas.openxmlformats.org/officeDocument/2006/relationships" xmlns:p="http://schemas.openxmlformats.org/presentationml/2006/main">
+  <p:cSld>
+    <p:spTree>
+      <p:nvGrpSpPr>
+        <p:cNvPr id="1" name=""/>
+        <p:cNvGrpSpPr/>
+        <p:nvPr/>
+      </p:nvGrpSpPr>
+      <p:grpSpPr>
+        <a:xfrm>
+          <a:off x="0" y="0"/>
+          <a:ext cx="0" cy="0"/>
+          <a:chOff x="0" y="0"/>
+          <a:chExt cx="0" cy="0"/>
+        </a:xfrm>
+      </p:grpSpPr>
+      <p:sp>
+        <p:nvSpPr>
+          <p:cNvPr id="2" name="Slide Image Placeholder 1"/>
+          <p:cNvSpPr>
+            <a:spLocks noGrp="1" noRot="1" noChangeAspect="1"/>
+          </p:cNvSpPr>
+          <p:nvPr>
+            <p:ph type="sldImg"/>
+          </p:nvPr>
+        </p:nvSpPr>
+        <p:spPr/>
+      </p:sp>
+      <p:sp>
+        <p:nvSpPr>
+          <p:cNvPr id="3" name="Notes Placeholder 2"/>
+          <p:cNvSpPr>
+            <a:spLocks noGrp="1"/>
+          </p:cNvSpPr>
+          <p:nvPr>
+            <p:ph type="body" idx="1"/>
+          </p:nvPr>
+        </p:nvSpPr>
+        <p:spPr/>
+        <p:txBody>
+          <a:bodyPr/>
+          <a:lstStyle/>
+          <a:p>
+            <a:pPr marL="0" marR="0" lvl="0" indent="0" algn="l" defTabSz="914400" rtl="0" eaLnBrk="1" fontAlgn="auto" latinLnBrk="0" hangingPunct="1">
+              <a:lnSpc>
+                <a:spcPct val="100000"/>
+              </a:lnSpc>
+              <a:spcBef>
+                <a:spcPts val="0"/>
+              </a:spcBef>
+              <a:spcAft>
+                <a:spcPts val="0"/>
+              </a:spcAft>
+              <a:buClrTx/>
+              <a:buSzTx/>
+              <a:buFontTx/>
+              <a:buNone/>
+              <a:tabLst/>
+              <a:defRPr/>
+            </a:pPr>
+            <a:r>
+              <a:rPr lang="zh-CN" altLang="en-US" sz="1200" b="0" i="0" kern="1200" cap="all" dirty="0">
+                <a:solidFill>
+                  <a:schemeClr val="tx1"/>
+                </a:solidFill>
+                <a:effectLst/>
+                <a:latin typeface="+mn-lt"/>
+                <a:ea typeface="+mn-ea"/>
+                <a:cs typeface="+mn-cs"/>
+              </a:rPr>
+              <a:t>从区块链到</a:t>
+            </a:r>
+            <a:r>
+              <a:rPr lang="en-US" altLang="zh-CN" sz="1200" b="0" i="0" kern="1200" cap="all" dirty="0">
+                <a:solidFill>
+                  <a:schemeClr val="tx1"/>
+                </a:solidFill>
+                <a:effectLst/>
+                <a:latin typeface="+mn-lt"/>
+                <a:ea typeface="+mn-ea"/>
+                <a:cs typeface="+mn-cs"/>
+              </a:rPr>
+              <a:t>DAO</a:t>
+            </a:r>
+            <a:r>
+              <a:rPr lang="zh-CN" altLang="en-US" sz="1200" b="0" i="0" kern="1200" cap="all" dirty="0">
+                <a:solidFill>
+                  <a:schemeClr val="tx1"/>
+                </a:solidFill>
+                <a:effectLst/>
+                <a:latin typeface="+mn-lt"/>
+                <a:ea typeface="+mn-ea"/>
+                <a:cs typeface="+mn-cs"/>
+              </a:rPr>
+              <a:t>需要什么</a:t>
+            </a:r>
+          </a:p>
+          <a:p>
+            <a:r>
+              <a:rPr lang="en-US" dirty="0"/>
+              <a:t>http://bitkan.com/news/topic/19827</a:t>
+            </a:r>
+          </a:p>
+        </p:txBody>
+      </p:sp>
+      <p:sp>
+        <p:nvSpPr>
+          <p:cNvPr id="4" name="Slide Number Placeholder 3"/>
+          <p:cNvSpPr>
+            <a:spLocks noGrp="1"/>
+          </p:cNvSpPr>
+          <p:nvPr>
+            <p:ph type="sldNum" sz="quarter" idx="10"/>
+          </p:nvPr>
+        </p:nvSpPr>
+        <p:spPr/>
+        <p:txBody>
+          <a:bodyPr/>
+          <a:lstStyle/>
+          <a:p>
+            <a:fld id="{AC8FCCB6-2381-4F22-909F-1230355D86F9}" type="slidenum">
+              <a:rPr lang="en-US" smtClean="0"/>
+              <a:t>8</a:t>
+            </a:fld>
+            <a:endParaRPr lang="en-US"/>
+          </a:p>
+        </p:txBody>
+      </p:sp>
+    </p:spTree>
+    <p:extLst>
+      <p:ext uri="{BB962C8B-B14F-4D97-AF65-F5344CB8AC3E}">
+        <p14:creationId xmlns:p14="http://schemas.microsoft.com/office/powerpoint/2010/main" val="2146550312"/>
+      </p:ext>
+    </p:extLst>
+  </p:cSld>
+  <p:clrMapOvr>
+    <a:masterClrMapping/>
+  </p:clrMapOvr>
+</p:notes>
+</file>
+
+<file path=ppt/notesSlides/notesSlide6.xml><?xml version="1.0" encoding="utf-8"?>
+<p:notes xmlns:a="http://schemas.openxmlformats.org/drawingml/2006/main" xmlns:r="http://schemas.openxmlformats.org/officeDocument/2006/relationships" xmlns:p="http://schemas.openxmlformats.org/presentationml/2006/main">
+  <p:cSld>
+    <p:spTree>
+      <p:nvGrpSpPr>
+        <p:cNvPr id="1" name=""/>
+        <p:cNvGrpSpPr/>
+        <p:nvPr/>
+      </p:nvGrpSpPr>
+      <p:grpSpPr>
+        <a:xfrm>
+          <a:off x="0" y="0"/>
+          <a:ext cx="0" cy="0"/>
+          <a:chOff x="0" y="0"/>
+          <a:chExt cx="0" cy="0"/>
+        </a:xfrm>
+      </p:grpSpPr>
+      <p:sp>
+        <p:nvSpPr>
+          <p:cNvPr id="2" name="Slide Image Placeholder 1"/>
+          <p:cNvSpPr>
+            <a:spLocks noGrp="1" noRot="1" noChangeAspect="1"/>
+          </p:cNvSpPr>
+          <p:nvPr>
+            <p:ph type="sldImg"/>
+          </p:nvPr>
+        </p:nvSpPr>
+        <p:spPr/>
+      </p:sp>
+      <p:sp>
+        <p:nvSpPr>
+          <p:cNvPr id="3" name="Notes Placeholder 2"/>
+          <p:cNvSpPr>
+            <a:spLocks noGrp="1"/>
+          </p:cNvSpPr>
+          <p:nvPr>
+            <p:ph type="body" idx="1"/>
+          </p:nvPr>
+        </p:nvSpPr>
+        <p:spPr/>
+        <p:txBody>
+          <a:bodyPr/>
+          <a:lstStyle/>
+          <a:p>
+            <a:endParaRPr lang="en-US" dirty="0"/>
+          </a:p>
+        </p:txBody>
+      </p:sp>
+      <p:sp>
+        <p:nvSpPr>
+          <p:cNvPr id="4" name="Slide Number Placeholder 3"/>
+          <p:cNvSpPr>
+            <a:spLocks noGrp="1"/>
+          </p:cNvSpPr>
+          <p:nvPr>
+            <p:ph type="sldNum" sz="quarter" idx="10"/>
+          </p:nvPr>
+        </p:nvSpPr>
+        <p:spPr/>
+        <p:txBody>
+          <a:bodyPr/>
+          <a:lstStyle/>
+          <a:p>
+            <a:fld id="{AC8FCCB6-2381-4F22-909F-1230355D86F9}" type="slidenum">
+              <a:rPr lang="en-US" smtClean="0"/>
+              <a:t>11</a:t>
+            </a:fld>
+            <a:endParaRPr lang="en-US"/>
+          </a:p>
+        </p:txBody>
+      </p:sp>
+    </p:spTree>
+    <p:extLst>
+      <p:ext uri="{BB962C8B-B14F-4D97-AF65-F5344CB8AC3E}">
+        <p14:creationId xmlns:p14="http://schemas.microsoft.com/office/powerpoint/2010/main" val="1269229919"/>
       </p:ext>
     </p:extLst>
   </p:cSld>
@@ -1294,7 +1496,7 @@
           <a:p>
             <a:fld id="{1A0CC6C9-F88A-4A1A-8FB0-07A130189CC8}" type="datetime1">
               <a:rPr lang="en-US" smtClean="0"/>
-              <a:t>6/12/2017</a:t>
+              <a:t>6/13/2017</a:t>
             </a:fld>
             <a:endParaRPr lang="en-US"/>
           </a:p>
@@ -1462,7 +1664,7 @@
           <a:p>
             <a:fld id="{662CE6F3-128A-4A7E-948E-31AC50BA5F60}" type="datetime1">
               <a:rPr lang="en-US" smtClean="0"/>
-              <a:t>6/12/2017</a:t>
+              <a:t>6/13/2017</a:t>
             </a:fld>
             <a:endParaRPr lang="en-US"/>
           </a:p>
@@ -1640,7 +1842,7 @@
           <a:p>
             <a:fld id="{D8EF803D-58A6-4B2B-AD8D-C3D6CC66E6EB}" type="datetime1">
               <a:rPr lang="en-US" smtClean="0"/>
-              <a:t>6/12/2017</a:t>
+              <a:t>6/13/2017</a:t>
             </a:fld>
             <a:endParaRPr lang="en-US"/>
           </a:p>
@@ -1826,7 +2028,7 @@
           <a:p>
             <a:fld id="{519BD8FA-81DB-4BAD-B3C3-CA109C80A853}" type="datetime1">
               <a:rPr lang="en-US" smtClean="0"/>
-              <a:t>6/12/2017</a:t>
+              <a:t>6/13/2017</a:t>
             </a:fld>
             <a:endParaRPr lang="en-US"/>
           </a:p>
@@ -2071,7 +2273,7 @@
           <a:p>
             <a:fld id="{3F6C7022-96DB-48F2-B3FB-BE06C53B7BA1}" type="datetime1">
               <a:rPr lang="en-US" smtClean="0"/>
-              <a:t>6/12/2017</a:t>
+              <a:t>6/13/2017</a:t>
             </a:fld>
             <a:endParaRPr lang="en-US"/>
           </a:p>
@@ -2313,7 +2515,7 @@
           <a:p>
             <a:fld id="{CD2E27BA-B0B3-403B-BCD6-8B8E73844757}" type="datetime1">
               <a:rPr lang="en-US" smtClean="0"/>
-              <a:t>6/12/2017</a:t>
+              <a:t>6/13/2017</a:t>
             </a:fld>
             <a:endParaRPr lang="en-US"/>
           </a:p>
@@ -2677,7 +2879,7 @@
           <a:p>
             <a:fld id="{AB2F35F9-5498-4A6F-8B26-24AF253CCFB1}" type="datetime1">
               <a:rPr lang="en-US" smtClean="0"/>
-              <a:t>6/12/2017</a:t>
+              <a:t>6/13/2017</a:t>
             </a:fld>
             <a:endParaRPr lang="en-US"/>
           </a:p>
@@ -2794,7 +2996,7 @@
           <a:p>
             <a:fld id="{7CF3DE6C-3CCC-462F-8C19-C9BE5AF82050}" type="datetime1">
               <a:rPr lang="en-US" smtClean="0"/>
-              <a:t>6/12/2017</a:t>
+              <a:t>6/13/2017</a:t>
             </a:fld>
             <a:endParaRPr lang="en-US"/>
           </a:p>
@@ -2889,7 +3091,7 @@
           <a:p>
             <a:fld id="{CFF9B72E-B071-4894-9AE8-77A99437A194}" type="datetime1">
               <a:rPr lang="en-US" smtClean="0"/>
-              <a:t>6/12/2017</a:t>
+              <a:t>6/13/2017</a:t>
             </a:fld>
             <a:endParaRPr lang="en-US"/>
           </a:p>
@@ -3164,7 +3366,7 @@
           <a:p>
             <a:fld id="{C8FC85DF-04F6-4067-9D57-5BD634B76237}" type="datetime1">
               <a:rPr lang="en-US" smtClean="0"/>
-              <a:t>6/12/2017</a:t>
+              <a:t>6/13/2017</a:t>
             </a:fld>
             <a:endParaRPr lang="en-US"/>
           </a:p>
@@ -3416,7 +3618,7 @@
           <a:p>
             <a:fld id="{F482CF38-5737-4019-A5EB-32F20C60B120}" type="datetime1">
               <a:rPr lang="en-US" smtClean="0"/>
-              <a:t>6/12/2017</a:t>
+              <a:t>6/13/2017</a:t>
             </a:fld>
             <a:endParaRPr lang="en-US"/>
           </a:p>
@@ -3627,7 +3829,7 @@
           <a:p>
             <a:fld id="{71B3BB5B-EB4F-4885-9330-962C885E153D}" type="datetime1">
               <a:rPr lang="en-US" smtClean="0"/>
-              <a:t>6/12/2017</a:t>
+              <a:t>6/13/2017</a:t>
             </a:fld>
             <a:endParaRPr lang="en-US"/>
           </a:p>
@@ -4091,8 +4293,8 @@
         </p:nvSpPr>
         <p:spPr>
           <a:xfrm>
-            <a:off x="1408479" y="5456903"/>
-            <a:ext cx="9144000" cy="1031764"/>
+            <a:off x="1176618" y="5775511"/>
+            <a:ext cx="8508070" cy="686341"/>
           </a:xfrm>
         </p:spPr>
         <p:txBody>
@@ -4110,29 +4312,6 @@
               <a:t>吴增德）</a:t>
             </a:r>
             <a:endParaRPr lang="en-US" sz="3200" dirty="0"/>
-          </a:p>
-        </p:txBody>
-      </p:sp>
-      <p:sp>
-        <p:nvSpPr>
-          <p:cNvPr id="5" name="Slide Number Placeholder 4"/>
-          <p:cNvSpPr>
-            <a:spLocks noGrp="1"/>
-          </p:cNvSpPr>
-          <p:nvPr>
-            <p:ph type="sldNum" sz="quarter" idx="12"/>
-          </p:nvPr>
-        </p:nvSpPr>
-        <p:spPr/>
-        <p:txBody>
-          <a:bodyPr/>
-          <a:lstStyle/>
-          <a:p>
-            <a:fld id="{656EEF9C-D8EE-4444-AD18-FDA4DCDDF73B}" type="slidenum">
-              <a:rPr lang="en-US" smtClean="0"/>
-              <a:t>1</a:t>
-            </a:fld>
-            <a:endParaRPr lang="en-US"/>
           </a:p>
         </p:txBody>
       </p:sp>
@@ -4237,206 +4416,6 @@
                 <a:srgbClr val="FF0000"/>
               </a:solidFill>
             </a:endParaRPr>
-          </a:p>
-        </p:txBody>
-      </p:sp>
-      <p:sp>
-        <p:nvSpPr>
-          <p:cNvPr id="9" name="Content Placeholder 2">
-            <a:extLst>
-              <a:ext uri="{FF2B5EF4-FFF2-40B4-BE49-F238E27FC236}">
-                <a16:creationId xmlns:a16="http://schemas.microsoft.com/office/drawing/2014/main" id="{DD903739-256B-42C0-A562-1A5BFB1BA386}"/>
-              </a:ext>
-            </a:extLst>
-          </p:cNvPr>
-          <p:cNvSpPr txBox="1">
-            <a:spLocks/>
-          </p:cNvSpPr>
-          <p:nvPr/>
-        </p:nvSpPr>
-        <p:spPr>
-          <a:xfrm>
-            <a:off x="2876941" y="4006312"/>
-            <a:ext cx="6300066" cy="473864"/>
-          </a:xfrm>
-          <a:prstGeom prst="rect">
-            <a:avLst/>
-          </a:prstGeom>
-        </p:spPr>
-        <p:txBody>
-          <a:bodyPr vert="horz" lIns="91440" tIns="45720" rIns="91440" bIns="45720" rtlCol="0">
-            <a:normAutofit/>
-          </a:bodyPr>
-          <a:lstStyle>
-            <a:lvl1pPr marL="0" indent="0" algn="ctr" defTabSz="914400" rtl="0" eaLnBrk="1" latinLnBrk="0" hangingPunct="1">
-              <a:lnSpc>
-                <a:spcPct val="90000"/>
-              </a:lnSpc>
-              <a:spcBef>
-                <a:spcPts val="1000"/>
-              </a:spcBef>
-              <a:buFont typeface="Arial" panose="020B0604020202020204" pitchFamily="34" charset="0"/>
-              <a:buNone/>
-              <a:defRPr sz="2400" kern="1200">
-                <a:solidFill>
-                  <a:schemeClr val="tx1"/>
-                </a:solidFill>
-                <a:latin typeface="+mn-lt"/>
-                <a:ea typeface="+mn-ea"/>
-                <a:cs typeface="+mn-cs"/>
-              </a:defRPr>
-            </a:lvl1pPr>
-            <a:lvl2pPr marL="457200" indent="0" algn="ctr" defTabSz="914400" rtl="0" eaLnBrk="1" latinLnBrk="0" hangingPunct="1">
-              <a:lnSpc>
-                <a:spcPct val="90000"/>
-              </a:lnSpc>
-              <a:spcBef>
-                <a:spcPts val="500"/>
-              </a:spcBef>
-              <a:buFont typeface="Arial" panose="020B0604020202020204" pitchFamily="34" charset="0"/>
-              <a:buNone/>
-              <a:defRPr sz="2000" kern="1200">
-                <a:solidFill>
-                  <a:schemeClr val="tx1"/>
-                </a:solidFill>
-                <a:latin typeface="+mn-lt"/>
-                <a:ea typeface="+mn-ea"/>
-                <a:cs typeface="+mn-cs"/>
-              </a:defRPr>
-            </a:lvl2pPr>
-            <a:lvl3pPr marL="914400" indent="0" algn="ctr" defTabSz="914400" rtl="0" eaLnBrk="1" latinLnBrk="0" hangingPunct="1">
-              <a:lnSpc>
-                <a:spcPct val="90000"/>
-              </a:lnSpc>
-              <a:spcBef>
-                <a:spcPts val="500"/>
-              </a:spcBef>
-              <a:buFont typeface="Arial" panose="020B0604020202020204" pitchFamily="34" charset="0"/>
-              <a:buNone/>
-              <a:defRPr sz="1800" kern="1200">
-                <a:solidFill>
-                  <a:schemeClr val="tx1"/>
-                </a:solidFill>
-                <a:latin typeface="+mn-lt"/>
-                <a:ea typeface="+mn-ea"/>
-                <a:cs typeface="+mn-cs"/>
-              </a:defRPr>
-            </a:lvl3pPr>
-            <a:lvl4pPr marL="1371600" indent="0" algn="ctr" defTabSz="914400" rtl="0" eaLnBrk="1" latinLnBrk="0" hangingPunct="1">
-              <a:lnSpc>
-                <a:spcPct val="90000"/>
-              </a:lnSpc>
-              <a:spcBef>
-                <a:spcPts val="500"/>
-              </a:spcBef>
-              <a:buFont typeface="Arial" panose="020B0604020202020204" pitchFamily="34" charset="0"/>
-              <a:buNone/>
-              <a:defRPr sz="1600" kern="1200">
-                <a:solidFill>
-                  <a:schemeClr val="tx1"/>
-                </a:solidFill>
-                <a:latin typeface="+mn-lt"/>
-                <a:ea typeface="+mn-ea"/>
-                <a:cs typeface="+mn-cs"/>
-              </a:defRPr>
-            </a:lvl4pPr>
-            <a:lvl5pPr marL="1828800" indent="0" algn="ctr" defTabSz="914400" rtl="0" eaLnBrk="1" latinLnBrk="0" hangingPunct="1">
-              <a:lnSpc>
-                <a:spcPct val="90000"/>
-              </a:lnSpc>
-              <a:spcBef>
-                <a:spcPts val="500"/>
-              </a:spcBef>
-              <a:buFont typeface="Arial" panose="020B0604020202020204" pitchFamily="34" charset="0"/>
-              <a:buNone/>
-              <a:defRPr sz="1600" kern="1200">
-                <a:solidFill>
-                  <a:schemeClr val="tx1"/>
-                </a:solidFill>
-                <a:latin typeface="+mn-lt"/>
-                <a:ea typeface="+mn-ea"/>
-                <a:cs typeface="+mn-cs"/>
-              </a:defRPr>
-            </a:lvl5pPr>
-            <a:lvl6pPr marL="2286000" indent="0" algn="ctr" defTabSz="914400" rtl="0" eaLnBrk="1" latinLnBrk="0" hangingPunct="1">
-              <a:lnSpc>
-                <a:spcPct val="90000"/>
-              </a:lnSpc>
-              <a:spcBef>
-                <a:spcPts val="500"/>
-              </a:spcBef>
-              <a:buFont typeface="Arial" panose="020B0604020202020204" pitchFamily="34" charset="0"/>
-              <a:buNone/>
-              <a:defRPr sz="1600" kern="1200">
-                <a:solidFill>
-                  <a:schemeClr val="tx1"/>
-                </a:solidFill>
-                <a:latin typeface="+mn-lt"/>
-                <a:ea typeface="+mn-ea"/>
-                <a:cs typeface="+mn-cs"/>
-              </a:defRPr>
-            </a:lvl6pPr>
-            <a:lvl7pPr marL="2743200" indent="0" algn="ctr" defTabSz="914400" rtl="0" eaLnBrk="1" latinLnBrk="0" hangingPunct="1">
-              <a:lnSpc>
-                <a:spcPct val="90000"/>
-              </a:lnSpc>
-              <a:spcBef>
-                <a:spcPts val="500"/>
-              </a:spcBef>
-              <a:buFont typeface="Arial" panose="020B0604020202020204" pitchFamily="34" charset="0"/>
-              <a:buNone/>
-              <a:defRPr sz="1600" kern="1200">
-                <a:solidFill>
-                  <a:schemeClr val="tx1"/>
-                </a:solidFill>
-                <a:latin typeface="+mn-lt"/>
-                <a:ea typeface="+mn-ea"/>
-                <a:cs typeface="+mn-cs"/>
-              </a:defRPr>
-            </a:lvl7pPr>
-            <a:lvl8pPr marL="3200400" indent="0" algn="ctr" defTabSz="914400" rtl="0" eaLnBrk="1" latinLnBrk="0" hangingPunct="1">
-              <a:lnSpc>
-                <a:spcPct val="90000"/>
-              </a:lnSpc>
-              <a:spcBef>
-                <a:spcPts val="500"/>
-              </a:spcBef>
-              <a:buFont typeface="Arial" panose="020B0604020202020204" pitchFamily="34" charset="0"/>
-              <a:buNone/>
-              <a:defRPr sz="1600" kern="1200">
-                <a:solidFill>
-                  <a:schemeClr val="tx1"/>
-                </a:solidFill>
-                <a:latin typeface="+mn-lt"/>
-                <a:ea typeface="+mn-ea"/>
-                <a:cs typeface="+mn-cs"/>
-              </a:defRPr>
-            </a:lvl8pPr>
-            <a:lvl9pPr marL="3657600" indent="0" algn="ctr" defTabSz="914400" rtl="0" eaLnBrk="1" latinLnBrk="0" hangingPunct="1">
-              <a:lnSpc>
-                <a:spcPct val="90000"/>
-              </a:lnSpc>
-              <a:spcBef>
-                <a:spcPts val="500"/>
-              </a:spcBef>
-              <a:buFont typeface="Arial" panose="020B0604020202020204" pitchFamily="34" charset="0"/>
-              <a:buNone/>
-              <a:defRPr sz="1600" kern="1200">
-                <a:solidFill>
-                  <a:schemeClr val="tx1"/>
-                </a:solidFill>
-                <a:latin typeface="+mn-lt"/>
-                <a:ea typeface="+mn-ea"/>
-                <a:cs typeface="+mn-cs"/>
-              </a:defRPr>
-            </a:lvl9pPr>
-          </a:lstStyle>
-          <a:p>
-            <a:r>
-              <a:rPr lang="zh-CN" altLang="en-US" dirty="0"/>
-              <a:t>持有、支付、挖掘比特币原理及协议</a:t>
-            </a:r>
-            <a:endParaRPr lang="en-US" dirty="0"/>
           </a:p>
         </p:txBody>
       </p:sp>
@@ -4587,55 +4566,6 @@
                       </p:childTnLst>
                     </p:cTn>
                   </p:par>
-                  <p:par>
-                    <p:cTn id="13" fill="hold">
-                      <p:stCondLst>
-                        <p:cond delay="indefinite"/>
-                      </p:stCondLst>
-                      <p:childTnLst>
-                        <p:par>
-                          <p:cTn id="14" fill="hold">
-                            <p:stCondLst>
-                              <p:cond delay="0"/>
-                            </p:stCondLst>
-                            <p:childTnLst>
-                              <p:par>
-                                <p:cTn id="15" presetID="1" presetClass="entr" presetSubtype="0" fill="hold" grpId="0" nodeType="clickEffect">
-                                  <p:stCondLst>
-                                    <p:cond delay="0"/>
-                                  </p:stCondLst>
-                                  <p:childTnLst>
-                                    <p:set>
-                                      <p:cBhvr>
-                                        <p:cTn id="16" dur="1" fill="hold">
-                                          <p:stCondLst>
-                                            <p:cond delay="0"/>
-                                          </p:stCondLst>
-                                        </p:cTn>
-                                        <p:tgtEl>
-                                          <p:spTgt spid="9">
-                                            <p:txEl>
-                                              <p:pRg st="0" end="0"/>
-                                            </p:txEl>
-                                          </p:spTgt>
-                                        </p:tgtEl>
-                                        <p:attrNameLst>
-                                          <p:attrName>style.visibility</p:attrName>
-                                        </p:attrNameLst>
-                                      </p:cBhvr>
-                                      <p:to>
-                                        <p:strVal val="visible"/>
-                                      </p:to>
-                                    </p:set>
-                                  </p:childTnLst>
-                                </p:cTn>
-                              </p:par>
-                            </p:childTnLst>
-                          </p:cTn>
-                        </p:par>
-                      </p:childTnLst>
-                    </p:cTn>
-                  </p:par>
                 </p:childTnLst>
               </p:cTn>
               <p:prevCondLst>
@@ -4660,7 +4590,6 @@
     <p:bldLst>
       <p:bldP spid="7" grpId="0"/>
       <p:bldP spid="7" grpId="1"/>
-      <p:bldP spid="9" grpId="0" uiExpand="1" build="p"/>
     </p:bldLst>
   </p:timing>
 </p:sld>
@@ -4685,6 +4614,552 @@
       </p:grpSpPr>
       <p:sp>
         <p:nvSpPr>
+          <p:cNvPr id="2" name="Title 1">
+            <a:extLst>
+              <a:ext uri="{FF2B5EF4-FFF2-40B4-BE49-F238E27FC236}">
+                <a16:creationId xmlns:a16="http://schemas.microsoft.com/office/drawing/2014/main" id="{18B1F6BD-B982-4F69-8EC7-2C130142E165}"/>
+              </a:ext>
+            </a:extLst>
+          </p:cNvPr>
+          <p:cNvSpPr>
+            <a:spLocks noGrp="1"/>
+          </p:cNvSpPr>
+          <p:nvPr>
+            <p:ph type="title"/>
+          </p:nvPr>
+        </p:nvSpPr>
+        <p:spPr/>
+        <p:txBody>
+          <a:bodyPr>
+            <a:normAutofit fontScale="90000"/>
+          </a:bodyPr>
+          <a:lstStyle/>
+          <a:p>
+            <a:r>
+              <a:rPr lang="zh-CN" altLang="en-US" dirty="0"/>
+              <a:t>相关投资 </a:t>
+            </a:r>
+            <a:r>
+              <a:rPr lang="en-US" altLang="zh-CN" dirty="0"/>
+              <a:t>-- ICO</a:t>
+            </a:r>
+            <a:endParaRPr lang="en-US" dirty="0"/>
+          </a:p>
+        </p:txBody>
+      </p:sp>
+      <p:sp>
+        <p:nvSpPr>
+          <p:cNvPr id="6" name="Content Placeholder 5">
+            <a:extLst>
+              <a:ext uri="{FF2B5EF4-FFF2-40B4-BE49-F238E27FC236}">
+                <a16:creationId xmlns:a16="http://schemas.microsoft.com/office/drawing/2014/main" id="{8869B88C-D23D-4837-956E-C355F5DCE0DF}"/>
+              </a:ext>
+            </a:extLst>
+          </p:cNvPr>
+          <p:cNvSpPr>
+            <a:spLocks noGrp="1"/>
+          </p:cNvSpPr>
+          <p:nvPr>
+            <p:ph idx="1"/>
+          </p:nvPr>
+        </p:nvSpPr>
+        <p:spPr>
+          <a:xfrm>
+            <a:off x="245806" y="1150374"/>
+            <a:ext cx="6134824" cy="5026589"/>
+          </a:xfrm>
+        </p:spPr>
+        <p:txBody>
+          <a:bodyPr/>
+          <a:lstStyle/>
+          <a:p>
+            <a:r>
+              <a:rPr lang="en-US" altLang="zh-CN" dirty="0">
+                <a:solidFill>
+                  <a:prstClr val="black"/>
+                </a:solidFill>
+              </a:rPr>
+              <a:t>IPO: Initial Public Offering (</a:t>
+            </a:r>
+            <a:r>
+              <a:rPr lang="zh-CN" altLang="en-US" dirty="0">
+                <a:solidFill>
+                  <a:prstClr val="black"/>
+                </a:solidFill>
+              </a:rPr>
+              <a:t>上市）</a:t>
+            </a:r>
+            <a:endParaRPr lang="en-US" altLang="zh-CN" dirty="0">
+              <a:solidFill>
+                <a:prstClr val="black"/>
+              </a:solidFill>
+            </a:endParaRPr>
+          </a:p>
+          <a:p>
+            <a:r>
+              <a:rPr lang="en-US" altLang="zh-CN" dirty="0">
+                <a:solidFill>
+                  <a:prstClr val="black"/>
+                </a:solidFill>
+              </a:rPr>
+              <a:t>ICO:</a:t>
+            </a:r>
+            <a:r>
+              <a:rPr lang="zh-CN" altLang="en-US" dirty="0">
+                <a:solidFill>
+                  <a:prstClr val="black"/>
+                </a:solidFill>
+              </a:rPr>
+              <a:t> </a:t>
+            </a:r>
+            <a:r>
+              <a:rPr lang="en-US" altLang="zh-CN" dirty="0">
+                <a:solidFill>
+                  <a:prstClr val="black"/>
+                </a:solidFill>
+              </a:rPr>
+              <a:t>Initial</a:t>
+            </a:r>
+            <a:r>
+              <a:rPr lang="zh-CN" altLang="en-US" dirty="0">
+                <a:solidFill>
+                  <a:prstClr val="black"/>
+                </a:solidFill>
+              </a:rPr>
+              <a:t> </a:t>
+            </a:r>
+            <a:r>
+              <a:rPr lang="en-US" altLang="zh-CN" dirty="0">
+                <a:solidFill>
+                  <a:prstClr val="black"/>
+                </a:solidFill>
+              </a:rPr>
+              <a:t>Coin Offering</a:t>
+            </a:r>
+            <a:r>
+              <a:rPr lang="en-US" altLang="zh-CN" baseline="30000" dirty="0">
+                <a:solidFill>
+                  <a:prstClr val="black"/>
+                </a:solidFill>
+                <a:hlinkClick r:id="rId2"/>
+              </a:rPr>
+              <a:t>[x] </a:t>
+            </a:r>
+            <a:endParaRPr lang="en-US" altLang="zh-CN" baseline="30000" dirty="0">
+              <a:solidFill>
+                <a:prstClr val="black"/>
+              </a:solidFill>
+            </a:endParaRPr>
+          </a:p>
+          <a:p>
+            <a:r>
+              <a:rPr lang="zh-CN" altLang="en-US" dirty="0">
+                <a:hlinkClick r:id="rId3"/>
+              </a:rPr>
+              <a:t>小蚁区块链</a:t>
+            </a:r>
+            <a:endParaRPr lang="en-US" altLang="zh-CN" dirty="0"/>
+          </a:p>
+          <a:p>
+            <a:r>
+              <a:rPr lang="en-US" altLang="zh-CN" dirty="0">
+                <a:solidFill>
+                  <a:prstClr val="black"/>
+                </a:solidFill>
+              </a:rPr>
+              <a:t>Slock.it</a:t>
+            </a:r>
+          </a:p>
+          <a:p>
+            <a:r>
+              <a:rPr lang="zh-CN" altLang="en-US" dirty="0"/>
+              <a:t>未来的</a:t>
+            </a:r>
+            <a:r>
+              <a:rPr lang="en-US" altLang="zh-CN" dirty="0"/>
+              <a:t>ICO</a:t>
+            </a:r>
+            <a:endParaRPr lang="en-US" dirty="0"/>
+          </a:p>
+        </p:txBody>
+      </p:sp>
+      <p:sp>
+        <p:nvSpPr>
+          <p:cNvPr id="5" name="Slide Number Placeholder 4">
+            <a:extLst>
+              <a:ext uri="{FF2B5EF4-FFF2-40B4-BE49-F238E27FC236}">
+                <a16:creationId xmlns:a16="http://schemas.microsoft.com/office/drawing/2014/main" id="{98A8DC1A-2C53-4DEE-B62C-DA70E49887D9}"/>
+              </a:ext>
+            </a:extLst>
+          </p:cNvPr>
+          <p:cNvSpPr>
+            <a:spLocks noGrp="1"/>
+          </p:cNvSpPr>
+          <p:nvPr>
+            <p:ph type="sldNum" sz="quarter" idx="12"/>
+          </p:nvPr>
+        </p:nvSpPr>
+        <p:spPr/>
+        <p:txBody>
+          <a:bodyPr/>
+          <a:lstStyle/>
+          <a:p>
+            <a:fld id="{656EEF9C-D8EE-4444-AD18-FDA4DCDDF73B}" type="slidenum">
+              <a:rPr lang="en-US" smtClean="0"/>
+              <a:t>10</a:t>
+            </a:fld>
+            <a:endParaRPr lang="en-US"/>
+          </a:p>
+        </p:txBody>
+      </p:sp>
+      <p:pic>
+        <p:nvPicPr>
+          <p:cNvPr id="7" name="Picture 6">
+            <a:extLst>
+              <a:ext uri="{FF2B5EF4-FFF2-40B4-BE49-F238E27FC236}">
+                <a16:creationId xmlns:a16="http://schemas.microsoft.com/office/drawing/2014/main" id="{BC25BD77-862B-47BE-961E-632675CDB0B4}"/>
+              </a:ext>
+            </a:extLst>
+          </p:cNvPr>
+          <p:cNvPicPr>
+            <a:picLocks noChangeAspect="1"/>
+          </p:cNvPicPr>
+          <p:nvPr/>
+        </p:nvPicPr>
+        <p:blipFill>
+          <a:blip r:embed="rId4"/>
+          <a:stretch>
+            <a:fillRect/>
+          </a:stretch>
+        </p:blipFill>
+        <p:spPr>
+          <a:xfrm>
+            <a:off x="5561680" y="518985"/>
+            <a:ext cx="6630319" cy="5647038"/>
+          </a:xfrm>
+          <a:prstGeom prst="rect">
+            <a:avLst/>
+          </a:prstGeom>
+        </p:spPr>
+      </p:pic>
+    </p:spTree>
+    <p:extLst>
+      <p:ext uri="{BB962C8B-B14F-4D97-AF65-F5344CB8AC3E}">
+        <p14:creationId xmlns:p14="http://schemas.microsoft.com/office/powerpoint/2010/main" val="4100073520"/>
+      </p:ext>
+    </p:extLst>
+  </p:cSld>
+  <p:clrMapOvr>
+    <a:masterClrMapping/>
+  </p:clrMapOvr>
+</p:sld>
+</file>
+
+<file path=ppt/slides/slide11.xml><?xml version="1.0" encoding="utf-8"?>
+<p:sld xmlns:a="http://schemas.openxmlformats.org/drawingml/2006/main" xmlns:r="http://schemas.openxmlformats.org/officeDocument/2006/relationships" xmlns:p="http://schemas.openxmlformats.org/presentationml/2006/main">
+  <p:cSld>
+    <p:spTree>
+      <p:nvGrpSpPr>
+        <p:cNvPr id="1" name=""/>
+        <p:cNvGrpSpPr/>
+        <p:nvPr/>
+      </p:nvGrpSpPr>
+      <p:grpSpPr>
+        <a:xfrm>
+          <a:off x="0" y="0"/>
+          <a:ext cx="0" cy="0"/>
+          <a:chOff x="0" y="0"/>
+          <a:chExt cx="0" cy="0"/>
+        </a:xfrm>
+      </p:grpSpPr>
+      <p:sp>
+        <p:nvSpPr>
+          <p:cNvPr id="2" name="Title 1">
+            <a:extLst>
+              <a:ext uri="{FF2B5EF4-FFF2-40B4-BE49-F238E27FC236}">
+                <a16:creationId xmlns:a16="http://schemas.microsoft.com/office/drawing/2014/main" id="{DCBDA74F-CAEE-439A-9EDD-F0433D126267}"/>
+              </a:ext>
+            </a:extLst>
+          </p:cNvPr>
+          <p:cNvSpPr>
+            <a:spLocks noGrp="1"/>
+          </p:cNvSpPr>
+          <p:nvPr>
+            <p:ph type="title"/>
+          </p:nvPr>
+        </p:nvSpPr>
+        <p:spPr/>
+        <p:txBody>
+          <a:bodyPr>
+            <a:normAutofit fontScale="90000"/>
+          </a:bodyPr>
+          <a:lstStyle/>
+          <a:p>
+            <a:r>
+              <a:rPr lang="zh-CN" altLang="en-US" dirty="0"/>
+              <a:t>相关投资 </a:t>
+            </a:r>
+            <a:r>
+              <a:rPr lang="en-US" altLang="zh-CN" dirty="0"/>
+              <a:t>-- </a:t>
+            </a:r>
+            <a:r>
+              <a:rPr lang="zh-CN" altLang="en-US" dirty="0"/>
+              <a:t>买卖比特币 </a:t>
+            </a:r>
+            <a:r>
+              <a:rPr lang="en-US" altLang="zh-CN" dirty="0"/>
+              <a:t>/ </a:t>
+            </a:r>
+            <a:r>
+              <a:rPr lang="zh-CN" altLang="en-US" dirty="0"/>
+              <a:t>以太币</a:t>
+            </a:r>
+            <a:endParaRPr lang="en-US" dirty="0"/>
+          </a:p>
+        </p:txBody>
+      </p:sp>
+      <p:sp>
+        <p:nvSpPr>
+          <p:cNvPr id="5" name="Slide Number Placeholder 4">
+            <a:extLst>
+              <a:ext uri="{FF2B5EF4-FFF2-40B4-BE49-F238E27FC236}">
+                <a16:creationId xmlns:a16="http://schemas.microsoft.com/office/drawing/2014/main" id="{996B947C-1538-4E71-81DA-5BE9F0EBC526}"/>
+              </a:ext>
+            </a:extLst>
+          </p:cNvPr>
+          <p:cNvSpPr>
+            <a:spLocks noGrp="1"/>
+          </p:cNvSpPr>
+          <p:nvPr>
+            <p:ph type="sldNum" sz="quarter" idx="12"/>
+          </p:nvPr>
+        </p:nvSpPr>
+        <p:spPr/>
+        <p:txBody>
+          <a:bodyPr/>
+          <a:lstStyle/>
+          <a:p>
+            <a:fld id="{656EEF9C-D8EE-4444-AD18-FDA4DCDDF73B}" type="slidenum">
+              <a:rPr lang="en-US" smtClean="0"/>
+              <a:t>11</a:t>
+            </a:fld>
+            <a:endParaRPr lang="en-US"/>
+          </a:p>
+        </p:txBody>
+      </p:sp>
+      <p:pic>
+        <p:nvPicPr>
+          <p:cNvPr id="6" name="Picture 5">
+            <a:extLst>
+              <a:ext uri="{FF2B5EF4-FFF2-40B4-BE49-F238E27FC236}">
+                <a16:creationId xmlns:a16="http://schemas.microsoft.com/office/drawing/2014/main" id="{8FD9C393-50D7-43B1-A1D0-9BCE6AC1946C}"/>
+              </a:ext>
+            </a:extLst>
+          </p:cNvPr>
+          <p:cNvPicPr>
+            <a:picLocks noChangeAspect="1"/>
+          </p:cNvPicPr>
+          <p:nvPr/>
+        </p:nvPicPr>
+        <p:blipFill>
+          <a:blip r:embed="rId3"/>
+          <a:stretch>
+            <a:fillRect/>
+          </a:stretch>
+        </p:blipFill>
+        <p:spPr>
+          <a:xfrm>
+            <a:off x="6102624" y="1240968"/>
+            <a:ext cx="6082874" cy="5225145"/>
+          </a:xfrm>
+          <a:prstGeom prst="rect">
+            <a:avLst/>
+          </a:prstGeom>
+        </p:spPr>
+      </p:pic>
+      <p:pic>
+        <p:nvPicPr>
+          <p:cNvPr id="7" name="Picture 6">
+            <a:extLst>
+              <a:ext uri="{FF2B5EF4-FFF2-40B4-BE49-F238E27FC236}">
+                <a16:creationId xmlns:a16="http://schemas.microsoft.com/office/drawing/2014/main" id="{93356490-3DAE-495A-AC51-FB7D5082F7BE}"/>
+              </a:ext>
+            </a:extLst>
+          </p:cNvPr>
+          <p:cNvPicPr>
+            <a:picLocks noChangeAspect="1"/>
+          </p:cNvPicPr>
+          <p:nvPr/>
+        </p:nvPicPr>
+        <p:blipFill>
+          <a:blip r:embed="rId4"/>
+          <a:stretch>
+            <a:fillRect/>
+          </a:stretch>
+        </p:blipFill>
+        <p:spPr>
+          <a:xfrm>
+            <a:off x="13302" y="1422030"/>
+            <a:ext cx="6006497" cy="5044083"/>
+          </a:xfrm>
+          <a:prstGeom prst="rect">
+            <a:avLst/>
+          </a:prstGeom>
+        </p:spPr>
+      </p:pic>
+    </p:spTree>
+    <p:extLst>
+      <p:ext uri="{BB962C8B-B14F-4D97-AF65-F5344CB8AC3E}">
+        <p14:creationId xmlns:p14="http://schemas.microsoft.com/office/powerpoint/2010/main" val="2270978416"/>
+      </p:ext>
+    </p:extLst>
+  </p:cSld>
+  <p:clrMapOvr>
+    <a:masterClrMapping/>
+  </p:clrMapOvr>
+</p:sld>
+</file>
+
+<file path=ppt/slides/slide12.xml><?xml version="1.0" encoding="utf-8"?>
+<p:sld xmlns:a="http://schemas.openxmlformats.org/drawingml/2006/main" xmlns:r="http://schemas.openxmlformats.org/officeDocument/2006/relationships" xmlns:p="http://schemas.openxmlformats.org/presentationml/2006/main">
+  <p:cSld>
+    <p:spTree>
+      <p:nvGrpSpPr>
+        <p:cNvPr id="1" name=""/>
+        <p:cNvGrpSpPr/>
+        <p:nvPr/>
+      </p:nvGrpSpPr>
+      <p:grpSpPr>
+        <a:xfrm>
+          <a:off x="0" y="0"/>
+          <a:ext cx="0" cy="0"/>
+          <a:chOff x="0" y="0"/>
+          <a:chExt cx="0" cy="0"/>
+        </a:xfrm>
+      </p:grpSpPr>
+      <p:sp>
+        <p:nvSpPr>
+          <p:cNvPr id="2" name="Title 1"/>
+          <p:cNvSpPr>
+            <a:spLocks noGrp="1"/>
+          </p:cNvSpPr>
+          <p:nvPr>
+            <p:ph type="title"/>
+          </p:nvPr>
+        </p:nvSpPr>
+        <p:spPr>
+          <a:xfrm>
+            <a:off x="979695" y="2299446"/>
+            <a:ext cx="9702882" cy="618101"/>
+          </a:xfrm>
+        </p:spPr>
+        <p:txBody>
+          <a:bodyPr>
+            <a:noAutofit/>
+          </a:bodyPr>
+          <a:lstStyle/>
+          <a:p>
+            <a:pPr algn="ctr"/>
+            <a:r>
+              <a:rPr lang="en-US" sz="11500" dirty="0"/>
+              <a:t>Q &amp; A</a:t>
+            </a:r>
+          </a:p>
+        </p:txBody>
+      </p:sp>
+      <p:sp>
+        <p:nvSpPr>
+          <p:cNvPr id="5" name="Slide Number Placeholder 4"/>
+          <p:cNvSpPr>
+            <a:spLocks noGrp="1"/>
+          </p:cNvSpPr>
+          <p:nvPr>
+            <p:ph type="sldNum" sz="quarter" idx="12"/>
+          </p:nvPr>
+        </p:nvSpPr>
+        <p:spPr/>
+        <p:txBody>
+          <a:bodyPr/>
+          <a:lstStyle/>
+          <a:p>
+            <a:fld id="{656EEF9C-D8EE-4444-AD18-FDA4DCDDF73B}" type="slidenum">
+              <a:rPr lang="en-US" smtClean="0"/>
+              <a:t>12</a:t>
+            </a:fld>
+            <a:endParaRPr lang="en-US"/>
+          </a:p>
+        </p:txBody>
+      </p:sp>
+      <p:sp>
+        <p:nvSpPr>
+          <p:cNvPr id="4" name="Rectangle 3">
+            <a:extLst>
+              <a:ext uri="{FF2B5EF4-FFF2-40B4-BE49-F238E27FC236}">
+                <a16:creationId xmlns:a16="http://schemas.microsoft.com/office/drawing/2014/main" id="{1D8BF281-2BBE-4282-BBDC-BDEECCAD3CE9}"/>
+              </a:ext>
+            </a:extLst>
+          </p:cNvPr>
+          <p:cNvSpPr/>
+          <p:nvPr/>
+        </p:nvSpPr>
+        <p:spPr>
+          <a:xfrm>
+            <a:off x="0" y="6488668"/>
+            <a:ext cx="1081377" cy="369332"/>
+          </a:xfrm>
+          <a:prstGeom prst="rect">
+            <a:avLst/>
+          </a:prstGeom>
+        </p:spPr>
+        <p:txBody>
+          <a:bodyPr wrap="square">
+            <a:spAutoFit/>
+          </a:bodyPr>
+          <a:lstStyle/>
+          <a:p>
+            <a:r>
+              <a:rPr lang="en-US" dirty="0">
+                <a:hlinkClick r:id="rId2" action="ppaction://hlinksldjump"/>
+              </a:rPr>
+              <a:t>Index</a:t>
+            </a:r>
+            <a:endParaRPr lang="en-US" dirty="0"/>
+          </a:p>
+        </p:txBody>
+      </p:sp>
+    </p:spTree>
+    <p:extLst>
+      <p:ext uri="{BB962C8B-B14F-4D97-AF65-F5344CB8AC3E}">
+        <p14:creationId xmlns:p14="http://schemas.microsoft.com/office/powerpoint/2010/main" val="564625984"/>
+      </p:ext>
+    </p:extLst>
+  </p:cSld>
+  <p:clrMapOvr>
+    <a:masterClrMapping/>
+  </p:clrMapOvr>
+</p:sld>
+</file>
+
+<file path=ppt/slides/slide13.xml><?xml version="1.0" encoding="utf-8"?>
+<p:sld xmlns:a="http://schemas.openxmlformats.org/drawingml/2006/main" xmlns:r="http://schemas.openxmlformats.org/officeDocument/2006/relationships" xmlns:p="http://schemas.openxmlformats.org/presentationml/2006/main">
+  <p:cSld>
+    <p:spTree>
+      <p:nvGrpSpPr>
+        <p:cNvPr id="1" name=""/>
+        <p:cNvGrpSpPr/>
+        <p:nvPr/>
+      </p:nvGrpSpPr>
+      <p:grpSpPr>
+        <a:xfrm>
+          <a:off x="0" y="0"/>
+          <a:ext cx="0" cy="0"/>
+          <a:chOff x="0" y="0"/>
+          <a:chExt cx="0" cy="0"/>
+        </a:xfrm>
+      </p:grpSpPr>
+      <p:sp>
+        <p:nvSpPr>
           <p:cNvPr id="2" name="Title 1"/>
           <p:cNvSpPr>
             <a:spLocks noGrp="1"/>
@@ -4835,7 +5310,7 @@
           <a:p>
             <a:fld id="{656EEF9C-D8EE-4444-AD18-FDA4DCDDF73B}" type="slidenum">
               <a:rPr lang="en-US" smtClean="0"/>
-              <a:t>10</a:t>
+              <a:t>13</a:t>
             </a:fld>
             <a:endParaRPr lang="en-US"/>
           </a:p>
@@ -4910,3320 +5385,200 @@
       </p:grpSpPr>
       <p:sp>
         <p:nvSpPr>
-          <p:cNvPr id="84" name="Content Questions">
+          <p:cNvPr id="2" name="Title 1">
             <a:extLst>
               <a:ext uri="{FF2B5EF4-FFF2-40B4-BE49-F238E27FC236}">
-                <a16:creationId xmlns:a16="http://schemas.microsoft.com/office/drawing/2014/main" id="{F42C48F1-43DE-4EA6-94FE-EAE195F55828}"/>
+                <a16:creationId xmlns:a16="http://schemas.microsoft.com/office/drawing/2014/main" id="{8A791F66-3543-4826-A603-AB77B7064494}"/>
               </a:ext>
             </a:extLst>
           </p:cNvPr>
-          <p:cNvSpPr txBox="1">
-            <a:spLocks/>
-          </p:cNvSpPr>
-          <p:nvPr/>
-        </p:nvSpPr>
-        <p:spPr>
-          <a:xfrm>
-            <a:off x="5979237" y="3352636"/>
-            <a:ext cx="5806369" cy="3394104"/>
-          </a:xfrm>
-          <a:prstGeom prst="rect">
-            <a:avLst/>
-          </a:prstGeom>
-        </p:spPr>
-        <p:txBody>
-          <a:bodyPr vert="horz" lIns="91440" tIns="45720" rIns="91440" bIns="45720" rtlCol="0">
-            <a:normAutofit fontScale="92500" lnSpcReduction="10000"/>
+          <p:cNvSpPr>
+            <a:spLocks noGrp="1"/>
+          </p:cNvSpPr>
+          <p:nvPr>
+            <p:ph type="title"/>
+          </p:nvPr>
+        </p:nvSpPr>
+        <p:spPr/>
+        <p:txBody>
+          <a:bodyPr>
+            <a:normAutofit fontScale="90000"/>
           </a:bodyPr>
-          <a:lstStyle>
-            <a:lvl1pPr marL="228600" indent="-228600" algn="l" defTabSz="914400" rtl="0" eaLnBrk="1" latinLnBrk="0" hangingPunct="1">
-              <a:lnSpc>
-                <a:spcPct val="90000"/>
-              </a:lnSpc>
-              <a:spcBef>
-                <a:spcPts val="1000"/>
-              </a:spcBef>
-              <a:buFont typeface="Arial" panose="020B0604020202020204" pitchFamily="34" charset="0"/>
-              <a:buChar char="•"/>
-              <a:defRPr sz="2800" kern="1200">
-                <a:solidFill>
-                  <a:schemeClr val="tx1"/>
-                </a:solidFill>
-                <a:latin typeface="+mn-lt"/>
-                <a:ea typeface="+mn-ea"/>
-                <a:cs typeface="+mn-cs"/>
-              </a:defRPr>
-            </a:lvl1pPr>
-            <a:lvl2pPr marL="685800" indent="-228600" algn="l" defTabSz="914400" rtl="0" eaLnBrk="1" latinLnBrk="0" hangingPunct="1">
-              <a:lnSpc>
-                <a:spcPct val="90000"/>
-              </a:lnSpc>
-              <a:spcBef>
-                <a:spcPts val="500"/>
-              </a:spcBef>
-              <a:buFont typeface="Arial" panose="020B0604020202020204" pitchFamily="34" charset="0"/>
-              <a:buChar char="•"/>
-              <a:defRPr sz="2400" kern="1200">
-                <a:solidFill>
-                  <a:schemeClr val="tx1"/>
-                </a:solidFill>
-                <a:latin typeface="+mn-lt"/>
-                <a:ea typeface="+mn-ea"/>
-                <a:cs typeface="+mn-cs"/>
-              </a:defRPr>
-            </a:lvl2pPr>
-            <a:lvl3pPr marL="1143000" indent="-228600" algn="l" defTabSz="914400" rtl="0" eaLnBrk="1" latinLnBrk="0" hangingPunct="1">
-              <a:lnSpc>
-                <a:spcPct val="90000"/>
-              </a:lnSpc>
-              <a:spcBef>
-                <a:spcPts val="500"/>
-              </a:spcBef>
-              <a:buFont typeface="Arial" panose="020B0604020202020204" pitchFamily="34" charset="0"/>
-              <a:buChar char="•"/>
-              <a:defRPr sz="2000" kern="1200">
-                <a:solidFill>
-                  <a:schemeClr val="tx1"/>
-                </a:solidFill>
-                <a:latin typeface="+mn-lt"/>
-                <a:ea typeface="+mn-ea"/>
-                <a:cs typeface="+mn-cs"/>
-              </a:defRPr>
-            </a:lvl3pPr>
-            <a:lvl4pPr marL="1600200" indent="-228600" algn="l" defTabSz="914400" rtl="0" eaLnBrk="1" latinLnBrk="0" hangingPunct="1">
-              <a:lnSpc>
-                <a:spcPct val="90000"/>
-              </a:lnSpc>
-              <a:spcBef>
-                <a:spcPts val="500"/>
-              </a:spcBef>
-              <a:buFont typeface="Arial" panose="020B0604020202020204" pitchFamily="34" charset="0"/>
-              <a:buChar char="•"/>
-              <a:defRPr sz="1800" kern="1200">
-                <a:solidFill>
-                  <a:schemeClr val="tx1"/>
-                </a:solidFill>
-                <a:latin typeface="+mn-lt"/>
-                <a:ea typeface="+mn-ea"/>
-                <a:cs typeface="+mn-cs"/>
-              </a:defRPr>
-            </a:lvl4pPr>
-            <a:lvl5pPr marL="2057400" indent="-228600" algn="l" defTabSz="914400" rtl="0" eaLnBrk="1" latinLnBrk="0" hangingPunct="1">
-              <a:lnSpc>
-                <a:spcPct val="90000"/>
-              </a:lnSpc>
-              <a:spcBef>
-                <a:spcPts val="500"/>
-              </a:spcBef>
-              <a:buFont typeface="Arial" panose="020B0604020202020204" pitchFamily="34" charset="0"/>
-              <a:buChar char="•"/>
-              <a:defRPr sz="1800" kern="1200">
-                <a:solidFill>
-                  <a:schemeClr val="tx1"/>
-                </a:solidFill>
-                <a:latin typeface="+mn-lt"/>
-                <a:ea typeface="+mn-ea"/>
-                <a:cs typeface="+mn-cs"/>
-              </a:defRPr>
-            </a:lvl5pPr>
-            <a:lvl6pPr marL="2514600" indent="-228600" algn="l" defTabSz="914400" rtl="0" eaLnBrk="1" latinLnBrk="0" hangingPunct="1">
-              <a:lnSpc>
-                <a:spcPct val="90000"/>
-              </a:lnSpc>
-              <a:spcBef>
-                <a:spcPts val="500"/>
-              </a:spcBef>
-              <a:buFont typeface="Arial" panose="020B0604020202020204" pitchFamily="34" charset="0"/>
-              <a:buChar char="•"/>
-              <a:defRPr sz="1800" kern="1200">
-                <a:solidFill>
-                  <a:schemeClr val="tx1"/>
-                </a:solidFill>
-                <a:latin typeface="+mn-lt"/>
-                <a:ea typeface="+mn-ea"/>
-                <a:cs typeface="+mn-cs"/>
-              </a:defRPr>
-            </a:lvl6pPr>
-            <a:lvl7pPr marL="2971800" indent="-228600" algn="l" defTabSz="914400" rtl="0" eaLnBrk="1" latinLnBrk="0" hangingPunct="1">
-              <a:lnSpc>
-                <a:spcPct val="90000"/>
-              </a:lnSpc>
-              <a:spcBef>
-                <a:spcPts val="500"/>
-              </a:spcBef>
-              <a:buFont typeface="Arial" panose="020B0604020202020204" pitchFamily="34" charset="0"/>
-              <a:buChar char="•"/>
-              <a:defRPr sz="1800" kern="1200">
-                <a:solidFill>
-                  <a:schemeClr val="tx1"/>
-                </a:solidFill>
-                <a:latin typeface="+mn-lt"/>
-                <a:ea typeface="+mn-ea"/>
-                <a:cs typeface="+mn-cs"/>
-              </a:defRPr>
-            </a:lvl7pPr>
-            <a:lvl8pPr marL="3429000" indent="-228600" algn="l" defTabSz="914400" rtl="0" eaLnBrk="1" latinLnBrk="0" hangingPunct="1">
-              <a:lnSpc>
-                <a:spcPct val="90000"/>
-              </a:lnSpc>
-              <a:spcBef>
-                <a:spcPts val="500"/>
-              </a:spcBef>
-              <a:buFont typeface="Arial" panose="020B0604020202020204" pitchFamily="34" charset="0"/>
-              <a:buChar char="•"/>
-              <a:defRPr sz="1800" kern="1200">
-                <a:solidFill>
-                  <a:schemeClr val="tx1"/>
-                </a:solidFill>
-                <a:latin typeface="+mn-lt"/>
-                <a:ea typeface="+mn-ea"/>
-                <a:cs typeface="+mn-cs"/>
-              </a:defRPr>
-            </a:lvl8pPr>
-            <a:lvl9pPr marL="3886200" indent="-228600" algn="l" defTabSz="914400" rtl="0" eaLnBrk="1" latinLnBrk="0" hangingPunct="1">
-              <a:lnSpc>
-                <a:spcPct val="90000"/>
-              </a:lnSpc>
-              <a:spcBef>
-                <a:spcPts val="500"/>
-              </a:spcBef>
-              <a:buFont typeface="Arial" panose="020B0604020202020204" pitchFamily="34" charset="0"/>
-              <a:buChar char="•"/>
-              <a:defRPr sz="1800" kern="1200">
-                <a:solidFill>
-                  <a:schemeClr val="tx1"/>
-                </a:solidFill>
-                <a:latin typeface="+mn-lt"/>
-                <a:ea typeface="+mn-ea"/>
-                <a:cs typeface="+mn-cs"/>
-              </a:defRPr>
-            </a:lvl9pPr>
-          </a:lstStyle>
-          <a:p>
-            <a:r>
-              <a:rPr lang="en-US" dirty="0"/>
-              <a:t>What are transactions?  </a:t>
-            </a:r>
-          </a:p>
-          <a:p>
-            <a:pPr lvl="1"/>
-            <a:r>
-              <a:rPr lang="en-US" b="1" dirty="0">
-                <a:solidFill>
-                  <a:schemeClr val="accent6">
-                    <a:lumMod val="50000"/>
-                  </a:schemeClr>
-                </a:solidFill>
-                <a:sym typeface="Wingdings" panose="05000000000000000000" pitchFamily="2" charset="2"/>
-              </a:rPr>
-              <a:t>transfer of money!    </a:t>
-            </a:r>
-            <a:r>
-              <a:rPr lang="en-US" b="1" dirty="0">
-                <a:solidFill>
-                  <a:schemeClr val="accent6">
-                    <a:lumMod val="50000"/>
-                  </a:schemeClr>
-                </a:solidFill>
-              </a:rPr>
-              <a:t>Alice </a:t>
-            </a:r>
-            <a:r>
-              <a:rPr lang="en-US" altLang="zh-CN" b="1" dirty="0">
-                <a:solidFill>
-                  <a:schemeClr val="accent6">
-                    <a:lumMod val="50000"/>
-                  </a:schemeClr>
-                </a:solidFill>
-                <a:sym typeface="Wingdings" panose="05000000000000000000" pitchFamily="2" charset="2"/>
-              </a:rPr>
-              <a:t></a:t>
-            </a:r>
-            <a:r>
-              <a:rPr lang="en-US" altLang="zh-CN" b="1" dirty="0">
-                <a:solidFill>
-                  <a:schemeClr val="accent6">
-                    <a:lumMod val="50000"/>
-                  </a:schemeClr>
-                </a:solidFill>
-              </a:rPr>
-              <a:t> Bob 5 BTC</a:t>
-            </a:r>
-            <a:r>
-              <a:rPr lang="en-US" b="1" dirty="0">
-                <a:solidFill>
-                  <a:schemeClr val="accent6">
-                    <a:lumMod val="50000"/>
-                  </a:schemeClr>
-                </a:solidFill>
-                <a:sym typeface="Wingdings" panose="05000000000000000000" pitchFamily="2" charset="2"/>
-              </a:rPr>
-              <a:t> </a:t>
-            </a:r>
-            <a:endParaRPr lang="en-US" b="1" dirty="0">
-              <a:solidFill>
-                <a:schemeClr val="accent6">
-                  <a:lumMod val="50000"/>
-                </a:schemeClr>
-              </a:solidFill>
-            </a:endParaRPr>
-          </a:p>
-          <a:p>
-            <a:r>
-              <a:rPr lang="en-US" dirty="0"/>
-              <a:t>Where are they keeps?</a:t>
-            </a:r>
-          </a:p>
-          <a:p>
-            <a:pPr lvl="1"/>
-            <a:r>
-              <a:rPr lang="en-US" b="1" dirty="0">
-                <a:solidFill>
-                  <a:schemeClr val="accent6">
-                    <a:lumMod val="50000"/>
-                  </a:schemeClr>
-                </a:solidFill>
-              </a:rPr>
-              <a:t>In the ledger!</a:t>
-            </a:r>
-          </a:p>
-          <a:p>
-            <a:r>
-              <a:rPr lang="en-US" dirty="0"/>
-              <a:t>Where are user’s bitcoins come from?</a:t>
-            </a:r>
-          </a:p>
-          <a:p>
-            <a:pPr lvl="1"/>
-            <a:r>
-              <a:rPr lang="en-US" b="1" dirty="0">
-                <a:solidFill>
-                  <a:schemeClr val="accent6">
-                    <a:lumMod val="50000"/>
-                  </a:schemeClr>
-                </a:solidFill>
-              </a:rPr>
-              <a:t>From transactions!</a:t>
-            </a:r>
-          </a:p>
-          <a:p>
-            <a:r>
-              <a:rPr lang="en-US" dirty="0"/>
-              <a:t>Where is the ledger stored?</a:t>
-            </a:r>
-          </a:p>
-          <a:p>
-            <a:pPr lvl="1"/>
-            <a:r>
-              <a:rPr lang="en-US" b="1" dirty="0">
-                <a:solidFill>
-                  <a:schemeClr val="accent6">
-                    <a:lumMod val="50000"/>
-                  </a:schemeClr>
-                </a:solidFill>
-              </a:rPr>
-              <a:t>In the blockchain that every </a:t>
-            </a:r>
-            <a:br>
-              <a:rPr lang="en-US" b="1" dirty="0">
-                <a:solidFill>
-                  <a:schemeClr val="accent6">
-                    <a:lumMod val="50000"/>
-                  </a:schemeClr>
-                </a:solidFill>
-              </a:rPr>
-            </a:br>
-            <a:r>
-              <a:rPr lang="en-US" b="1" dirty="0">
-                <a:solidFill>
-                  <a:schemeClr val="accent6">
-                    <a:lumMod val="50000"/>
-                  </a:schemeClr>
-                </a:solidFill>
-              </a:rPr>
-              <a:t>node maintains!</a:t>
-            </a:r>
-          </a:p>
-        </p:txBody>
-      </p:sp>
-      <p:pic>
-        <p:nvPicPr>
-          <p:cNvPr id="13" name="bc_Earch">
+          <a:lstStyle/>
+          <a:p>
+            <a:r>
+              <a:rPr lang="zh-CN" altLang="en-US" dirty="0"/>
+              <a:t>内容大纲</a:t>
+            </a:r>
+            <a:endParaRPr lang="en-US" dirty="0"/>
+          </a:p>
+        </p:txBody>
+      </p:sp>
+      <p:sp>
+        <p:nvSpPr>
+          <p:cNvPr id="3" name="Content Placeholder 2">
             <a:extLst>
               <a:ext uri="{FF2B5EF4-FFF2-40B4-BE49-F238E27FC236}">
-                <a16:creationId xmlns:a16="http://schemas.microsoft.com/office/drawing/2014/main" id="{2718B07E-D8ED-4EC0-B7BE-BD6618486AE2}"/>
+                <a16:creationId xmlns:a16="http://schemas.microsoft.com/office/drawing/2014/main" id="{EBF14F64-FEB8-48C0-A453-AC89B4D65FBE}"/>
               </a:ext>
             </a:extLst>
           </p:cNvPr>
-          <p:cNvPicPr>
-            <a:picLocks noChangeAspect="1"/>
-          </p:cNvPicPr>
-          <p:nvPr/>
-        </p:nvPicPr>
-        <p:blipFill>
-          <a:blip r:embed="rId3"/>
-          <a:stretch>
-            <a:fillRect/>
-          </a:stretch>
-        </p:blipFill>
-        <p:spPr>
-          <a:xfrm>
-            <a:off x="768116" y="4198011"/>
-            <a:ext cx="2174471" cy="2122725"/>
-          </a:xfrm>
-          <a:prstGeom prst="rect">
-            <a:avLst/>
-          </a:prstGeom>
-        </p:spPr>
-      </p:pic>
-      <p:pic>
-        <p:nvPicPr>
-          <p:cNvPr id="14" name="bc_ledger">
+          <p:cNvSpPr>
+            <a:spLocks noGrp="1"/>
+          </p:cNvSpPr>
+          <p:nvPr>
+            <p:ph sz="half" idx="1"/>
+          </p:nvPr>
+        </p:nvSpPr>
+        <p:spPr/>
+        <p:txBody>
+          <a:bodyPr>
+            <a:normAutofit lnSpcReduction="10000"/>
+          </a:bodyPr>
+          <a:lstStyle/>
+          <a:p>
+            <a:r>
+              <a:rPr lang="zh-CN" altLang="en-US" dirty="0"/>
+              <a:t>区块链简介</a:t>
+            </a:r>
+            <a:endParaRPr lang="en-US" dirty="0"/>
+          </a:p>
+          <a:p>
+            <a:r>
+              <a:rPr lang="en-US" dirty="0"/>
+              <a:t>The DAO</a:t>
+            </a:r>
+          </a:p>
+          <a:p>
+            <a:r>
+              <a:rPr lang="zh-CN" altLang="en-US" dirty="0"/>
+              <a:t>以太坊分叉</a:t>
+            </a:r>
+            <a:endParaRPr lang="en-US" altLang="zh-CN" dirty="0"/>
+          </a:p>
+          <a:p>
+            <a:r>
+              <a:rPr lang="zh-CN" altLang="en-US" dirty="0"/>
+              <a:t>以太坊价值估算</a:t>
+            </a:r>
+            <a:endParaRPr lang="en-US" altLang="zh-CN" dirty="0"/>
+          </a:p>
+          <a:p>
+            <a:r>
+              <a:rPr lang="zh-CN" altLang="en-US" dirty="0"/>
+              <a:t>以太坊商业前景</a:t>
+            </a:r>
+            <a:endParaRPr lang="en-US" altLang="zh-CN" dirty="0"/>
+          </a:p>
+          <a:p>
+            <a:r>
+              <a:rPr lang="zh-CN" altLang="en-US" dirty="0"/>
+              <a:t>买卖以太币</a:t>
+            </a:r>
+            <a:endParaRPr lang="en-US" altLang="zh-CN" dirty="0"/>
+          </a:p>
+          <a:p>
+            <a:pPr marL="514350" indent="-514350">
+              <a:buFont typeface="+mj-lt"/>
+              <a:buAutoNum type="arabicPeriod"/>
+            </a:pPr>
+            <a:r>
+              <a:rPr lang="zh-CN" altLang="en-US" dirty="0"/>
+              <a:t>以太坊简介 </a:t>
+            </a:r>
+            <a:r>
+              <a:rPr lang="en-US" dirty="0"/>
+              <a:t>&gt;&gt;</a:t>
+            </a:r>
+          </a:p>
+          <a:p>
+            <a:pPr marL="514350" indent="-514350">
+              <a:buFont typeface="+mj-lt"/>
+              <a:buAutoNum type="arabicPeriod"/>
+            </a:pPr>
+            <a:r>
+              <a:rPr lang="zh-CN" altLang="en-US" dirty="0"/>
+              <a:t>应用实例</a:t>
+            </a:r>
+            <a:r>
+              <a:rPr lang="en-US" dirty="0"/>
+              <a:t> &gt;&gt;</a:t>
+            </a:r>
+          </a:p>
+          <a:p>
+            <a:pPr marL="514350" indent="-514350">
+              <a:buFont typeface="+mj-lt"/>
+              <a:buAutoNum type="arabicPeriod"/>
+            </a:pPr>
+            <a:r>
+              <a:rPr lang="zh-CN" altLang="en-US" dirty="0"/>
+              <a:t>我们工作 </a:t>
+            </a:r>
+            <a:r>
+              <a:rPr lang="en-US" altLang="zh-CN" dirty="0"/>
+              <a:t>&gt;&gt;</a:t>
+            </a:r>
+          </a:p>
+          <a:p>
+            <a:pPr marL="514350" indent="-514350">
+              <a:buFont typeface="+mj-lt"/>
+              <a:buAutoNum type="arabicPeriod"/>
+            </a:pPr>
+            <a:r>
+              <a:rPr lang="zh-CN" altLang="en-US" dirty="0"/>
+              <a:t>相关投资 </a:t>
+            </a:r>
+            <a:r>
+              <a:rPr lang="en-US" altLang="zh-CN" dirty="0"/>
+              <a:t>&gt;&gt;</a:t>
+            </a:r>
+            <a:endParaRPr lang="en-US" dirty="0"/>
+          </a:p>
+        </p:txBody>
+      </p:sp>
+      <p:sp>
+        <p:nvSpPr>
+          <p:cNvPr id="5" name="Slide Number Placeholder 4">
             <a:extLst>
               <a:ext uri="{FF2B5EF4-FFF2-40B4-BE49-F238E27FC236}">
-                <a16:creationId xmlns:a16="http://schemas.microsoft.com/office/drawing/2014/main" id="{A590E941-BAD1-4EDE-888D-75BDA8CF4711}"/>
+                <a16:creationId xmlns:a16="http://schemas.microsoft.com/office/drawing/2014/main" id="{A324D5D8-E931-49AF-883D-16DC94387972}"/>
               </a:ext>
             </a:extLst>
           </p:cNvPr>
-          <p:cNvPicPr>
-            <a:picLocks noChangeAspect="1"/>
-          </p:cNvPicPr>
-          <p:nvPr/>
-        </p:nvPicPr>
-        <p:blipFill>
-          <a:blip r:embed="rId4"/>
-          <a:stretch>
-            <a:fillRect/>
-          </a:stretch>
-        </p:blipFill>
-        <p:spPr>
-          <a:xfrm>
-            <a:off x="74809" y="3893912"/>
-            <a:ext cx="3597920" cy="2497826"/>
-          </a:xfrm>
-          <a:prstGeom prst="rect">
-            <a:avLst/>
-          </a:prstGeom>
-        </p:spPr>
-      </p:pic>
-      <p:pic>
-        <p:nvPicPr>
-          <p:cNvPr id="11" name="bank_people">
-            <a:extLst>
-              <a:ext uri="{FF2B5EF4-FFF2-40B4-BE49-F238E27FC236}">
-                <a16:creationId xmlns:a16="http://schemas.microsoft.com/office/drawing/2014/main" id="{F0C3F369-9F4F-486D-803F-1667C23659A5}"/>
-              </a:ext>
-            </a:extLst>
-          </p:cNvPr>
-          <p:cNvPicPr>
-            <a:picLocks noChangeAspect="1"/>
-          </p:cNvPicPr>
-          <p:nvPr/>
-        </p:nvPicPr>
-        <p:blipFill>
-          <a:blip r:embed="rId5"/>
-          <a:stretch>
-            <a:fillRect/>
-          </a:stretch>
-        </p:blipFill>
-        <p:spPr>
-          <a:xfrm>
-            <a:off x="4564253" y="553610"/>
-            <a:ext cx="3100148" cy="2642750"/>
-          </a:xfrm>
-          <a:prstGeom prst="rect">
-            <a:avLst/>
-          </a:prstGeom>
-        </p:spPr>
-      </p:pic>
-      <p:pic>
-        <p:nvPicPr>
-          <p:cNvPr id="10" name="bank_frame">
-            <a:extLst>
-              <a:ext uri="{FF2B5EF4-FFF2-40B4-BE49-F238E27FC236}">
-                <a16:creationId xmlns:a16="http://schemas.microsoft.com/office/drawing/2014/main" id="{F1BC2A88-934B-4D6B-9AE1-57EE8FD4E803}"/>
-              </a:ext>
-            </a:extLst>
-          </p:cNvPr>
-          <p:cNvPicPr>
-            <a:picLocks noChangeAspect="1"/>
-          </p:cNvPicPr>
-          <p:nvPr/>
-        </p:nvPicPr>
-        <p:blipFill>
-          <a:blip r:embed="rId6"/>
-          <a:stretch>
-            <a:fillRect/>
-          </a:stretch>
-        </p:blipFill>
-        <p:spPr>
-          <a:xfrm>
-            <a:off x="5258823" y="1378732"/>
-            <a:ext cx="1484578" cy="1918125"/>
-          </a:xfrm>
-          <a:prstGeom prst="rect">
-            <a:avLst/>
-          </a:prstGeom>
-        </p:spPr>
-      </p:pic>
-      <p:sp>
-        <p:nvSpPr>
-          <p:cNvPr id="2" name="Title 1"/>
-          <p:cNvSpPr>
-            <a:spLocks noGrp="1"/>
-          </p:cNvSpPr>
-          <p:nvPr>
-            <p:ph type="title"/>
-          </p:nvPr>
-        </p:nvSpPr>
-        <p:spPr>
-          <a:xfrm>
-            <a:off x="245805" y="335630"/>
-            <a:ext cx="11818375" cy="667262"/>
-          </a:xfrm>
-        </p:spPr>
-        <p:txBody>
-          <a:bodyPr>
-            <a:normAutofit fontScale="90000"/>
-          </a:bodyPr>
-          <a:lstStyle/>
-          <a:p>
-            <a:r>
-              <a:rPr lang="en-US" dirty="0"/>
-              <a:t>Introduction</a:t>
-            </a:r>
-          </a:p>
-        </p:txBody>
-      </p:sp>
-      <p:graphicFrame>
-        <p:nvGraphicFramePr>
-          <p:cNvPr id="5" name="ledger_table"/>
-          <p:cNvGraphicFramePr>
-            <a:graphicFrameLocks noGrp="1"/>
-          </p:cNvGraphicFramePr>
-          <p:nvPr>
-            <p:extLst>
-              <p:ext uri="{D42A27DB-BD31-4B8C-83A1-F6EECF244321}">
-                <p14:modId xmlns:p14="http://schemas.microsoft.com/office/powerpoint/2010/main" val="2369956426"/>
-              </p:ext>
-            </p:extLst>
-          </p:nvPr>
-        </p:nvGraphicFramePr>
-        <p:xfrm>
-          <a:off x="8218480" y="756763"/>
-          <a:ext cx="3512232" cy="2286000"/>
-        </p:xfrm>
-        <a:graphic>
-          <a:graphicData uri="http://schemas.openxmlformats.org/drawingml/2006/table">
-            <a:tbl>
-              <a:tblPr bandRow="1">
-                <a:tableStyleId>{5C22544A-7EE6-4342-B048-85BDC9FD1C3A}</a:tableStyleId>
-              </a:tblPr>
-              <a:tblGrid>
-                <a:gridCol w="2055733">
-                  <a:extLst>
-                    <a:ext uri="{9D8B030D-6E8A-4147-A177-3AD203B41FA5}">
-                      <a16:colId xmlns:a16="http://schemas.microsoft.com/office/drawing/2014/main" val="2721194005"/>
-                    </a:ext>
-                  </a:extLst>
-                </a:gridCol>
-                <a:gridCol w="1456499">
-                  <a:extLst>
-                    <a:ext uri="{9D8B030D-6E8A-4147-A177-3AD203B41FA5}">
-                      <a16:colId xmlns:a16="http://schemas.microsoft.com/office/drawing/2014/main" val="2277102548"/>
-                    </a:ext>
-                  </a:extLst>
-                </a:gridCol>
-              </a:tblGrid>
-              <a:tr h="336868">
-                <a:tc>
-                  <a:txBody>
-                    <a:bodyPr/>
-                    <a:lstStyle/>
-                    <a:p>
-                      <a:r>
-                        <a:rPr lang="en-US" sz="2400" dirty="0"/>
-                        <a:t>Alice </a:t>
-                      </a:r>
-                      <a:r>
-                        <a:rPr lang="en-US" altLang="zh-CN" sz="2400" dirty="0">
-                          <a:sym typeface="Wingdings" panose="05000000000000000000" pitchFamily="2" charset="2"/>
-                        </a:rPr>
-                        <a:t></a:t>
-                      </a:r>
-                      <a:r>
-                        <a:rPr lang="en-US" altLang="zh-CN" sz="2400" dirty="0"/>
-                        <a:t> Bob</a:t>
-                      </a:r>
-                      <a:endParaRPr lang="en-US" sz="2400" dirty="0"/>
-                    </a:p>
-                  </a:txBody>
-                  <a:tcPr>
-                    <a:lnT w="12700" cmpd="sng">
-                      <a:noFill/>
-                    </a:lnT>
-                    <a:lnB w="12700" cmpd="sng">
-                      <a:noFill/>
-                    </a:lnB>
-                  </a:tcPr>
-                </a:tc>
-                <a:tc>
-                  <a:txBody>
-                    <a:bodyPr/>
-                    <a:lstStyle/>
-                    <a:p>
-                      <a:r>
-                        <a:rPr lang="en-US" sz="2400" dirty="0"/>
-                        <a:t>5.4</a:t>
-                      </a:r>
-                    </a:p>
-                  </a:txBody>
-                  <a:tcPr>
-                    <a:lnT w="12700" cmpd="sng">
-                      <a:noFill/>
-                    </a:lnT>
-                    <a:lnB w="12700" cmpd="sng">
-                      <a:noFill/>
-                    </a:lnB>
-                  </a:tcPr>
-                </a:tc>
-                <a:extLst>
-                  <a:ext uri="{0D108BD9-81ED-4DB2-BD59-A6C34878D82A}">
-                    <a16:rowId xmlns:a16="http://schemas.microsoft.com/office/drawing/2014/main" val="2010139002"/>
-                  </a:ext>
-                </a:extLst>
-              </a:tr>
-              <a:tr h="336868">
-                <a:tc>
-                  <a:txBody>
-                    <a:bodyPr/>
-                    <a:lstStyle/>
-                    <a:p>
-                      <a:r>
-                        <a:rPr lang="en-US" sz="2400" dirty="0"/>
-                        <a:t>Bob </a:t>
-                      </a:r>
-                      <a:r>
-                        <a:rPr lang="en-US" sz="2400" dirty="0">
-                          <a:sym typeface="Wingdings" panose="05000000000000000000" pitchFamily="2" charset="2"/>
-                        </a:rPr>
-                        <a:t> Cindy</a:t>
-                      </a:r>
-                      <a:endParaRPr lang="en-US" sz="2400" dirty="0"/>
-                    </a:p>
-                  </a:txBody>
-                  <a:tcPr>
-                    <a:lnT w="12700" cmpd="sng">
-                      <a:noFill/>
-                    </a:lnT>
-                    <a:lnB w="12700" cmpd="sng">
-                      <a:noFill/>
-                    </a:lnB>
-                  </a:tcPr>
-                </a:tc>
-                <a:tc>
-                  <a:txBody>
-                    <a:bodyPr/>
-                    <a:lstStyle/>
-                    <a:p>
-                      <a:r>
-                        <a:rPr lang="en-US" sz="2400" dirty="0"/>
-                        <a:t>100</a:t>
-                      </a:r>
-                    </a:p>
-                  </a:txBody>
-                  <a:tcPr>
-                    <a:lnT w="12700" cmpd="sng">
-                      <a:noFill/>
-                    </a:lnT>
-                    <a:lnB w="12700" cmpd="sng">
-                      <a:noFill/>
-                    </a:lnB>
-                  </a:tcPr>
-                </a:tc>
-                <a:extLst>
-                  <a:ext uri="{0D108BD9-81ED-4DB2-BD59-A6C34878D82A}">
-                    <a16:rowId xmlns:a16="http://schemas.microsoft.com/office/drawing/2014/main" val="2859383358"/>
-                  </a:ext>
-                </a:extLst>
-              </a:tr>
-              <a:tr h="336868">
-                <a:tc>
-                  <a:txBody>
-                    <a:bodyPr/>
-                    <a:lstStyle/>
-                    <a:p>
-                      <a:r>
-                        <a:rPr lang="en-US" sz="2400" dirty="0"/>
-                        <a:t>Frank </a:t>
-                      </a:r>
-                      <a:r>
-                        <a:rPr lang="en-US" sz="2400" dirty="0">
-                          <a:sym typeface="Wingdings" panose="05000000000000000000" pitchFamily="2" charset="2"/>
-                        </a:rPr>
-                        <a:t> Gary</a:t>
-                      </a:r>
-                      <a:endParaRPr lang="en-US" sz="2400" dirty="0"/>
-                    </a:p>
-                  </a:txBody>
-                  <a:tcPr>
-                    <a:lnT w="12700" cmpd="sng">
-                      <a:noFill/>
-                    </a:lnT>
-                    <a:lnB w="12700" cmpd="sng">
-                      <a:noFill/>
-                    </a:lnB>
-                  </a:tcPr>
-                </a:tc>
-                <a:tc>
-                  <a:txBody>
-                    <a:bodyPr/>
-                    <a:lstStyle/>
-                    <a:p>
-                      <a:r>
-                        <a:rPr lang="en-US" sz="2400" dirty="0"/>
-                        <a:t>700</a:t>
-                      </a:r>
-                    </a:p>
-                  </a:txBody>
-                  <a:tcPr>
-                    <a:lnT w="12700" cmpd="sng">
-                      <a:noFill/>
-                    </a:lnT>
-                    <a:lnB w="12700" cmpd="sng">
-                      <a:noFill/>
-                    </a:lnB>
-                  </a:tcPr>
-                </a:tc>
-                <a:extLst>
-                  <a:ext uri="{0D108BD9-81ED-4DB2-BD59-A6C34878D82A}">
-                    <a16:rowId xmlns:a16="http://schemas.microsoft.com/office/drawing/2014/main" val="3939695560"/>
-                  </a:ext>
-                </a:extLst>
-              </a:tr>
-              <a:tr h="406078">
-                <a:tc>
-                  <a:txBody>
-                    <a:bodyPr/>
-                    <a:lstStyle/>
-                    <a:p>
-                      <a:r>
-                        <a:rPr lang="en-US" sz="2400" dirty="0"/>
-                        <a:t>Carl </a:t>
-                      </a:r>
-                      <a:r>
-                        <a:rPr lang="en-US" sz="2400" dirty="0">
-                          <a:sym typeface="Wingdings" panose="05000000000000000000" pitchFamily="2" charset="2"/>
-                        </a:rPr>
-                        <a:t> Dave</a:t>
-                      </a:r>
-                      <a:endParaRPr lang="en-US" sz="2400" dirty="0"/>
-                    </a:p>
-                  </a:txBody>
-                  <a:tcPr>
-                    <a:lnT w="12700" cmpd="sng">
-                      <a:noFill/>
-                    </a:lnT>
-                    <a:lnB w="12700" cmpd="sng">
-                      <a:noFill/>
-                    </a:lnB>
-                  </a:tcPr>
-                </a:tc>
-                <a:tc>
-                  <a:txBody>
-                    <a:bodyPr/>
-                    <a:lstStyle/>
-                    <a:p>
-                      <a:r>
-                        <a:rPr lang="en-US" sz="2400" dirty="0"/>
-                        <a:t>0.001</a:t>
-                      </a:r>
-                    </a:p>
-                  </a:txBody>
-                  <a:tcPr>
-                    <a:lnT w="12700" cmpd="sng">
-                      <a:noFill/>
-                    </a:lnT>
-                    <a:lnB w="12700" cmpd="sng">
-                      <a:noFill/>
-                    </a:lnB>
-                  </a:tcPr>
-                </a:tc>
-                <a:extLst>
-                  <a:ext uri="{0D108BD9-81ED-4DB2-BD59-A6C34878D82A}">
-                    <a16:rowId xmlns:a16="http://schemas.microsoft.com/office/drawing/2014/main" val="2968606845"/>
-                  </a:ext>
-                </a:extLst>
-              </a:tr>
-              <a:tr h="336868">
-                <a:tc>
-                  <a:txBody>
-                    <a:bodyPr/>
-                    <a:lstStyle/>
-                    <a:p>
-                      <a:r>
-                        <a:rPr lang="en-US" sz="2400" dirty="0"/>
-                        <a:t>…</a:t>
-                      </a:r>
-                    </a:p>
-                  </a:txBody>
-                  <a:tcPr>
-                    <a:lnT w="12700" cmpd="sng">
-                      <a:noFill/>
-                    </a:lnT>
-                  </a:tcPr>
-                </a:tc>
-                <a:tc>
-                  <a:txBody>
-                    <a:bodyPr/>
-                    <a:lstStyle/>
-                    <a:p>
-                      <a:r>
-                        <a:rPr lang="en-US" sz="2400" dirty="0"/>
-                        <a:t>…</a:t>
-                      </a:r>
-                    </a:p>
-                  </a:txBody>
-                  <a:tcPr>
-                    <a:lnT w="12700" cmpd="sng">
-                      <a:noFill/>
-                    </a:lnT>
-                  </a:tcPr>
-                </a:tc>
-                <a:extLst>
-                  <a:ext uri="{0D108BD9-81ED-4DB2-BD59-A6C34878D82A}">
-                    <a16:rowId xmlns:a16="http://schemas.microsoft.com/office/drawing/2014/main" val="1180148383"/>
-                  </a:ext>
-                </a:extLst>
-              </a:tr>
-            </a:tbl>
-          </a:graphicData>
-        </a:graphic>
-      </p:graphicFrame>
-      <p:sp>
-        <p:nvSpPr>
-          <p:cNvPr id="6" name="ledger_title"/>
-          <p:cNvSpPr txBox="1"/>
-          <p:nvPr/>
-        </p:nvSpPr>
-        <p:spPr>
-          <a:xfrm>
-            <a:off x="9094230" y="256658"/>
-            <a:ext cx="1781421" cy="584775"/>
-          </a:xfrm>
-          <a:prstGeom prst="rect">
-            <a:avLst/>
-          </a:prstGeom>
-          <a:noFill/>
-        </p:spPr>
-        <p:txBody>
-          <a:bodyPr wrap="square" rtlCol="0">
-            <a:spAutoFit/>
-          </a:bodyPr>
-          <a:lstStyle/>
-          <a:p>
-            <a:pPr algn="ctr"/>
-            <a:r>
-              <a:rPr lang="en-US" sz="3200" dirty="0"/>
-              <a:t>Ledger</a:t>
-            </a:r>
-          </a:p>
-        </p:txBody>
-      </p:sp>
-      <p:sp>
-        <p:nvSpPr>
-          <p:cNvPr id="37" name="Rectangle 36">
-            <a:extLst>
-              <a:ext uri="{FF2B5EF4-FFF2-40B4-BE49-F238E27FC236}">
-                <a16:creationId xmlns:a16="http://schemas.microsoft.com/office/drawing/2014/main" id="{A8F08B1C-AC2A-415F-865B-A62E84EEB9D3}"/>
-              </a:ext>
-            </a:extLst>
-          </p:cNvPr>
-          <p:cNvSpPr/>
-          <p:nvPr/>
-        </p:nvSpPr>
-        <p:spPr>
-          <a:xfrm>
-            <a:off x="0" y="6488668"/>
-            <a:ext cx="1081377" cy="369332"/>
-          </a:xfrm>
-          <a:prstGeom prst="rect">
-            <a:avLst/>
-          </a:prstGeom>
-        </p:spPr>
-        <p:txBody>
-          <a:bodyPr wrap="square">
-            <a:spAutoFit/>
-          </a:bodyPr>
-          <a:lstStyle/>
-          <a:p>
-            <a:r>
-              <a:rPr lang="en-US" dirty="0">
-                <a:hlinkClick r:id="rId7" action="ppaction://hlinksldjump"/>
-              </a:rPr>
-              <a:t>Index</a:t>
-            </a:r>
-            <a:endParaRPr lang="en-US" dirty="0"/>
-          </a:p>
-        </p:txBody>
-      </p:sp>
-      <p:pic>
-        <p:nvPicPr>
-          <p:cNvPr id="7" name="bank_ledger">
-            <a:extLst>
-              <a:ext uri="{FF2B5EF4-FFF2-40B4-BE49-F238E27FC236}">
-                <a16:creationId xmlns:a16="http://schemas.microsoft.com/office/drawing/2014/main" id="{AAA55A13-3434-4D9B-89D3-647FBDFA68FC}"/>
-              </a:ext>
-            </a:extLst>
-          </p:cNvPr>
-          <p:cNvPicPr>
-            <a:picLocks noChangeAspect="1"/>
-          </p:cNvPicPr>
-          <p:nvPr/>
-        </p:nvPicPr>
-        <p:blipFill>
-          <a:blip r:embed="rId8"/>
-          <a:stretch>
-            <a:fillRect/>
-          </a:stretch>
-        </p:blipFill>
-        <p:spPr>
-          <a:xfrm>
-            <a:off x="5372374" y="1335111"/>
-            <a:ext cx="1280813" cy="1221918"/>
-          </a:xfrm>
-          <a:prstGeom prst="rect">
-            <a:avLst/>
-          </a:prstGeom>
-        </p:spPr>
-      </p:pic>
-      <p:pic>
-        <p:nvPicPr>
-          <p:cNvPr id="64" name="distributed_cloud" descr="Distributed consensus system.png">
-            <a:extLst>
-              <a:ext uri="{FF2B5EF4-FFF2-40B4-BE49-F238E27FC236}">
-                <a16:creationId xmlns:a16="http://schemas.microsoft.com/office/drawing/2014/main" id="{DEAFEFC1-1EDF-444B-9D0D-72BF49B2D874}"/>
-              </a:ext>
-            </a:extLst>
-          </p:cNvPr>
-          <p:cNvPicPr>
-            <a:picLocks noChangeAspect="1"/>
-          </p:cNvPicPr>
-          <p:nvPr/>
-        </p:nvPicPr>
-        <p:blipFill>
-          <a:blip r:embed="rId9"/>
-          <a:stretch>
-            <a:fillRect/>
-          </a:stretch>
-        </p:blipFill>
-        <p:spPr>
-          <a:xfrm>
-            <a:off x="336093" y="928313"/>
-            <a:ext cx="3243970" cy="2814306"/>
-          </a:xfrm>
-          <a:prstGeom prst="rect">
-            <a:avLst/>
-          </a:prstGeom>
-        </p:spPr>
-      </p:pic>
-      <p:sp>
-        <p:nvSpPr>
-          <p:cNvPr id="18" name="Rectangle 17">
-            <a:extLst>
-              <a:ext uri="{FF2B5EF4-FFF2-40B4-BE49-F238E27FC236}">
-                <a16:creationId xmlns:a16="http://schemas.microsoft.com/office/drawing/2014/main" id="{ED8F8C76-CFFB-4D1B-8DC8-AD55904439C1}"/>
-              </a:ext>
-            </a:extLst>
-          </p:cNvPr>
-          <p:cNvSpPr/>
-          <p:nvPr/>
-        </p:nvSpPr>
-        <p:spPr>
-          <a:xfrm>
-            <a:off x="2407674" y="2920838"/>
-            <a:ext cx="2969950" cy="1200329"/>
-          </a:xfrm>
-          <a:prstGeom prst="rect">
-            <a:avLst/>
-          </a:prstGeom>
-        </p:spPr>
-        <p:txBody>
-          <a:bodyPr wrap="square">
-            <a:spAutoFit/>
-          </a:bodyPr>
-          <a:lstStyle/>
-          <a:p>
-            <a:pPr lvl="1" algn="ctr"/>
-            <a:r>
-              <a:rPr lang="en-US" sz="3600" b="1" dirty="0">
-                <a:solidFill>
-                  <a:srgbClr val="C00000"/>
-                </a:solidFill>
-              </a:rPr>
-              <a:t>What is blockchain?</a:t>
-            </a:r>
+          <p:cNvSpPr>
+            <a:spLocks noGrp="1"/>
+          </p:cNvSpPr>
+          <p:nvPr>
+            <p:ph type="sldNum" sz="quarter" idx="12"/>
+          </p:nvPr>
+        </p:nvSpPr>
+        <p:spPr/>
+        <p:txBody>
+          <a:bodyPr/>
+          <a:lstStyle/>
+          <a:p>
+            <a:fld id="{656EEF9C-D8EE-4444-AD18-FDA4DCDDF73B}" type="slidenum">
+              <a:rPr lang="en-US" smtClean="0"/>
+              <a:t>2</a:t>
+            </a:fld>
+            <a:endParaRPr lang="en-US"/>
           </a:p>
         </p:txBody>
       </p:sp>
     </p:spTree>
     <p:extLst>
       <p:ext uri="{BB962C8B-B14F-4D97-AF65-F5344CB8AC3E}">
-        <p14:creationId xmlns:p14="http://schemas.microsoft.com/office/powerpoint/2010/main" val="1413157738"/>
+        <p14:creationId xmlns:p14="http://schemas.microsoft.com/office/powerpoint/2010/main" val="3778901300"/>
       </p:ext>
     </p:extLst>
   </p:cSld>
   <p:clrMapOvr>
     <a:masterClrMapping/>
   </p:clrMapOvr>
-  <p:timing>
-    <p:tnLst>
-      <p:par>
-        <p:cTn id="1" dur="indefinite" restart="never" nodeType="tmRoot">
-          <p:childTnLst>
-            <p:seq concurrent="1" nextAc="seek">
-              <p:cTn id="2" dur="indefinite" nodeType="mainSeq">
-                <p:childTnLst>
-                  <p:par>
-                    <p:cTn id="3" fill="hold">
-                      <p:stCondLst>
-                        <p:cond delay="indefinite"/>
-                      </p:stCondLst>
-                      <p:childTnLst>
-                        <p:par>
-                          <p:cTn id="4" fill="hold">
-                            <p:stCondLst>
-                              <p:cond delay="0"/>
-                            </p:stCondLst>
-                            <p:childTnLst>
-                              <p:par>
-                                <p:cTn id="5" presetID="1" presetClass="entr" presetSubtype="0" fill="hold" grpId="0" nodeType="clickEffect">
-                                  <p:stCondLst>
-                                    <p:cond delay="0"/>
-                                  </p:stCondLst>
-                                  <p:childTnLst>
-                                    <p:set>
-                                      <p:cBhvr>
-                                        <p:cTn id="6" dur="1" fill="hold">
-                                          <p:stCondLst>
-                                            <p:cond delay="0"/>
-                                          </p:stCondLst>
-                                        </p:cTn>
-                                        <p:tgtEl>
-                                          <p:spTgt spid="6"/>
-                                        </p:tgtEl>
-                                        <p:attrNameLst>
-                                          <p:attrName>style.visibility</p:attrName>
-                                        </p:attrNameLst>
-                                      </p:cBhvr>
-                                      <p:to>
-                                        <p:strVal val="visible"/>
-                                      </p:to>
-                                    </p:set>
-                                  </p:childTnLst>
-                                </p:cTn>
-                              </p:par>
-                              <p:par>
-                                <p:cTn id="7" presetID="1" presetClass="entr" presetSubtype="0" fill="hold" nodeType="withEffect">
-                                  <p:stCondLst>
-                                    <p:cond delay="0"/>
-                                  </p:stCondLst>
-                                  <p:childTnLst>
-                                    <p:set>
-                                      <p:cBhvr>
-                                        <p:cTn id="8" dur="1" fill="hold">
-                                          <p:stCondLst>
-                                            <p:cond delay="0"/>
-                                          </p:stCondLst>
-                                        </p:cTn>
-                                        <p:tgtEl>
-                                          <p:spTgt spid="5"/>
-                                        </p:tgtEl>
-                                        <p:attrNameLst>
-                                          <p:attrName>style.visibility</p:attrName>
-                                        </p:attrNameLst>
-                                      </p:cBhvr>
-                                      <p:to>
-                                        <p:strVal val="visible"/>
-                                      </p:to>
-                                    </p:set>
-                                  </p:childTnLst>
-                                </p:cTn>
-                              </p:par>
-                            </p:childTnLst>
-                          </p:cTn>
-                        </p:par>
-                      </p:childTnLst>
-                    </p:cTn>
-                  </p:par>
-                  <p:par>
-                    <p:cTn id="9" fill="hold">
-                      <p:stCondLst>
-                        <p:cond delay="indefinite"/>
-                      </p:stCondLst>
-                      <p:childTnLst>
-                        <p:par>
-                          <p:cTn id="10" fill="hold">
-                            <p:stCondLst>
-                              <p:cond delay="0"/>
-                            </p:stCondLst>
-                            <p:childTnLst>
-                              <p:par>
-                                <p:cTn id="11" presetID="1" presetClass="entr" presetSubtype="0" fill="hold" nodeType="clickEffect">
-                                  <p:stCondLst>
-                                    <p:cond delay="0"/>
-                                  </p:stCondLst>
-                                  <p:childTnLst>
-                                    <p:set>
-                                      <p:cBhvr>
-                                        <p:cTn id="12" dur="1" fill="hold">
-                                          <p:stCondLst>
-                                            <p:cond delay="0"/>
-                                          </p:stCondLst>
-                                        </p:cTn>
-                                        <p:tgtEl>
-                                          <p:spTgt spid="7"/>
-                                        </p:tgtEl>
-                                        <p:attrNameLst>
-                                          <p:attrName>style.visibility</p:attrName>
-                                        </p:attrNameLst>
-                                      </p:cBhvr>
-                                      <p:to>
-                                        <p:strVal val="visible"/>
-                                      </p:to>
-                                    </p:set>
-                                  </p:childTnLst>
-                                </p:cTn>
-                              </p:par>
-                            </p:childTnLst>
-                          </p:cTn>
-                        </p:par>
-                      </p:childTnLst>
-                    </p:cTn>
-                  </p:par>
-                  <p:par>
-                    <p:cTn id="13" fill="hold">
-                      <p:stCondLst>
-                        <p:cond delay="indefinite"/>
-                      </p:stCondLst>
-                      <p:childTnLst>
-                        <p:par>
-                          <p:cTn id="14" fill="hold">
-                            <p:stCondLst>
-                              <p:cond delay="0"/>
-                            </p:stCondLst>
-                            <p:childTnLst>
-                              <p:par>
-                                <p:cTn id="15" presetID="1" presetClass="entr" presetSubtype="0" fill="hold" nodeType="clickEffect">
-                                  <p:stCondLst>
-                                    <p:cond delay="0"/>
-                                  </p:stCondLst>
-                                  <p:childTnLst>
-                                    <p:set>
-                                      <p:cBhvr>
-                                        <p:cTn id="16" dur="1" fill="hold">
-                                          <p:stCondLst>
-                                            <p:cond delay="0"/>
-                                          </p:stCondLst>
-                                        </p:cTn>
-                                        <p:tgtEl>
-                                          <p:spTgt spid="10"/>
-                                        </p:tgtEl>
-                                        <p:attrNameLst>
-                                          <p:attrName>style.visibility</p:attrName>
-                                        </p:attrNameLst>
-                                      </p:cBhvr>
-                                      <p:to>
-                                        <p:strVal val="visible"/>
-                                      </p:to>
-                                    </p:set>
-                                  </p:childTnLst>
-                                </p:cTn>
-                              </p:par>
-                            </p:childTnLst>
-                          </p:cTn>
-                        </p:par>
-                      </p:childTnLst>
-                    </p:cTn>
-                  </p:par>
-                  <p:par>
-                    <p:cTn id="17" fill="hold">
-                      <p:stCondLst>
-                        <p:cond delay="indefinite"/>
-                      </p:stCondLst>
-                      <p:childTnLst>
-                        <p:par>
-                          <p:cTn id="18" fill="hold">
-                            <p:stCondLst>
-                              <p:cond delay="0"/>
-                            </p:stCondLst>
-                            <p:childTnLst>
-                              <p:par>
-                                <p:cTn id="19" presetID="1" presetClass="entr" presetSubtype="0" fill="hold" nodeType="clickEffect">
-                                  <p:stCondLst>
-                                    <p:cond delay="0"/>
-                                  </p:stCondLst>
-                                  <p:childTnLst>
-                                    <p:set>
-                                      <p:cBhvr>
-                                        <p:cTn id="20" dur="1" fill="hold">
-                                          <p:stCondLst>
-                                            <p:cond delay="0"/>
-                                          </p:stCondLst>
-                                        </p:cTn>
-                                        <p:tgtEl>
-                                          <p:spTgt spid="11"/>
-                                        </p:tgtEl>
-                                        <p:attrNameLst>
-                                          <p:attrName>style.visibility</p:attrName>
-                                        </p:attrNameLst>
-                                      </p:cBhvr>
-                                      <p:to>
-                                        <p:strVal val="visible"/>
-                                      </p:to>
-                                    </p:set>
-                                  </p:childTnLst>
-                                </p:cTn>
-                              </p:par>
-                            </p:childTnLst>
-                          </p:cTn>
-                        </p:par>
-                      </p:childTnLst>
-                    </p:cTn>
-                  </p:par>
-                  <p:par>
-                    <p:cTn id="21" fill="hold">
-                      <p:stCondLst>
-                        <p:cond delay="indefinite"/>
-                      </p:stCondLst>
-                      <p:childTnLst>
-                        <p:par>
-                          <p:cTn id="22" fill="hold">
-                            <p:stCondLst>
-                              <p:cond delay="0"/>
-                            </p:stCondLst>
-                            <p:childTnLst>
-                              <p:par>
-                                <p:cTn id="23" presetID="1" presetClass="entr" presetSubtype="0" fill="hold" nodeType="clickEffect">
-                                  <p:stCondLst>
-                                    <p:cond delay="0"/>
-                                  </p:stCondLst>
-                                  <p:childTnLst>
-                                    <p:set>
-                                      <p:cBhvr>
-                                        <p:cTn id="24" dur="1" fill="hold">
-                                          <p:stCondLst>
-                                            <p:cond delay="0"/>
-                                          </p:stCondLst>
-                                        </p:cTn>
-                                        <p:tgtEl>
-                                          <p:spTgt spid="64"/>
-                                        </p:tgtEl>
-                                        <p:attrNameLst>
-                                          <p:attrName>style.visibility</p:attrName>
-                                        </p:attrNameLst>
-                                      </p:cBhvr>
-                                      <p:to>
-                                        <p:strVal val="visible"/>
-                                      </p:to>
-                                    </p:set>
-                                  </p:childTnLst>
-                                </p:cTn>
-                              </p:par>
-                            </p:childTnLst>
-                          </p:cTn>
-                        </p:par>
-                      </p:childTnLst>
-                    </p:cTn>
-                  </p:par>
-                  <p:par>
-                    <p:cTn id="25" fill="hold">
-                      <p:stCondLst>
-                        <p:cond delay="indefinite"/>
-                      </p:stCondLst>
-                      <p:childTnLst>
-                        <p:par>
-                          <p:cTn id="26" fill="hold">
-                            <p:stCondLst>
-                              <p:cond delay="0"/>
-                            </p:stCondLst>
-                            <p:childTnLst>
-                              <p:par>
-                                <p:cTn id="27" presetID="1" presetClass="entr" presetSubtype="0" fill="hold" nodeType="clickEffect">
-                                  <p:stCondLst>
-                                    <p:cond delay="0"/>
-                                  </p:stCondLst>
-                                  <p:childTnLst>
-                                    <p:set>
-                                      <p:cBhvr>
-                                        <p:cTn id="28" dur="1" fill="hold">
-                                          <p:stCondLst>
-                                            <p:cond delay="0"/>
-                                          </p:stCondLst>
-                                        </p:cTn>
-                                        <p:tgtEl>
-                                          <p:spTgt spid="13"/>
-                                        </p:tgtEl>
-                                        <p:attrNameLst>
-                                          <p:attrName>style.visibility</p:attrName>
-                                        </p:attrNameLst>
-                                      </p:cBhvr>
-                                      <p:to>
-                                        <p:strVal val="visible"/>
-                                      </p:to>
-                                    </p:set>
-                                  </p:childTnLst>
-                                </p:cTn>
-                              </p:par>
-                            </p:childTnLst>
-                          </p:cTn>
-                        </p:par>
-                      </p:childTnLst>
-                    </p:cTn>
-                  </p:par>
-                  <p:par>
-                    <p:cTn id="29" fill="hold">
-                      <p:stCondLst>
-                        <p:cond delay="indefinite"/>
-                      </p:stCondLst>
-                      <p:childTnLst>
-                        <p:par>
-                          <p:cTn id="30" fill="hold">
-                            <p:stCondLst>
-                              <p:cond delay="0"/>
-                            </p:stCondLst>
-                            <p:childTnLst>
-                              <p:par>
-                                <p:cTn id="31" presetID="1" presetClass="entr" presetSubtype="0" fill="hold" nodeType="clickEffect">
-                                  <p:stCondLst>
-                                    <p:cond delay="0"/>
-                                  </p:stCondLst>
-                                  <p:childTnLst>
-                                    <p:set>
-                                      <p:cBhvr>
-                                        <p:cTn id="32" dur="1" fill="hold">
-                                          <p:stCondLst>
-                                            <p:cond delay="0"/>
-                                          </p:stCondLst>
-                                        </p:cTn>
-                                        <p:tgtEl>
-                                          <p:spTgt spid="14"/>
-                                        </p:tgtEl>
-                                        <p:attrNameLst>
-                                          <p:attrName>style.visibility</p:attrName>
-                                        </p:attrNameLst>
-                                      </p:cBhvr>
-                                      <p:to>
-                                        <p:strVal val="visible"/>
-                                      </p:to>
-                                    </p:set>
-                                  </p:childTnLst>
-                                </p:cTn>
-                              </p:par>
-                            </p:childTnLst>
-                          </p:cTn>
-                        </p:par>
-                      </p:childTnLst>
-                    </p:cTn>
-                  </p:par>
-                  <p:par>
-                    <p:cTn id="33" fill="hold">
-                      <p:stCondLst>
-                        <p:cond delay="indefinite"/>
-                      </p:stCondLst>
-                      <p:childTnLst>
-                        <p:par>
-                          <p:cTn id="34" fill="hold">
-                            <p:stCondLst>
-                              <p:cond delay="0"/>
-                            </p:stCondLst>
-                            <p:childTnLst>
-                              <p:par>
-                                <p:cTn id="35" presetID="1" presetClass="entr" presetSubtype="0" fill="hold" grpId="0" nodeType="clickEffect">
-                                  <p:stCondLst>
-                                    <p:cond delay="0"/>
-                                  </p:stCondLst>
-                                  <p:childTnLst>
-                                    <p:set>
-                                      <p:cBhvr>
-                                        <p:cTn id="36" dur="1" fill="hold">
-                                          <p:stCondLst>
-                                            <p:cond delay="0"/>
-                                          </p:stCondLst>
-                                        </p:cTn>
-                                        <p:tgtEl>
-                                          <p:spTgt spid="84">
-                                            <p:txEl>
-                                              <p:pRg st="0" end="0"/>
-                                            </p:txEl>
-                                          </p:spTgt>
-                                        </p:tgtEl>
-                                        <p:attrNameLst>
-                                          <p:attrName>style.visibility</p:attrName>
-                                        </p:attrNameLst>
-                                      </p:cBhvr>
-                                      <p:to>
-                                        <p:strVal val="visible"/>
-                                      </p:to>
-                                    </p:set>
-                                  </p:childTnLst>
-                                </p:cTn>
-                              </p:par>
-                            </p:childTnLst>
-                          </p:cTn>
-                        </p:par>
-                      </p:childTnLst>
-                    </p:cTn>
-                  </p:par>
-                  <p:par>
-                    <p:cTn id="37" fill="hold">
-                      <p:stCondLst>
-                        <p:cond delay="indefinite"/>
-                      </p:stCondLst>
-                      <p:childTnLst>
-                        <p:par>
-                          <p:cTn id="38" fill="hold">
-                            <p:stCondLst>
-                              <p:cond delay="0"/>
-                            </p:stCondLst>
-                            <p:childTnLst>
-                              <p:par>
-                                <p:cTn id="39" presetID="1" presetClass="entr" presetSubtype="0" fill="hold" grpId="0" nodeType="clickEffect">
-                                  <p:stCondLst>
-                                    <p:cond delay="0"/>
-                                  </p:stCondLst>
-                                  <p:childTnLst>
-                                    <p:set>
-                                      <p:cBhvr>
-                                        <p:cTn id="40" dur="1" fill="hold">
-                                          <p:stCondLst>
-                                            <p:cond delay="0"/>
-                                          </p:stCondLst>
-                                        </p:cTn>
-                                        <p:tgtEl>
-                                          <p:spTgt spid="84">
-                                            <p:txEl>
-                                              <p:pRg st="1" end="1"/>
-                                            </p:txEl>
-                                          </p:spTgt>
-                                        </p:tgtEl>
-                                        <p:attrNameLst>
-                                          <p:attrName>style.visibility</p:attrName>
-                                        </p:attrNameLst>
-                                      </p:cBhvr>
-                                      <p:to>
-                                        <p:strVal val="visible"/>
-                                      </p:to>
-                                    </p:set>
-                                  </p:childTnLst>
-                                </p:cTn>
-                              </p:par>
-                            </p:childTnLst>
-                          </p:cTn>
-                        </p:par>
-                      </p:childTnLst>
-                    </p:cTn>
-                  </p:par>
-                  <p:par>
-                    <p:cTn id="41" fill="hold">
-                      <p:stCondLst>
-                        <p:cond delay="indefinite"/>
-                      </p:stCondLst>
-                      <p:childTnLst>
-                        <p:par>
-                          <p:cTn id="42" fill="hold">
-                            <p:stCondLst>
-                              <p:cond delay="0"/>
-                            </p:stCondLst>
-                            <p:childTnLst>
-                              <p:par>
-                                <p:cTn id="43" presetID="1" presetClass="entr" presetSubtype="0" fill="hold" grpId="0" nodeType="clickEffect">
-                                  <p:stCondLst>
-                                    <p:cond delay="0"/>
-                                  </p:stCondLst>
-                                  <p:childTnLst>
-                                    <p:set>
-                                      <p:cBhvr>
-                                        <p:cTn id="44" dur="1" fill="hold">
-                                          <p:stCondLst>
-                                            <p:cond delay="0"/>
-                                          </p:stCondLst>
-                                        </p:cTn>
-                                        <p:tgtEl>
-                                          <p:spTgt spid="84">
-                                            <p:txEl>
-                                              <p:pRg st="2" end="2"/>
-                                            </p:txEl>
-                                          </p:spTgt>
-                                        </p:tgtEl>
-                                        <p:attrNameLst>
-                                          <p:attrName>style.visibility</p:attrName>
-                                        </p:attrNameLst>
-                                      </p:cBhvr>
-                                      <p:to>
-                                        <p:strVal val="visible"/>
-                                      </p:to>
-                                    </p:set>
-                                  </p:childTnLst>
-                                </p:cTn>
-                              </p:par>
-                            </p:childTnLst>
-                          </p:cTn>
-                        </p:par>
-                      </p:childTnLst>
-                    </p:cTn>
-                  </p:par>
-                  <p:par>
-                    <p:cTn id="45" fill="hold">
-                      <p:stCondLst>
-                        <p:cond delay="indefinite"/>
-                      </p:stCondLst>
-                      <p:childTnLst>
-                        <p:par>
-                          <p:cTn id="46" fill="hold">
-                            <p:stCondLst>
-                              <p:cond delay="0"/>
-                            </p:stCondLst>
-                            <p:childTnLst>
-                              <p:par>
-                                <p:cTn id="47" presetID="1" presetClass="entr" presetSubtype="0" fill="hold" grpId="0" nodeType="clickEffect">
-                                  <p:stCondLst>
-                                    <p:cond delay="0"/>
-                                  </p:stCondLst>
-                                  <p:childTnLst>
-                                    <p:set>
-                                      <p:cBhvr>
-                                        <p:cTn id="48" dur="1" fill="hold">
-                                          <p:stCondLst>
-                                            <p:cond delay="0"/>
-                                          </p:stCondLst>
-                                        </p:cTn>
-                                        <p:tgtEl>
-                                          <p:spTgt spid="84">
-                                            <p:txEl>
-                                              <p:pRg st="3" end="3"/>
-                                            </p:txEl>
-                                          </p:spTgt>
-                                        </p:tgtEl>
-                                        <p:attrNameLst>
-                                          <p:attrName>style.visibility</p:attrName>
-                                        </p:attrNameLst>
-                                      </p:cBhvr>
-                                      <p:to>
-                                        <p:strVal val="visible"/>
-                                      </p:to>
-                                    </p:set>
-                                  </p:childTnLst>
-                                </p:cTn>
-                              </p:par>
-                            </p:childTnLst>
-                          </p:cTn>
-                        </p:par>
-                      </p:childTnLst>
-                    </p:cTn>
-                  </p:par>
-                  <p:par>
-                    <p:cTn id="49" fill="hold">
-                      <p:stCondLst>
-                        <p:cond delay="indefinite"/>
-                      </p:stCondLst>
-                      <p:childTnLst>
-                        <p:par>
-                          <p:cTn id="50" fill="hold">
-                            <p:stCondLst>
-                              <p:cond delay="0"/>
-                            </p:stCondLst>
-                            <p:childTnLst>
-                              <p:par>
-                                <p:cTn id="51" presetID="1" presetClass="entr" presetSubtype="0" fill="hold" grpId="0" nodeType="clickEffect">
-                                  <p:stCondLst>
-                                    <p:cond delay="0"/>
-                                  </p:stCondLst>
-                                  <p:childTnLst>
-                                    <p:set>
-                                      <p:cBhvr>
-                                        <p:cTn id="52" dur="1" fill="hold">
-                                          <p:stCondLst>
-                                            <p:cond delay="0"/>
-                                          </p:stCondLst>
-                                        </p:cTn>
-                                        <p:tgtEl>
-                                          <p:spTgt spid="84">
-                                            <p:txEl>
-                                              <p:pRg st="4" end="4"/>
-                                            </p:txEl>
-                                          </p:spTgt>
-                                        </p:tgtEl>
-                                        <p:attrNameLst>
-                                          <p:attrName>style.visibility</p:attrName>
-                                        </p:attrNameLst>
-                                      </p:cBhvr>
-                                      <p:to>
-                                        <p:strVal val="visible"/>
-                                      </p:to>
-                                    </p:set>
-                                  </p:childTnLst>
-                                </p:cTn>
-                              </p:par>
-                              <p:par>
-                                <p:cTn id="53" presetID="1" presetClass="entr" presetSubtype="0" fill="hold" grpId="0" nodeType="withEffect">
-                                  <p:stCondLst>
-                                    <p:cond delay="0"/>
-                                  </p:stCondLst>
-                                  <p:childTnLst>
-                                    <p:set>
-                                      <p:cBhvr>
-                                        <p:cTn id="54" dur="1" fill="hold">
-                                          <p:stCondLst>
-                                            <p:cond delay="0"/>
-                                          </p:stCondLst>
-                                        </p:cTn>
-                                        <p:tgtEl>
-                                          <p:spTgt spid="84">
-                                            <p:txEl>
-                                              <p:pRg st="5" end="5"/>
-                                            </p:txEl>
-                                          </p:spTgt>
-                                        </p:tgtEl>
-                                        <p:attrNameLst>
-                                          <p:attrName>style.visibility</p:attrName>
-                                        </p:attrNameLst>
-                                      </p:cBhvr>
-                                      <p:to>
-                                        <p:strVal val="visible"/>
-                                      </p:to>
-                                    </p:set>
-                                  </p:childTnLst>
-                                </p:cTn>
-                              </p:par>
-                            </p:childTnLst>
-                          </p:cTn>
-                        </p:par>
-                      </p:childTnLst>
-                    </p:cTn>
-                  </p:par>
-                  <p:par>
-                    <p:cTn id="55" fill="hold">
-                      <p:stCondLst>
-                        <p:cond delay="indefinite"/>
-                      </p:stCondLst>
-                      <p:childTnLst>
-                        <p:par>
-                          <p:cTn id="56" fill="hold">
-                            <p:stCondLst>
-                              <p:cond delay="0"/>
-                            </p:stCondLst>
-                            <p:childTnLst>
-                              <p:par>
-                                <p:cTn id="57" presetID="1" presetClass="entr" presetSubtype="0" fill="hold" grpId="0" nodeType="clickEffect">
-                                  <p:stCondLst>
-                                    <p:cond delay="0"/>
-                                  </p:stCondLst>
-                                  <p:childTnLst>
-                                    <p:set>
-                                      <p:cBhvr>
-                                        <p:cTn id="58" dur="1" fill="hold">
-                                          <p:stCondLst>
-                                            <p:cond delay="0"/>
-                                          </p:stCondLst>
-                                        </p:cTn>
-                                        <p:tgtEl>
-                                          <p:spTgt spid="84">
-                                            <p:txEl>
-                                              <p:pRg st="6" end="6"/>
-                                            </p:txEl>
-                                          </p:spTgt>
-                                        </p:tgtEl>
-                                        <p:attrNameLst>
-                                          <p:attrName>style.visibility</p:attrName>
-                                        </p:attrNameLst>
-                                      </p:cBhvr>
-                                      <p:to>
-                                        <p:strVal val="visible"/>
-                                      </p:to>
-                                    </p:set>
-                                  </p:childTnLst>
-                                </p:cTn>
-                              </p:par>
-                            </p:childTnLst>
-                          </p:cTn>
-                        </p:par>
-                      </p:childTnLst>
-                    </p:cTn>
-                  </p:par>
-                  <p:par>
-                    <p:cTn id="59" fill="hold">
-                      <p:stCondLst>
-                        <p:cond delay="indefinite"/>
-                      </p:stCondLst>
-                      <p:childTnLst>
-                        <p:par>
-                          <p:cTn id="60" fill="hold">
-                            <p:stCondLst>
-                              <p:cond delay="0"/>
-                            </p:stCondLst>
-                            <p:childTnLst>
-                              <p:par>
-                                <p:cTn id="61" presetID="1" presetClass="entr" presetSubtype="0" fill="hold" grpId="0" nodeType="clickEffect">
-                                  <p:stCondLst>
-                                    <p:cond delay="0"/>
-                                  </p:stCondLst>
-                                  <p:childTnLst>
-                                    <p:set>
-                                      <p:cBhvr>
-                                        <p:cTn id="62" dur="1" fill="hold">
-                                          <p:stCondLst>
-                                            <p:cond delay="0"/>
-                                          </p:stCondLst>
-                                        </p:cTn>
-                                        <p:tgtEl>
-                                          <p:spTgt spid="84">
-                                            <p:txEl>
-                                              <p:pRg st="7" end="7"/>
-                                            </p:txEl>
-                                          </p:spTgt>
-                                        </p:tgtEl>
-                                        <p:attrNameLst>
-                                          <p:attrName>style.visibility</p:attrName>
-                                        </p:attrNameLst>
-                                      </p:cBhvr>
-                                      <p:to>
-                                        <p:strVal val="visible"/>
-                                      </p:to>
-                                    </p:set>
-                                  </p:childTnLst>
-                                </p:cTn>
-                              </p:par>
-                            </p:childTnLst>
-                          </p:cTn>
-                        </p:par>
-                      </p:childTnLst>
-                    </p:cTn>
-                  </p:par>
-                  <p:par>
-                    <p:cTn id="63" fill="hold">
-                      <p:stCondLst>
-                        <p:cond delay="indefinite"/>
-                      </p:stCondLst>
-                      <p:childTnLst>
-                        <p:par>
-                          <p:cTn id="64" fill="hold">
-                            <p:stCondLst>
-                              <p:cond delay="0"/>
-                            </p:stCondLst>
-                            <p:childTnLst>
-                              <p:par>
-                                <p:cTn id="65" presetID="1" presetClass="entr" presetSubtype="0" fill="hold" grpId="1" nodeType="clickEffect">
-                                  <p:stCondLst>
-                                    <p:cond delay="0"/>
-                                  </p:stCondLst>
-                                  <p:childTnLst>
-                                    <p:set>
-                                      <p:cBhvr>
-                                        <p:cTn id="66" dur="1" fill="hold">
-                                          <p:stCondLst>
-                                            <p:cond delay="0"/>
-                                          </p:stCondLst>
-                                        </p:cTn>
-                                        <p:tgtEl>
-                                          <p:spTgt spid="18"/>
-                                        </p:tgtEl>
-                                        <p:attrNameLst>
-                                          <p:attrName>style.visibility</p:attrName>
-                                        </p:attrNameLst>
-                                      </p:cBhvr>
-                                      <p:to>
-                                        <p:strVal val="visible"/>
-                                      </p:to>
-                                    </p:set>
-                                  </p:childTnLst>
-                                </p:cTn>
-                              </p:par>
-                            </p:childTnLst>
-                          </p:cTn>
-                        </p:par>
-                        <p:par>
-                          <p:cTn id="67" fill="hold">
-                            <p:stCondLst>
-                              <p:cond delay="0"/>
-                            </p:stCondLst>
-                            <p:childTnLst>
-                              <p:par>
-                                <p:cTn id="68" presetID="32" presetClass="emph" presetSubtype="0" fill="remove" grpId="0" nodeType="afterEffect">
-                                  <p:stCondLst>
-                                    <p:cond delay="0"/>
-                                  </p:stCondLst>
-                                  <p:childTnLst>
-                                    <p:animRot by="120000">
-                                      <p:cBhvr>
-                                        <p:cTn id="69" dur="100" fill="hold">
-                                          <p:stCondLst>
-                                            <p:cond delay="0"/>
-                                          </p:stCondLst>
-                                        </p:cTn>
-                                        <p:tgtEl>
-                                          <p:spTgt spid="18"/>
-                                        </p:tgtEl>
-                                        <p:attrNameLst>
-                                          <p:attrName>r</p:attrName>
-                                        </p:attrNameLst>
-                                      </p:cBhvr>
-                                    </p:animRot>
-                                    <p:animRot by="-240000">
-                                      <p:cBhvr>
-                                        <p:cTn id="70" dur="200" fill="hold">
-                                          <p:stCondLst>
-                                            <p:cond delay="200"/>
-                                          </p:stCondLst>
-                                        </p:cTn>
-                                        <p:tgtEl>
-                                          <p:spTgt spid="18"/>
-                                        </p:tgtEl>
-                                        <p:attrNameLst>
-                                          <p:attrName>r</p:attrName>
-                                        </p:attrNameLst>
-                                      </p:cBhvr>
-                                    </p:animRot>
-                                    <p:animRot by="240000">
-                                      <p:cBhvr>
-                                        <p:cTn id="71" dur="200" fill="hold">
-                                          <p:stCondLst>
-                                            <p:cond delay="400"/>
-                                          </p:stCondLst>
-                                        </p:cTn>
-                                        <p:tgtEl>
-                                          <p:spTgt spid="18"/>
-                                        </p:tgtEl>
-                                        <p:attrNameLst>
-                                          <p:attrName>r</p:attrName>
-                                        </p:attrNameLst>
-                                      </p:cBhvr>
-                                    </p:animRot>
-                                    <p:animRot by="-240000">
-                                      <p:cBhvr>
-                                        <p:cTn id="72" dur="200" fill="hold">
-                                          <p:stCondLst>
-                                            <p:cond delay="600"/>
-                                          </p:stCondLst>
-                                        </p:cTn>
-                                        <p:tgtEl>
-                                          <p:spTgt spid="18"/>
-                                        </p:tgtEl>
-                                        <p:attrNameLst>
-                                          <p:attrName>r</p:attrName>
-                                        </p:attrNameLst>
-                                      </p:cBhvr>
-                                    </p:animRot>
-                                    <p:animRot by="120000">
-                                      <p:cBhvr>
-                                        <p:cTn id="73" dur="200" fill="hold">
-                                          <p:stCondLst>
-                                            <p:cond delay="800"/>
-                                          </p:stCondLst>
-                                        </p:cTn>
-                                        <p:tgtEl>
-                                          <p:spTgt spid="18"/>
-                                        </p:tgtEl>
-                                        <p:attrNameLst>
-                                          <p:attrName>r</p:attrName>
-                                        </p:attrNameLst>
-                                      </p:cBhvr>
-                                    </p:animRot>
-                                  </p:childTnLst>
-                                </p:cTn>
-                              </p:par>
-                            </p:childTnLst>
-                          </p:cTn>
-                        </p:par>
-                      </p:childTnLst>
-                    </p:cTn>
-                  </p:par>
-                </p:childTnLst>
-              </p:cTn>
-              <p:prevCondLst>
-                <p:cond evt="onPrev" delay="0">
-                  <p:tgtEl>
-                    <p:sldTgt/>
-                  </p:tgtEl>
-                </p:cond>
-              </p:prevCondLst>
-              <p:nextCondLst>
-                <p:cond evt="onNext" delay="0">
-                  <p:tgtEl>
-                    <p:sldTgt/>
-                  </p:tgtEl>
-                </p:cond>
-              </p:nextCondLst>
-            </p:seq>
-          </p:childTnLst>
-        </p:cTn>
-      </p:par>
-    </p:tnLst>
-    <p:bldLst>
-      <p:bldP spid="84" grpId="0" uiExpand="1" build="p"/>
-      <p:bldP spid="6" grpId="0"/>
-      <p:bldP spid="18" grpId="0"/>
-      <p:bldP spid="18" grpId="1"/>
-    </p:bldLst>
-  </p:timing>
 </p:sld>
 </file>
 
 <file path=ppt/slides/slide3.xml><?xml version="1.0" encoding="utf-8"?>
-<p:sld xmlns:a="http://schemas.openxmlformats.org/drawingml/2006/main" xmlns:r="http://schemas.openxmlformats.org/officeDocument/2006/relationships" xmlns:p="http://schemas.openxmlformats.org/presentationml/2006/main">
-  <p:cSld>
-    <p:spTree>
-      <p:nvGrpSpPr>
-        <p:cNvPr id="1" name=""/>
-        <p:cNvGrpSpPr/>
-        <p:nvPr/>
-      </p:nvGrpSpPr>
-      <p:grpSpPr>
-        <a:xfrm>
-          <a:off x="0" y="0"/>
-          <a:ext cx="0" cy="0"/>
-          <a:chOff x="0" y="0"/>
-          <a:chExt cx="0" cy="0"/>
-        </a:xfrm>
-      </p:grpSpPr>
-      <p:pic>
-        <p:nvPicPr>
-          <p:cNvPr id="13" name="bc_Earch">
-            <a:extLst>
-              <a:ext uri="{FF2B5EF4-FFF2-40B4-BE49-F238E27FC236}">
-                <a16:creationId xmlns:a16="http://schemas.microsoft.com/office/drawing/2014/main" id="{2718B07E-D8ED-4EC0-B7BE-BD6618486AE2}"/>
-              </a:ext>
-            </a:extLst>
-          </p:cNvPr>
-          <p:cNvPicPr>
-            <a:picLocks noChangeAspect="1"/>
-          </p:cNvPicPr>
-          <p:nvPr/>
-        </p:nvPicPr>
-        <p:blipFill>
-          <a:blip r:embed="rId3"/>
-          <a:stretch>
-            <a:fillRect/>
-          </a:stretch>
-        </p:blipFill>
-        <p:spPr>
-          <a:xfrm>
-            <a:off x="768116" y="4198011"/>
-            <a:ext cx="2174471" cy="2122725"/>
-          </a:xfrm>
-          <a:prstGeom prst="rect">
-            <a:avLst/>
-          </a:prstGeom>
-        </p:spPr>
-      </p:pic>
-      <p:pic>
-        <p:nvPicPr>
-          <p:cNvPr id="14" name="bc_ledger">
-            <a:extLst>
-              <a:ext uri="{FF2B5EF4-FFF2-40B4-BE49-F238E27FC236}">
-                <a16:creationId xmlns:a16="http://schemas.microsoft.com/office/drawing/2014/main" id="{A590E941-BAD1-4EDE-888D-75BDA8CF4711}"/>
-              </a:ext>
-            </a:extLst>
-          </p:cNvPr>
-          <p:cNvPicPr>
-            <a:picLocks noChangeAspect="1"/>
-          </p:cNvPicPr>
-          <p:nvPr/>
-        </p:nvPicPr>
-        <p:blipFill>
-          <a:blip r:embed="rId4"/>
-          <a:stretch>
-            <a:fillRect/>
-          </a:stretch>
-        </p:blipFill>
-        <p:spPr>
-          <a:xfrm>
-            <a:off x="74809" y="3893912"/>
-            <a:ext cx="3597920" cy="2497826"/>
-          </a:xfrm>
-          <a:prstGeom prst="rect">
-            <a:avLst/>
-          </a:prstGeom>
-        </p:spPr>
-      </p:pic>
-      <p:sp>
-        <p:nvSpPr>
-          <p:cNvPr id="2" name="Title 1"/>
-          <p:cNvSpPr>
-            <a:spLocks noGrp="1"/>
-          </p:cNvSpPr>
-          <p:nvPr>
-            <p:ph type="title"/>
-          </p:nvPr>
-        </p:nvSpPr>
-        <p:spPr>
-          <a:xfrm>
-            <a:off x="245805" y="335630"/>
-            <a:ext cx="11818375" cy="667262"/>
-          </a:xfrm>
-        </p:spPr>
-        <p:txBody>
-          <a:bodyPr>
-            <a:normAutofit fontScale="90000"/>
-          </a:bodyPr>
-          <a:lstStyle/>
-          <a:p>
-            <a:r>
-              <a:rPr lang="en-US" dirty="0"/>
-              <a:t>Introduction</a:t>
-            </a:r>
-          </a:p>
-        </p:txBody>
-      </p:sp>
-      <p:graphicFrame>
-        <p:nvGraphicFramePr>
-          <p:cNvPr id="5" name="ledger_table"/>
-          <p:cNvGraphicFramePr>
-            <a:graphicFrameLocks noGrp="1"/>
-          </p:cNvGraphicFramePr>
-          <p:nvPr>
-            <p:extLst/>
-          </p:nvPr>
-        </p:nvGraphicFramePr>
-        <p:xfrm>
-          <a:off x="8218480" y="756763"/>
-          <a:ext cx="3512232" cy="2286000"/>
-        </p:xfrm>
-        <a:graphic>
-          <a:graphicData uri="http://schemas.openxmlformats.org/drawingml/2006/table">
-            <a:tbl>
-              <a:tblPr bandRow="1">
-                <a:tableStyleId>{5C22544A-7EE6-4342-B048-85BDC9FD1C3A}</a:tableStyleId>
-              </a:tblPr>
-              <a:tblGrid>
-                <a:gridCol w="2055733">
-                  <a:extLst>
-                    <a:ext uri="{9D8B030D-6E8A-4147-A177-3AD203B41FA5}">
-                      <a16:colId xmlns:a16="http://schemas.microsoft.com/office/drawing/2014/main" val="2721194005"/>
-                    </a:ext>
-                  </a:extLst>
-                </a:gridCol>
-                <a:gridCol w="1456499">
-                  <a:extLst>
-                    <a:ext uri="{9D8B030D-6E8A-4147-A177-3AD203B41FA5}">
-                      <a16:colId xmlns:a16="http://schemas.microsoft.com/office/drawing/2014/main" val="2277102548"/>
-                    </a:ext>
-                  </a:extLst>
-                </a:gridCol>
-              </a:tblGrid>
-              <a:tr h="336868">
-                <a:tc>
-                  <a:txBody>
-                    <a:bodyPr/>
-                    <a:lstStyle/>
-                    <a:p>
-                      <a:r>
-                        <a:rPr lang="en-US" sz="2400" dirty="0"/>
-                        <a:t>Alice </a:t>
-                      </a:r>
-                      <a:r>
-                        <a:rPr lang="en-US" altLang="zh-CN" sz="2400" dirty="0">
-                          <a:sym typeface="Wingdings" panose="05000000000000000000" pitchFamily="2" charset="2"/>
-                        </a:rPr>
-                        <a:t></a:t>
-                      </a:r>
-                      <a:r>
-                        <a:rPr lang="en-US" altLang="zh-CN" sz="2400" dirty="0"/>
-                        <a:t> Bob</a:t>
-                      </a:r>
-                      <a:endParaRPr lang="en-US" sz="2400" dirty="0"/>
-                    </a:p>
-                  </a:txBody>
-                  <a:tcPr>
-                    <a:lnT w="12700" cmpd="sng">
-                      <a:noFill/>
-                    </a:lnT>
-                    <a:lnB w="12700" cmpd="sng">
-                      <a:noFill/>
-                    </a:lnB>
-                  </a:tcPr>
-                </a:tc>
-                <a:tc>
-                  <a:txBody>
-                    <a:bodyPr/>
-                    <a:lstStyle/>
-                    <a:p>
-                      <a:r>
-                        <a:rPr lang="en-US" sz="2400" dirty="0"/>
-                        <a:t>5.4</a:t>
-                      </a:r>
-                    </a:p>
-                  </a:txBody>
-                  <a:tcPr>
-                    <a:lnT w="12700" cmpd="sng">
-                      <a:noFill/>
-                    </a:lnT>
-                    <a:lnB w="12700" cmpd="sng">
-                      <a:noFill/>
-                    </a:lnB>
-                  </a:tcPr>
-                </a:tc>
-                <a:extLst>
-                  <a:ext uri="{0D108BD9-81ED-4DB2-BD59-A6C34878D82A}">
-                    <a16:rowId xmlns:a16="http://schemas.microsoft.com/office/drawing/2014/main" val="2010139002"/>
-                  </a:ext>
-                </a:extLst>
-              </a:tr>
-              <a:tr h="336868">
-                <a:tc>
-                  <a:txBody>
-                    <a:bodyPr/>
-                    <a:lstStyle/>
-                    <a:p>
-                      <a:r>
-                        <a:rPr lang="en-US" sz="2400" dirty="0"/>
-                        <a:t>Bob </a:t>
-                      </a:r>
-                      <a:r>
-                        <a:rPr lang="en-US" sz="2400" dirty="0">
-                          <a:sym typeface="Wingdings" panose="05000000000000000000" pitchFamily="2" charset="2"/>
-                        </a:rPr>
-                        <a:t> Cindy</a:t>
-                      </a:r>
-                      <a:endParaRPr lang="en-US" sz="2400" dirty="0"/>
-                    </a:p>
-                  </a:txBody>
-                  <a:tcPr>
-                    <a:lnT w="12700" cmpd="sng">
-                      <a:noFill/>
-                    </a:lnT>
-                    <a:lnB w="12700" cmpd="sng">
-                      <a:noFill/>
-                    </a:lnB>
-                  </a:tcPr>
-                </a:tc>
-                <a:tc>
-                  <a:txBody>
-                    <a:bodyPr/>
-                    <a:lstStyle/>
-                    <a:p>
-                      <a:r>
-                        <a:rPr lang="en-US" sz="2400" dirty="0"/>
-                        <a:t>100</a:t>
-                      </a:r>
-                    </a:p>
-                  </a:txBody>
-                  <a:tcPr>
-                    <a:lnT w="12700" cmpd="sng">
-                      <a:noFill/>
-                    </a:lnT>
-                    <a:lnB w="12700" cmpd="sng">
-                      <a:noFill/>
-                    </a:lnB>
-                  </a:tcPr>
-                </a:tc>
-                <a:extLst>
-                  <a:ext uri="{0D108BD9-81ED-4DB2-BD59-A6C34878D82A}">
-                    <a16:rowId xmlns:a16="http://schemas.microsoft.com/office/drawing/2014/main" val="2859383358"/>
-                  </a:ext>
-                </a:extLst>
-              </a:tr>
-              <a:tr h="336868">
-                <a:tc>
-                  <a:txBody>
-                    <a:bodyPr/>
-                    <a:lstStyle/>
-                    <a:p>
-                      <a:r>
-                        <a:rPr lang="en-US" sz="2400" dirty="0"/>
-                        <a:t>Frank </a:t>
-                      </a:r>
-                      <a:r>
-                        <a:rPr lang="en-US" sz="2400" dirty="0">
-                          <a:sym typeface="Wingdings" panose="05000000000000000000" pitchFamily="2" charset="2"/>
-                        </a:rPr>
-                        <a:t> Gary</a:t>
-                      </a:r>
-                      <a:endParaRPr lang="en-US" sz="2400" dirty="0"/>
-                    </a:p>
-                  </a:txBody>
-                  <a:tcPr>
-                    <a:lnT w="12700" cmpd="sng">
-                      <a:noFill/>
-                    </a:lnT>
-                    <a:lnB w="12700" cmpd="sng">
-                      <a:noFill/>
-                    </a:lnB>
-                  </a:tcPr>
-                </a:tc>
-                <a:tc>
-                  <a:txBody>
-                    <a:bodyPr/>
-                    <a:lstStyle/>
-                    <a:p>
-                      <a:r>
-                        <a:rPr lang="en-US" sz="2400" dirty="0"/>
-                        <a:t>700</a:t>
-                      </a:r>
-                    </a:p>
-                  </a:txBody>
-                  <a:tcPr>
-                    <a:lnT w="12700" cmpd="sng">
-                      <a:noFill/>
-                    </a:lnT>
-                    <a:lnB w="12700" cmpd="sng">
-                      <a:noFill/>
-                    </a:lnB>
-                  </a:tcPr>
-                </a:tc>
-                <a:extLst>
-                  <a:ext uri="{0D108BD9-81ED-4DB2-BD59-A6C34878D82A}">
-                    <a16:rowId xmlns:a16="http://schemas.microsoft.com/office/drawing/2014/main" val="3939695560"/>
-                  </a:ext>
-                </a:extLst>
-              </a:tr>
-              <a:tr h="406078">
-                <a:tc>
-                  <a:txBody>
-                    <a:bodyPr/>
-                    <a:lstStyle/>
-                    <a:p>
-                      <a:r>
-                        <a:rPr lang="en-US" sz="2400" dirty="0"/>
-                        <a:t>Carl </a:t>
-                      </a:r>
-                      <a:r>
-                        <a:rPr lang="en-US" sz="2400" dirty="0">
-                          <a:sym typeface="Wingdings" panose="05000000000000000000" pitchFamily="2" charset="2"/>
-                        </a:rPr>
-                        <a:t> Dave</a:t>
-                      </a:r>
-                      <a:endParaRPr lang="en-US" sz="2400" dirty="0"/>
-                    </a:p>
-                  </a:txBody>
-                  <a:tcPr>
-                    <a:lnT w="12700" cmpd="sng">
-                      <a:noFill/>
-                    </a:lnT>
-                    <a:lnB w="12700" cmpd="sng">
-                      <a:noFill/>
-                    </a:lnB>
-                  </a:tcPr>
-                </a:tc>
-                <a:tc>
-                  <a:txBody>
-                    <a:bodyPr/>
-                    <a:lstStyle/>
-                    <a:p>
-                      <a:r>
-                        <a:rPr lang="en-US" sz="2400" dirty="0"/>
-                        <a:t>0.001</a:t>
-                      </a:r>
-                    </a:p>
-                  </a:txBody>
-                  <a:tcPr>
-                    <a:lnT w="12700" cmpd="sng">
-                      <a:noFill/>
-                    </a:lnT>
-                    <a:lnB w="12700" cmpd="sng">
-                      <a:noFill/>
-                    </a:lnB>
-                  </a:tcPr>
-                </a:tc>
-                <a:extLst>
-                  <a:ext uri="{0D108BD9-81ED-4DB2-BD59-A6C34878D82A}">
-                    <a16:rowId xmlns:a16="http://schemas.microsoft.com/office/drawing/2014/main" val="2968606845"/>
-                  </a:ext>
-                </a:extLst>
-              </a:tr>
-              <a:tr h="336868">
-                <a:tc>
-                  <a:txBody>
-                    <a:bodyPr/>
-                    <a:lstStyle/>
-                    <a:p>
-                      <a:r>
-                        <a:rPr lang="en-US" sz="2400" dirty="0"/>
-                        <a:t>…</a:t>
-                      </a:r>
-                    </a:p>
-                  </a:txBody>
-                  <a:tcPr>
-                    <a:lnT w="12700" cmpd="sng">
-                      <a:noFill/>
-                    </a:lnT>
-                  </a:tcPr>
-                </a:tc>
-                <a:tc>
-                  <a:txBody>
-                    <a:bodyPr/>
-                    <a:lstStyle/>
-                    <a:p>
-                      <a:r>
-                        <a:rPr lang="en-US" sz="2400" dirty="0"/>
-                        <a:t>…</a:t>
-                      </a:r>
-                    </a:p>
-                  </a:txBody>
-                  <a:tcPr>
-                    <a:lnT w="12700" cmpd="sng">
-                      <a:noFill/>
-                    </a:lnT>
-                  </a:tcPr>
-                </a:tc>
-                <a:extLst>
-                  <a:ext uri="{0D108BD9-81ED-4DB2-BD59-A6C34878D82A}">
-                    <a16:rowId xmlns:a16="http://schemas.microsoft.com/office/drawing/2014/main" val="1180148383"/>
-                  </a:ext>
-                </a:extLst>
-              </a:tr>
-            </a:tbl>
-          </a:graphicData>
-        </a:graphic>
-      </p:graphicFrame>
-      <p:sp>
-        <p:nvSpPr>
-          <p:cNvPr id="6" name="ledger_title"/>
-          <p:cNvSpPr txBox="1"/>
-          <p:nvPr/>
-        </p:nvSpPr>
-        <p:spPr>
-          <a:xfrm>
-            <a:off x="9094230" y="256658"/>
-            <a:ext cx="1781421" cy="584775"/>
-          </a:xfrm>
-          <a:prstGeom prst="rect">
-            <a:avLst/>
-          </a:prstGeom>
-          <a:noFill/>
-        </p:spPr>
-        <p:txBody>
-          <a:bodyPr wrap="square" rtlCol="0">
-            <a:spAutoFit/>
-          </a:bodyPr>
-          <a:lstStyle/>
-          <a:p>
-            <a:pPr algn="ctr"/>
-            <a:r>
-              <a:rPr lang="en-US" sz="3200" dirty="0"/>
-              <a:t>Ledger</a:t>
-            </a:r>
-          </a:p>
-        </p:txBody>
-      </p:sp>
-      <p:sp>
-        <p:nvSpPr>
-          <p:cNvPr id="37" name="Rectangle 36">
-            <a:extLst>
-              <a:ext uri="{FF2B5EF4-FFF2-40B4-BE49-F238E27FC236}">
-                <a16:creationId xmlns:a16="http://schemas.microsoft.com/office/drawing/2014/main" id="{A8F08B1C-AC2A-415F-865B-A62E84EEB9D3}"/>
-              </a:ext>
-            </a:extLst>
-          </p:cNvPr>
-          <p:cNvSpPr/>
-          <p:nvPr/>
-        </p:nvSpPr>
-        <p:spPr>
-          <a:xfrm>
-            <a:off x="0" y="6488668"/>
-            <a:ext cx="1081377" cy="369332"/>
-          </a:xfrm>
-          <a:prstGeom prst="rect">
-            <a:avLst/>
-          </a:prstGeom>
-        </p:spPr>
-        <p:txBody>
-          <a:bodyPr wrap="square">
-            <a:spAutoFit/>
-          </a:bodyPr>
-          <a:lstStyle/>
-          <a:p>
-            <a:r>
-              <a:rPr lang="en-US" dirty="0">
-                <a:hlinkClick r:id="rId5" action="ppaction://hlinksldjump"/>
-              </a:rPr>
-              <a:t>Index</a:t>
-            </a:r>
-            <a:endParaRPr lang="en-US" dirty="0"/>
-          </a:p>
-        </p:txBody>
-      </p:sp>
-      <p:pic>
-        <p:nvPicPr>
-          <p:cNvPr id="11" name="bank_people">
-            <a:extLst>
-              <a:ext uri="{FF2B5EF4-FFF2-40B4-BE49-F238E27FC236}">
-                <a16:creationId xmlns:a16="http://schemas.microsoft.com/office/drawing/2014/main" id="{F0C3F369-9F4F-486D-803F-1667C23659A5}"/>
-              </a:ext>
-            </a:extLst>
-          </p:cNvPr>
-          <p:cNvPicPr>
-            <a:picLocks noChangeAspect="1"/>
-          </p:cNvPicPr>
-          <p:nvPr/>
-        </p:nvPicPr>
-        <p:blipFill>
-          <a:blip r:embed="rId6"/>
-          <a:stretch>
-            <a:fillRect/>
-          </a:stretch>
-        </p:blipFill>
-        <p:spPr>
-          <a:xfrm>
-            <a:off x="4564253" y="553610"/>
-            <a:ext cx="3100148" cy="2642750"/>
-          </a:xfrm>
-          <a:prstGeom prst="rect">
-            <a:avLst/>
-          </a:prstGeom>
-        </p:spPr>
-      </p:pic>
-      <p:pic>
-        <p:nvPicPr>
-          <p:cNvPr id="10" name="bank_frame">
-            <a:extLst>
-              <a:ext uri="{FF2B5EF4-FFF2-40B4-BE49-F238E27FC236}">
-                <a16:creationId xmlns:a16="http://schemas.microsoft.com/office/drawing/2014/main" id="{F1BC2A88-934B-4D6B-9AE1-57EE8FD4E803}"/>
-              </a:ext>
-            </a:extLst>
-          </p:cNvPr>
-          <p:cNvPicPr>
-            <a:picLocks noChangeAspect="1"/>
-          </p:cNvPicPr>
-          <p:nvPr/>
-        </p:nvPicPr>
-        <p:blipFill>
-          <a:blip r:embed="rId7"/>
-          <a:stretch>
-            <a:fillRect/>
-          </a:stretch>
-        </p:blipFill>
-        <p:spPr>
-          <a:xfrm>
-            <a:off x="5258823" y="1378732"/>
-            <a:ext cx="1484578" cy="1918125"/>
-          </a:xfrm>
-          <a:prstGeom prst="rect">
-            <a:avLst/>
-          </a:prstGeom>
-        </p:spPr>
-      </p:pic>
-      <p:pic>
-        <p:nvPicPr>
-          <p:cNvPr id="7" name="bank_ledger">
-            <a:extLst>
-              <a:ext uri="{FF2B5EF4-FFF2-40B4-BE49-F238E27FC236}">
-                <a16:creationId xmlns:a16="http://schemas.microsoft.com/office/drawing/2014/main" id="{AAA55A13-3434-4D9B-89D3-647FBDFA68FC}"/>
-              </a:ext>
-            </a:extLst>
-          </p:cNvPr>
-          <p:cNvPicPr>
-            <a:picLocks noChangeAspect="1"/>
-          </p:cNvPicPr>
-          <p:nvPr/>
-        </p:nvPicPr>
-        <p:blipFill>
-          <a:blip r:embed="rId8"/>
-          <a:stretch>
-            <a:fillRect/>
-          </a:stretch>
-        </p:blipFill>
-        <p:spPr>
-          <a:xfrm>
-            <a:off x="5372374" y="1335111"/>
-            <a:ext cx="1280813" cy="1221918"/>
-          </a:xfrm>
-          <a:prstGeom prst="rect">
-            <a:avLst/>
-          </a:prstGeom>
-        </p:spPr>
-      </p:pic>
-      <p:pic>
-        <p:nvPicPr>
-          <p:cNvPr id="64" name="distributed_cloud" descr="Distributed consensus system.png">
-            <a:extLst>
-              <a:ext uri="{FF2B5EF4-FFF2-40B4-BE49-F238E27FC236}">
-                <a16:creationId xmlns:a16="http://schemas.microsoft.com/office/drawing/2014/main" id="{DEAFEFC1-1EDF-444B-9D0D-72BF49B2D874}"/>
-              </a:ext>
-            </a:extLst>
-          </p:cNvPr>
-          <p:cNvPicPr>
-            <a:picLocks noChangeAspect="1"/>
-          </p:cNvPicPr>
-          <p:nvPr/>
-        </p:nvPicPr>
-        <p:blipFill>
-          <a:blip r:embed="rId9"/>
-          <a:stretch>
-            <a:fillRect/>
-          </a:stretch>
-        </p:blipFill>
-        <p:spPr>
-          <a:xfrm>
-            <a:off x="336093" y="928313"/>
-            <a:ext cx="3243970" cy="2814306"/>
-          </a:xfrm>
-          <a:prstGeom prst="rect">
-            <a:avLst/>
-          </a:prstGeom>
-        </p:spPr>
-      </p:pic>
-      <p:pic>
-        <p:nvPicPr>
-          <p:cNvPr id="3" name="Picture 2">
-            <a:extLst>
-              <a:ext uri="{FF2B5EF4-FFF2-40B4-BE49-F238E27FC236}">
-                <a16:creationId xmlns:a16="http://schemas.microsoft.com/office/drawing/2014/main" id="{1D9B4BA5-58D3-435D-9BFD-010D9C0C4CE1}"/>
-              </a:ext>
-            </a:extLst>
-          </p:cNvPr>
-          <p:cNvPicPr>
-            <a:picLocks noChangeAspect="1"/>
-          </p:cNvPicPr>
-          <p:nvPr/>
-        </p:nvPicPr>
-        <p:blipFill>
-          <a:blip r:embed="rId10"/>
-          <a:stretch>
-            <a:fillRect/>
-          </a:stretch>
-        </p:blipFill>
-        <p:spPr>
-          <a:xfrm>
-            <a:off x="5906098" y="4431266"/>
-            <a:ext cx="2008547" cy="2261967"/>
-          </a:xfrm>
-          <a:prstGeom prst="rect">
-            <a:avLst/>
-          </a:prstGeom>
-        </p:spPr>
-      </p:pic>
-      <p:pic>
-        <p:nvPicPr>
-          <p:cNvPr id="4" name="Picture 3">
-            <a:extLst>
-              <a:ext uri="{FF2B5EF4-FFF2-40B4-BE49-F238E27FC236}">
-                <a16:creationId xmlns:a16="http://schemas.microsoft.com/office/drawing/2014/main" id="{1BC59CC9-A8B7-4C03-BE7C-86891CD03249}"/>
-              </a:ext>
-            </a:extLst>
-          </p:cNvPr>
-          <p:cNvPicPr>
-            <a:picLocks noChangeAspect="1"/>
-          </p:cNvPicPr>
-          <p:nvPr/>
-        </p:nvPicPr>
-        <p:blipFill>
-          <a:blip r:embed="rId11"/>
-          <a:stretch>
-            <a:fillRect/>
-          </a:stretch>
-        </p:blipFill>
-        <p:spPr>
-          <a:xfrm>
-            <a:off x="7702023" y="4431266"/>
-            <a:ext cx="2247244" cy="2261967"/>
-          </a:xfrm>
-          <a:prstGeom prst="rect">
-            <a:avLst/>
-          </a:prstGeom>
-        </p:spPr>
-      </p:pic>
-      <p:pic>
-        <p:nvPicPr>
-          <p:cNvPr id="8" name="Picture 7">
-            <a:extLst>
-              <a:ext uri="{FF2B5EF4-FFF2-40B4-BE49-F238E27FC236}">
-                <a16:creationId xmlns:a16="http://schemas.microsoft.com/office/drawing/2014/main" id="{539AD43A-DD6F-4263-B491-BCFD7C3EDC6B}"/>
-              </a:ext>
-            </a:extLst>
-          </p:cNvPr>
-          <p:cNvPicPr>
-            <a:picLocks noChangeAspect="1"/>
-          </p:cNvPicPr>
-          <p:nvPr/>
-        </p:nvPicPr>
-        <p:blipFill>
-          <a:blip r:embed="rId12"/>
-          <a:stretch>
-            <a:fillRect/>
-          </a:stretch>
-        </p:blipFill>
-        <p:spPr>
-          <a:xfrm>
-            <a:off x="9704701" y="4431266"/>
-            <a:ext cx="2258888" cy="2261967"/>
-          </a:xfrm>
-          <a:prstGeom prst="rect">
-            <a:avLst/>
-          </a:prstGeom>
-        </p:spPr>
-      </p:pic>
-      <p:sp>
-        <p:nvSpPr>
-          <p:cNvPr id="19" name="Rectangle 18">
-            <a:extLst>
-              <a:ext uri="{FF2B5EF4-FFF2-40B4-BE49-F238E27FC236}">
-                <a16:creationId xmlns:a16="http://schemas.microsoft.com/office/drawing/2014/main" id="{982F0079-1E5D-4471-BD36-BAF27A8C8594}"/>
-              </a:ext>
-            </a:extLst>
-          </p:cNvPr>
-          <p:cNvSpPr/>
-          <p:nvPr/>
-        </p:nvSpPr>
-        <p:spPr>
-          <a:xfrm>
-            <a:off x="2407674" y="2920838"/>
-            <a:ext cx="2969950" cy="1200329"/>
-          </a:xfrm>
-          <a:prstGeom prst="rect">
-            <a:avLst/>
-          </a:prstGeom>
-        </p:spPr>
-        <p:txBody>
-          <a:bodyPr wrap="square">
-            <a:spAutoFit/>
-          </a:bodyPr>
-          <a:lstStyle/>
-          <a:p>
-            <a:pPr lvl="1" algn="ctr"/>
-            <a:r>
-              <a:rPr lang="en-US" sz="3600" b="1" dirty="0">
-                <a:solidFill>
-                  <a:srgbClr val="C00000"/>
-                </a:solidFill>
-              </a:rPr>
-              <a:t>What is blockchain?</a:t>
-            </a:r>
-          </a:p>
-        </p:txBody>
-      </p:sp>
-      <p:pic>
-        <p:nvPicPr>
-          <p:cNvPr id="12" name="Picture 11">
-            <a:extLst>
-              <a:ext uri="{FF2B5EF4-FFF2-40B4-BE49-F238E27FC236}">
-                <a16:creationId xmlns:a16="http://schemas.microsoft.com/office/drawing/2014/main" id="{42E11844-4580-439C-A353-36A5865915BA}"/>
-              </a:ext>
-            </a:extLst>
-          </p:cNvPr>
-          <p:cNvPicPr>
-            <a:picLocks noChangeAspect="1"/>
-          </p:cNvPicPr>
-          <p:nvPr/>
-        </p:nvPicPr>
-        <p:blipFill>
-          <a:blip r:embed="rId13"/>
-          <a:stretch>
-            <a:fillRect/>
-          </a:stretch>
-        </p:blipFill>
-        <p:spPr>
-          <a:xfrm>
-            <a:off x="4418836" y="4651676"/>
-            <a:ext cx="582188" cy="636533"/>
-          </a:xfrm>
-          <a:prstGeom prst="rect">
-            <a:avLst/>
-          </a:prstGeom>
-        </p:spPr>
-      </p:pic>
-      <p:pic>
-        <p:nvPicPr>
-          <p:cNvPr id="16" name="Picture 15">
-            <a:extLst>
-              <a:ext uri="{FF2B5EF4-FFF2-40B4-BE49-F238E27FC236}">
-                <a16:creationId xmlns:a16="http://schemas.microsoft.com/office/drawing/2014/main" id="{12B22BC8-A9C9-4818-9885-C7A1D36F94B8}"/>
-              </a:ext>
-            </a:extLst>
-          </p:cNvPr>
-          <p:cNvPicPr>
-            <a:picLocks noChangeAspect="1"/>
-          </p:cNvPicPr>
-          <p:nvPr/>
-        </p:nvPicPr>
-        <p:blipFill>
-          <a:blip r:embed="rId14"/>
-          <a:stretch>
-            <a:fillRect/>
-          </a:stretch>
-        </p:blipFill>
-        <p:spPr>
-          <a:xfrm>
-            <a:off x="4954123" y="4651676"/>
-            <a:ext cx="972253" cy="636533"/>
-          </a:xfrm>
-          <a:prstGeom prst="rect">
-            <a:avLst/>
-          </a:prstGeom>
-        </p:spPr>
-      </p:pic>
-      <p:sp>
-        <p:nvSpPr>
-          <p:cNvPr id="23" name="Q_how_is_block created?">
-            <a:extLst>
-              <a:ext uri="{FF2B5EF4-FFF2-40B4-BE49-F238E27FC236}">
-                <a16:creationId xmlns:a16="http://schemas.microsoft.com/office/drawing/2014/main" id="{81C9EF0B-B83C-483C-A68F-904E589FC06F}"/>
-              </a:ext>
-            </a:extLst>
-          </p:cNvPr>
-          <p:cNvSpPr/>
-          <p:nvPr/>
-        </p:nvSpPr>
-        <p:spPr>
-          <a:xfrm>
-            <a:off x="5372374" y="3385846"/>
-            <a:ext cx="4243623" cy="646331"/>
-          </a:xfrm>
-          <a:prstGeom prst="rect">
-            <a:avLst/>
-          </a:prstGeom>
-        </p:spPr>
-        <p:txBody>
-          <a:bodyPr wrap="square">
-            <a:spAutoFit/>
-          </a:bodyPr>
-          <a:lstStyle/>
-          <a:p>
-            <a:pPr lvl="1" algn="ctr"/>
-            <a:r>
-              <a:rPr lang="en-US" sz="3600" b="1" dirty="0">
-                <a:solidFill>
-                  <a:srgbClr val="C00000"/>
-                </a:solidFill>
-                <a:latin typeface="Agency FB" panose="020B0503020202020204" pitchFamily="34" charset="0"/>
-              </a:rPr>
-              <a:t>How is Block created?</a:t>
-            </a:r>
-          </a:p>
-        </p:txBody>
-      </p:sp>
-    </p:spTree>
-    <p:extLst>
-      <p:ext uri="{BB962C8B-B14F-4D97-AF65-F5344CB8AC3E}">
-        <p14:creationId xmlns:p14="http://schemas.microsoft.com/office/powerpoint/2010/main" val="650632293"/>
-      </p:ext>
-    </p:extLst>
-  </p:cSld>
-  <p:clrMapOvr>
-    <a:masterClrMapping/>
-  </p:clrMapOvr>
-  <p:timing>
-    <p:tnLst>
-      <p:par>
-        <p:cTn id="1" dur="indefinite" restart="never" nodeType="tmRoot">
-          <p:childTnLst>
-            <p:seq concurrent="1" nextAc="seek">
-              <p:cTn id="2" dur="indefinite" nodeType="mainSeq">
-                <p:childTnLst>
-                  <p:par>
-                    <p:cTn id="3" fill="hold">
-                      <p:stCondLst>
-                        <p:cond delay="indefinite"/>
-                      </p:stCondLst>
-                      <p:childTnLst>
-                        <p:par>
-                          <p:cTn id="4" fill="hold">
-                            <p:stCondLst>
-                              <p:cond delay="0"/>
-                            </p:stCondLst>
-                            <p:childTnLst>
-                              <p:par>
-                                <p:cTn id="5" presetID="1" presetClass="entr" presetSubtype="0" fill="hold" nodeType="clickEffect">
-                                  <p:stCondLst>
-                                    <p:cond delay="0"/>
-                                  </p:stCondLst>
-                                  <p:childTnLst>
-                                    <p:set>
-                                      <p:cBhvr>
-                                        <p:cTn id="6" dur="1" fill="hold">
-                                          <p:stCondLst>
-                                            <p:cond delay="0"/>
-                                          </p:stCondLst>
-                                        </p:cTn>
-                                        <p:tgtEl>
-                                          <p:spTgt spid="12"/>
-                                        </p:tgtEl>
-                                        <p:attrNameLst>
-                                          <p:attrName>style.visibility</p:attrName>
-                                        </p:attrNameLst>
-                                      </p:cBhvr>
-                                      <p:to>
-                                        <p:strVal val="visible"/>
-                                      </p:to>
-                                    </p:set>
-                                  </p:childTnLst>
-                                </p:cTn>
-                              </p:par>
-                            </p:childTnLst>
-                          </p:cTn>
-                        </p:par>
-                      </p:childTnLst>
-                    </p:cTn>
-                  </p:par>
-                  <p:par>
-                    <p:cTn id="7" fill="hold">
-                      <p:stCondLst>
-                        <p:cond delay="indefinite"/>
-                      </p:stCondLst>
-                      <p:childTnLst>
-                        <p:par>
-                          <p:cTn id="8" fill="hold">
-                            <p:stCondLst>
-                              <p:cond delay="0"/>
-                            </p:stCondLst>
-                            <p:childTnLst>
-                              <p:par>
-                                <p:cTn id="9" presetID="2" presetClass="entr" presetSubtype="2" fill="hold" nodeType="clickEffect">
-                                  <p:stCondLst>
-                                    <p:cond delay="0"/>
-                                  </p:stCondLst>
-                                  <p:childTnLst>
-                                    <p:set>
-                                      <p:cBhvr>
-                                        <p:cTn id="10" dur="1" fill="hold">
-                                          <p:stCondLst>
-                                            <p:cond delay="0"/>
-                                          </p:stCondLst>
-                                        </p:cTn>
-                                        <p:tgtEl>
-                                          <p:spTgt spid="16"/>
-                                        </p:tgtEl>
-                                        <p:attrNameLst>
-                                          <p:attrName>style.visibility</p:attrName>
-                                        </p:attrNameLst>
-                                      </p:cBhvr>
-                                      <p:to>
-                                        <p:strVal val="visible"/>
-                                      </p:to>
-                                    </p:set>
-                                    <p:anim calcmode="lin" valueType="num">
-                                      <p:cBhvr additive="base">
-                                        <p:cTn id="11" dur="500" fill="hold"/>
-                                        <p:tgtEl>
-                                          <p:spTgt spid="16"/>
-                                        </p:tgtEl>
-                                        <p:attrNameLst>
-                                          <p:attrName>ppt_x</p:attrName>
-                                        </p:attrNameLst>
-                                      </p:cBhvr>
-                                      <p:tavLst>
-                                        <p:tav tm="0">
-                                          <p:val>
-                                            <p:strVal val="1+#ppt_w/2"/>
-                                          </p:val>
-                                        </p:tav>
-                                        <p:tav tm="100000">
-                                          <p:val>
-                                            <p:strVal val="#ppt_x"/>
-                                          </p:val>
-                                        </p:tav>
-                                      </p:tavLst>
-                                    </p:anim>
-                                    <p:anim calcmode="lin" valueType="num">
-                                      <p:cBhvr additive="base">
-                                        <p:cTn id="12" dur="500" fill="hold"/>
-                                        <p:tgtEl>
-                                          <p:spTgt spid="16"/>
-                                        </p:tgtEl>
-                                        <p:attrNameLst>
-                                          <p:attrName>ppt_y</p:attrName>
-                                        </p:attrNameLst>
-                                      </p:cBhvr>
-                                      <p:tavLst>
-                                        <p:tav tm="0">
-                                          <p:val>
-                                            <p:strVal val="#ppt_y"/>
-                                          </p:val>
-                                        </p:tav>
-                                        <p:tav tm="100000">
-                                          <p:val>
-                                            <p:strVal val="#ppt_y"/>
-                                          </p:val>
-                                        </p:tav>
-                                      </p:tavLst>
-                                    </p:anim>
-                                  </p:childTnLst>
-                                </p:cTn>
-                              </p:par>
-                            </p:childTnLst>
-                          </p:cTn>
-                        </p:par>
-                      </p:childTnLst>
-                    </p:cTn>
-                  </p:par>
-                  <p:par>
-                    <p:cTn id="13" fill="hold">
-                      <p:stCondLst>
-                        <p:cond delay="indefinite"/>
-                      </p:stCondLst>
-                      <p:childTnLst>
-                        <p:par>
-                          <p:cTn id="14" fill="hold">
-                            <p:stCondLst>
-                              <p:cond delay="0"/>
-                            </p:stCondLst>
-                            <p:childTnLst>
-                              <p:par>
-                                <p:cTn id="15" presetID="2" presetClass="entr" presetSubtype="2" fill="hold" nodeType="clickEffect">
-                                  <p:stCondLst>
-                                    <p:cond delay="0"/>
-                                  </p:stCondLst>
-                                  <p:childTnLst>
-                                    <p:set>
-                                      <p:cBhvr>
-                                        <p:cTn id="16" dur="1" fill="hold">
-                                          <p:stCondLst>
-                                            <p:cond delay="0"/>
-                                          </p:stCondLst>
-                                        </p:cTn>
-                                        <p:tgtEl>
-                                          <p:spTgt spid="3"/>
-                                        </p:tgtEl>
-                                        <p:attrNameLst>
-                                          <p:attrName>style.visibility</p:attrName>
-                                        </p:attrNameLst>
-                                      </p:cBhvr>
-                                      <p:to>
-                                        <p:strVal val="visible"/>
-                                      </p:to>
-                                    </p:set>
-                                    <p:anim calcmode="lin" valueType="num">
-                                      <p:cBhvr additive="base">
-                                        <p:cTn id="17" dur="500" fill="hold"/>
-                                        <p:tgtEl>
-                                          <p:spTgt spid="3"/>
-                                        </p:tgtEl>
-                                        <p:attrNameLst>
-                                          <p:attrName>ppt_x</p:attrName>
-                                        </p:attrNameLst>
-                                      </p:cBhvr>
-                                      <p:tavLst>
-                                        <p:tav tm="0">
-                                          <p:val>
-                                            <p:strVal val="1+#ppt_w/2"/>
-                                          </p:val>
-                                        </p:tav>
-                                        <p:tav tm="100000">
-                                          <p:val>
-                                            <p:strVal val="#ppt_x"/>
-                                          </p:val>
-                                        </p:tav>
-                                      </p:tavLst>
-                                    </p:anim>
-                                    <p:anim calcmode="lin" valueType="num">
-                                      <p:cBhvr additive="base">
-                                        <p:cTn id="18" dur="500" fill="hold"/>
-                                        <p:tgtEl>
-                                          <p:spTgt spid="3"/>
-                                        </p:tgtEl>
-                                        <p:attrNameLst>
-                                          <p:attrName>ppt_y</p:attrName>
-                                        </p:attrNameLst>
-                                      </p:cBhvr>
-                                      <p:tavLst>
-                                        <p:tav tm="0">
-                                          <p:val>
-                                            <p:strVal val="#ppt_y"/>
-                                          </p:val>
-                                        </p:tav>
-                                        <p:tav tm="100000">
-                                          <p:val>
-                                            <p:strVal val="#ppt_y"/>
-                                          </p:val>
-                                        </p:tav>
-                                      </p:tavLst>
-                                    </p:anim>
-                                  </p:childTnLst>
-                                </p:cTn>
-                              </p:par>
-                            </p:childTnLst>
-                          </p:cTn>
-                        </p:par>
-                      </p:childTnLst>
-                    </p:cTn>
-                  </p:par>
-                  <p:par>
-                    <p:cTn id="19" fill="hold">
-                      <p:stCondLst>
-                        <p:cond delay="indefinite"/>
-                      </p:stCondLst>
-                      <p:childTnLst>
-                        <p:par>
-                          <p:cTn id="20" fill="hold">
-                            <p:stCondLst>
-                              <p:cond delay="0"/>
-                            </p:stCondLst>
-                            <p:childTnLst>
-                              <p:par>
-                                <p:cTn id="21" presetID="2" presetClass="entr" presetSubtype="2" fill="hold" nodeType="clickEffect">
-                                  <p:stCondLst>
-                                    <p:cond delay="0"/>
-                                  </p:stCondLst>
-                                  <p:childTnLst>
-                                    <p:set>
-                                      <p:cBhvr>
-                                        <p:cTn id="22" dur="1" fill="hold">
-                                          <p:stCondLst>
-                                            <p:cond delay="0"/>
-                                          </p:stCondLst>
-                                        </p:cTn>
-                                        <p:tgtEl>
-                                          <p:spTgt spid="4"/>
-                                        </p:tgtEl>
-                                        <p:attrNameLst>
-                                          <p:attrName>style.visibility</p:attrName>
-                                        </p:attrNameLst>
-                                      </p:cBhvr>
-                                      <p:to>
-                                        <p:strVal val="visible"/>
-                                      </p:to>
-                                    </p:set>
-                                    <p:anim calcmode="lin" valueType="num">
-                                      <p:cBhvr additive="base">
-                                        <p:cTn id="23" dur="500" fill="hold"/>
-                                        <p:tgtEl>
-                                          <p:spTgt spid="4"/>
-                                        </p:tgtEl>
-                                        <p:attrNameLst>
-                                          <p:attrName>ppt_x</p:attrName>
-                                        </p:attrNameLst>
-                                      </p:cBhvr>
-                                      <p:tavLst>
-                                        <p:tav tm="0">
-                                          <p:val>
-                                            <p:strVal val="1+#ppt_w/2"/>
-                                          </p:val>
-                                        </p:tav>
-                                        <p:tav tm="100000">
-                                          <p:val>
-                                            <p:strVal val="#ppt_x"/>
-                                          </p:val>
-                                        </p:tav>
-                                      </p:tavLst>
-                                    </p:anim>
-                                    <p:anim calcmode="lin" valueType="num">
-                                      <p:cBhvr additive="base">
-                                        <p:cTn id="24" dur="500" fill="hold"/>
-                                        <p:tgtEl>
-                                          <p:spTgt spid="4"/>
-                                        </p:tgtEl>
-                                        <p:attrNameLst>
-                                          <p:attrName>ppt_y</p:attrName>
-                                        </p:attrNameLst>
-                                      </p:cBhvr>
-                                      <p:tavLst>
-                                        <p:tav tm="0">
-                                          <p:val>
-                                            <p:strVal val="#ppt_y"/>
-                                          </p:val>
-                                        </p:tav>
-                                        <p:tav tm="100000">
-                                          <p:val>
-                                            <p:strVal val="#ppt_y"/>
-                                          </p:val>
-                                        </p:tav>
-                                      </p:tavLst>
-                                    </p:anim>
-                                  </p:childTnLst>
-                                </p:cTn>
-                              </p:par>
-                            </p:childTnLst>
-                          </p:cTn>
-                        </p:par>
-                      </p:childTnLst>
-                    </p:cTn>
-                  </p:par>
-                  <p:par>
-                    <p:cTn id="25" fill="hold">
-                      <p:stCondLst>
-                        <p:cond delay="indefinite"/>
-                      </p:stCondLst>
-                      <p:childTnLst>
-                        <p:par>
-                          <p:cTn id="26" fill="hold">
-                            <p:stCondLst>
-                              <p:cond delay="0"/>
-                            </p:stCondLst>
-                            <p:childTnLst>
-                              <p:par>
-                                <p:cTn id="27" presetID="2" presetClass="entr" presetSubtype="2" fill="hold" nodeType="clickEffect">
-                                  <p:stCondLst>
-                                    <p:cond delay="0"/>
-                                  </p:stCondLst>
-                                  <p:childTnLst>
-                                    <p:set>
-                                      <p:cBhvr>
-                                        <p:cTn id="28" dur="1" fill="hold">
-                                          <p:stCondLst>
-                                            <p:cond delay="0"/>
-                                          </p:stCondLst>
-                                        </p:cTn>
-                                        <p:tgtEl>
-                                          <p:spTgt spid="8"/>
-                                        </p:tgtEl>
-                                        <p:attrNameLst>
-                                          <p:attrName>style.visibility</p:attrName>
-                                        </p:attrNameLst>
-                                      </p:cBhvr>
-                                      <p:to>
-                                        <p:strVal val="visible"/>
-                                      </p:to>
-                                    </p:set>
-                                    <p:anim calcmode="lin" valueType="num">
-                                      <p:cBhvr additive="base">
-                                        <p:cTn id="29" dur="500" fill="hold"/>
-                                        <p:tgtEl>
-                                          <p:spTgt spid="8"/>
-                                        </p:tgtEl>
-                                        <p:attrNameLst>
-                                          <p:attrName>ppt_x</p:attrName>
-                                        </p:attrNameLst>
-                                      </p:cBhvr>
-                                      <p:tavLst>
-                                        <p:tav tm="0">
-                                          <p:val>
-                                            <p:strVal val="1+#ppt_w/2"/>
-                                          </p:val>
-                                        </p:tav>
-                                        <p:tav tm="100000">
-                                          <p:val>
-                                            <p:strVal val="#ppt_x"/>
-                                          </p:val>
-                                        </p:tav>
-                                      </p:tavLst>
-                                    </p:anim>
-                                    <p:anim calcmode="lin" valueType="num">
-                                      <p:cBhvr additive="base">
-                                        <p:cTn id="30" dur="500" fill="hold"/>
-                                        <p:tgtEl>
-                                          <p:spTgt spid="8"/>
-                                        </p:tgtEl>
-                                        <p:attrNameLst>
-                                          <p:attrName>ppt_y</p:attrName>
-                                        </p:attrNameLst>
-                                      </p:cBhvr>
-                                      <p:tavLst>
-                                        <p:tav tm="0">
-                                          <p:val>
-                                            <p:strVal val="#ppt_y"/>
-                                          </p:val>
-                                        </p:tav>
-                                        <p:tav tm="100000">
-                                          <p:val>
-                                            <p:strVal val="#ppt_y"/>
-                                          </p:val>
-                                        </p:tav>
-                                      </p:tavLst>
-                                    </p:anim>
-                                  </p:childTnLst>
-                                </p:cTn>
-                              </p:par>
-                            </p:childTnLst>
-                          </p:cTn>
-                        </p:par>
-                      </p:childTnLst>
-                    </p:cTn>
-                  </p:par>
-                  <p:par>
-                    <p:cTn id="31" fill="hold">
-                      <p:stCondLst>
-                        <p:cond delay="indefinite"/>
-                      </p:stCondLst>
-                      <p:childTnLst>
-                        <p:par>
-                          <p:cTn id="32" fill="hold">
-                            <p:stCondLst>
-                              <p:cond delay="0"/>
-                            </p:stCondLst>
-                            <p:childTnLst>
-                              <p:par>
-                                <p:cTn id="33" presetID="1" presetClass="exit" presetSubtype="0" fill="hold" grpId="0" nodeType="clickEffect">
-                                  <p:stCondLst>
-                                    <p:cond delay="0"/>
-                                  </p:stCondLst>
-                                  <p:childTnLst>
-                                    <p:set>
-                                      <p:cBhvr>
-                                        <p:cTn id="34" dur="1" fill="hold">
-                                          <p:stCondLst>
-                                            <p:cond delay="0"/>
-                                          </p:stCondLst>
-                                        </p:cTn>
-                                        <p:tgtEl>
-                                          <p:spTgt spid="19"/>
-                                        </p:tgtEl>
-                                        <p:attrNameLst>
-                                          <p:attrName>style.visibility</p:attrName>
-                                        </p:attrNameLst>
-                                      </p:cBhvr>
-                                      <p:to>
-                                        <p:strVal val="hidden"/>
-                                      </p:to>
-                                    </p:set>
-                                  </p:childTnLst>
-                                </p:cTn>
-                              </p:par>
-                            </p:childTnLst>
-                          </p:cTn>
-                        </p:par>
-                        <p:par>
-                          <p:cTn id="35" fill="hold">
-                            <p:stCondLst>
-                              <p:cond delay="0"/>
-                            </p:stCondLst>
-                            <p:childTnLst>
-                              <p:par>
-                                <p:cTn id="36" presetID="1" presetClass="entr" presetSubtype="0" fill="hold" grpId="1" nodeType="afterEffect">
-                                  <p:stCondLst>
-                                    <p:cond delay="0"/>
-                                  </p:stCondLst>
-                                  <p:childTnLst>
-                                    <p:set>
-                                      <p:cBhvr>
-                                        <p:cTn id="37" dur="1" fill="hold">
-                                          <p:stCondLst>
-                                            <p:cond delay="0"/>
-                                          </p:stCondLst>
-                                        </p:cTn>
-                                        <p:tgtEl>
-                                          <p:spTgt spid="23"/>
-                                        </p:tgtEl>
-                                        <p:attrNameLst>
-                                          <p:attrName>style.visibility</p:attrName>
-                                        </p:attrNameLst>
-                                      </p:cBhvr>
-                                      <p:to>
-                                        <p:strVal val="visible"/>
-                                      </p:to>
-                                    </p:set>
-                                  </p:childTnLst>
-                                </p:cTn>
-                              </p:par>
-                            </p:childTnLst>
-                          </p:cTn>
-                        </p:par>
-                        <p:par>
-                          <p:cTn id="38" fill="hold">
-                            <p:stCondLst>
-                              <p:cond delay="0"/>
-                            </p:stCondLst>
-                            <p:childTnLst>
-                              <p:par>
-                                <p:cTn id="39" presetID="32" presetClass="emph" presetSubtype="0" fill="hold" grpId="0" nodeType="afterEffect">
-                                  <p:stCondLst>
-                                    <p:cond delay="0"/>
-                                  </p:stCondLst>
-                                  <p:childTnLst>
-                                    <p:animRot by="120000">
-                                      <p:cBhvr>
-                                        <p:cTn id="40" dur="150" fill="hold">
-                                          <p:stCondLst>
-                                            <p:cond delay="0"/>
-                                          </p:stCondLst>
-                                        </p:cTn>
-                                        <p:tgtEl>
-                                          <p:spTgt spid="23"/>
-                                        </p:tgtEl>
-                                        <p:attrNameLst>
-                                          <p:attrName>r</p:attrName>
-                                        </p:attrNameLst>
-                                      </p:cBhvr>
-                                    </p:animRot>
-                                    <p:animRot by="-240000">
-                                      <p:cBhvr>
-                                        <p:cTn id="41" dur="300" fill="hold">
-                                          <p:stCondLst>
-                                            <p:cond delay="300"/>
-                                          </p:stCondLst>
-                                        </p:cTn>
-                                        <p:tgtEl>
-                                          <p:spTgt spid="23"/>
-                                        </p:tgtEl>
-                                        <p:attrNameLst>
-                                          <p:attrName>r</p:attrName>
-                                        </p:attrNameLst>
-                                      </p:cBhvr>
-                                    </p:animRot>
-                                    <p:animRot by="240000">
-                                      <p:cBhvr>
-                                        <p:cTn id="42" dur="300" fill="hold">
-                                          <p:stCondLst>
-                                            <p:cond delay="600"/>
-                                          </p:stCondLst>
-                                        </p:cTn>
-                                        <p:tgtEl>
-                                          <p:spTgt spid="23"/>
-                                        </p:tgtEl>
-                                        <p:attrNameLst>
-                                          <p:attrName>r</p:attrName>
-                                        </p:attrNameLst>
-                                      </p:cBhvr>
-                                    </p:animRot>
-                                    <p:animRot by="-240000">
-                                      <p:cBhvr>
-                                        <p:cTn id="43" dur="300" fill="hold">
-                                          <p:stCondLst>
-                                            <p:cond delay="900"/>
-                                          </p:stCondLst>
-                                        </p:cTn>
-                                        <p:tgtEl>
-                                          <p:spTgt spid="23"/>
-                                        </p:tgtEl>
-                                        <p:attrNameLst>
-                                          <p:attrName>r</p:attrName>
-                                        </p:attrNameLst>
-                                      </p:cBhvr>
-                                    </p:animRot>
-                                    <p:animRot by="120000">
-                                      <p:cBhvr>
-                                        <p:cTn id="44" dur="300" fill="hold">
-                                          <p:stCondLst>
-                                            <p:cond delay="1200"/>
-                                          </p:stCondLst>
-                                        </p:cTn>
-                                        <p:tgtEl>
-                                          <p:spTgt spid="23"/>
-                                        </p:tgtEl>
-                                        <p:attrNameLst>
-                                          <p:attrName>r</p:attrName>
-                                        </p:attrNameLst>
-                                      </p:cBhvr>
-                                    </p:animRot>
-                                  </p:childTnLst>
-                                </p:cTn>
-                              </p:par>
-                            </p:childTnLst>
-                          </p:cTn>
-                        </p:par>
-                      </p:childTnLst>
-                    </p:cTn>
-                  </p:par>
-                </p:childTnLst>
-              </p:cTn>
-              <p:prevCondLst>
-                <p:cond evt="onPrev" delay="0">
-                  <p:tgtEl>
-                    <p:sldTgt/>
-                  </p:tgtEl>
-                </p:cond>
-              </p:prevCondLst>
-              <p:nextCondLst>
-                <p:cond evt="onNext" delay="0">
-                  <p:tgtEl>
-                    <p:sldTgt/>
-                  </p:tgtEl>
-                </p:cond>
-              </p:nextCondLst>
-            </p:seq>
-          </p:childTnLst>
-        </p:cTn>
-      </p:par>
-    </p:tnLst>
-    <p:bldLst>
-      <p:bldP spid="19" grpId="0"/>
-      <p:bldP spid="23" grpId="0"/>
-      <p:bldP spid="23" grpId="1"/>
-    </p:bldLst>
-  </p:timing>
-</p:sld>
-</file>
-
-<file path=ppt/slides/slide4.xml><?xml version="1.0" encoding="utf-8"?>
 <p:sld xmlns:a="http://schemas.openxmlformats.org/drawingml/2006/main" xmlns:r="http://schemas.openxmlformats.org/officeDocument/2006/relationships" xmlns:p="http://schemas.openxmlformats.org/presentationml/2006/main">
   <p:cSld>
     <p:spTree>
@@ -9262,6 +6617,1203 @@
 </p:sld>
 </file>
 
+<file path=ppt/slides/slide4.xml><?xml version="1.0" encoding="utf-8"?>
+<p:sld xmlns:a="http://schemas.openxmlformats.org/drawingml/2006/main" xmlns:r="http://schemas.openxmlformats.org/officeDocument/2006/relationships" xmlns:p="http://schemas.openxmlformats.org/presentationml/2006/main">
+  <p:cSld>
+    <p:spTree>
+      <p:nvGrpSpPr>
+        <p:cNvPr id="1" name=""/>
+        <p:cNvGrpSpPr/>
+        <p:nvPr/>
+      </p:nvGrpSpPr>
+      <p:grpSpPr>
+        <a:xfrm>
+          <a:off x="0" y="0"/>
+          <a:ext cx="0" cy="0"/>
+          <a:chOff x="0" y="0"/>
+          <a:chExt cx="0" cy="0"/>
+        </a:xfrm>
+      </p:grpSpPr>
+      <p:pic>
+        <p:nvPicPr>
+          <p:cNvPr id="13" name="bc_Earch">
+            <a:extLst>
+              <a:ext uri="{FF2B5EF4-FFF2-40B4-BE49-F238E27FC236}">
+                <a16:creationId xmlns:a16="http://schemas.microsoft.com/office/drawing/2014/main" id="{2718B07E-D8ED-4EC0-B7BE-BD6618486AE2}"/>
+              </a:ext>
+            </a:extLst>
+          </p:cNvPr>
+          <p:cNvPicPr>
+            <a:picLocks noChangeAspect="1"/>
+          </p:cNvPicPr>
+          <p:nvPr/>
+        </p:nvPicPr>
+        <p:blipFill>
+          <a:blip r:embed="rId3"/>
+          <a:stretch>
+            <a:fillRect/>
+          </a:stretch>
+        </p:blipFill>
+        <p:spPr>
+          <a:xfrm>
+            <a:off x="768116" y="4198011"/>
+            <a:ext cx="2174471" cy="2122725"/>
+          </a:xfrm>
+          <a:prstGeom prst="rect">
+            <a:avLst/>
+          </a:prstGeom>
+        </p:spPr>
+      </p:pic>
+      <p:pic>
+        <p:nvPicPr>
+          <p:cNvPr id="14" name="bc_ledger">
+            <a:extLst>
+              <a:ext uri="{FF2B5EF4-FFF2-40B4-BE49-F238E27FC236}">
+                <a16:creationId xmlns:a16="http://schemas.microsoft.com/office/drawing/2014/main" id="{A590E941-BAD1-4EDE-888D-75BDA8CF4711}"/>
+              </a:ext>
+            </a:extLst>
+          </p:cNvPr>
+          <p:cNvPicPr>
+            <a:picLocks noChangeAspect="1"/>
+          </p:cNvPicPr>
+          <p:nvPr/>
+        </p:nvPicPr>
+        <p:blipFill>
+          <a:blip r:embed="rId4"/>
+          <a:stretch>
+            <a:fillRect/>
+          </a:stretch>
+        </p:blipFill>
+        <p:spPr>
+          <a:xfrm>
+            <a:off x="74809" y="3893912"/>
+            <a:ext cx="3597920" cy="2497826"/>
+          </a:xfrm>
+          <a:prstGeom prst="rect">
+            <a:avLst/>
+          </a:prstGeom>
+        </p:spPr>
+      </p:pic>
+      <p:sp>
+        <p:nvSpPr>
+          <p:cNvPr id="2" name="Title 1"/>
+          <p:cNvSpPr>
+            <a:spLocks noGrp="1"/>
+          </p:cNvSpPr>
+          <p:nvPr>
+            <p:ph type="title"/>
+          </p:nvPr>
+        </p:nvSpPr>
+        <p:spPr>
+          <a:xfrm>
+            <a:off x="245805" y="335630"/>
+            <a:ext cx="11818375" cy="667262"/>
+          </a:xfrm>
+        </p:spPr>
+        <p:txBody>
+          <a:bodyPr>
+            <a:normAutofit fontScale="90000"/>
+          </a:bodyPr>
+          <a:lstStyle/>
+          <a:p>
+            <a:r>
+              <a:rPr lang="zh-CN" altLang="en-US" dirty="0"/>
+              <a:t>区块链简介</a:t>
+            </a:r>
+            <a:endParaRPr lang="en-US" dirty="0"/>
+          </a:p>
+        </p:txBody>
+      </p:sp>
+      <p:graphicFrame>
+        <p:nvGraphicFramePr>
+          <p:cNvPr id="5" name="ledger_table"/>
+          <p:cNvGraphicFramePr>
+            <a:graphicFrameLocks noGrp="1"/>
+          </p:cNvGraphicFramePr>
+          <p:nvPr>
+            <p:extLst/>
+          </p:nvPr>
+        </p:nvGraphicFramePr>
+        <p:xfrm>
+          <a:off x="8218480" y="756763"/>
+          <a:ext cx="3512232" cy="2286000"/>
+        </p:xfrm>
+        <a:graphic>
+          <a:graphicData uri="http://schemas.openxmlformats.org/drawingml/2006/table">
+            <a:tbl>
+              <a:tblPr bandRow="1">
+                <a:tableStyleId>{5C22544A-7EE6-4342-B048-85BDC9FD1C3A}</a:tableStyleId>
+              </a:tblPr>
+              <a:tblGrid>
+                <a:gridCol w="2055733">
+                  <a:extLst>
+                    <a:ext uri="{9D8B030D-6E8A-4147-A177-3AD203B41FA5}">
+                      <a16:colId xmlns:a16="http://schemas.microsoft.com/office/drawing/2014/main" val="2721194005"/>
+                    </a:ext>
+                  </a:extLst>
+                </a:gridCol>
+                <a:gridCol w="1456499">
+                  <a:extLst>
+                    <a:ext uri="{9D8B030D-6E8A-4147-A177-3AD203B41FA5}">
+                      <a16:colId xmlns:a16="http://schemas.microsoft.com/office/drawing/2014/main" val="2277102548"/>
+                    </a:ext>
+                  </a:extLst>
+                </a:gridCol>
+              </a:tblGrid>
+              <a:tr h="336868">
+                <a:tc>
+                  <a:txBody>
+                    <a:bodyPr/>
+                    <a:lstStyle/>
+                    <a:p>
+                      <a:r>
+                        <a:rPr lang="en-US" sz="2400" dirty="0"/>
+                        <a:t>Alice </a:t>
+                      </a:r>
+                      <a:r>
+                        <a:rPr lang="en-US" altLang="zh-CN" sz="2400" dirty="0">
+                          <a:sym typeface="Wingdings" panose="05000000000000000000" pitchFamily="2" charset="2"/>
+                        </a:rPr>
+                        <a:t></a:t>
+                      </a:r>
+                      <a:r>
+                        <a:rPr lang="en-US" altLang="zh-CN" sz="2400" dirty="0"/>
+                        <a:t> Bob</a:t>
+                      </a:r>
+                      <a:endParaRPr lang="en-US" sz="2400" dirty="0"/>
+                    </a:p>
+                  </a:txBody>
+                  <a:tcPr>
+                    <a:lnT w="12700" cmpd="sng">
+                      <a:noFill/>
+                    </a:lnT>
+                    <a:lnB w="12700" cmpd="sng">
+                      <a:noFill/>
+                    </a:lnB>
+                  </a:tcPr>
+                </a:tc>
+                <a:tc>
+                  <a:txBody>
+                    <a:bodyPr/>
+                    <a:lstStyle/>
+                    <a:p>
+                      <a:r>
+                        <a:rPr lang="en-US" sz="2400" dirty="0"/>
+                        <a:t>5.4</a:t>
+                      </a:r>
+                    </a:p>
+                  </a:txBody>
+                  <a:tcPr>
+                    <a:lnT w="12700" cmpd="sng">
+                      <a:noFill/>
+                    </a:lnT>
+                    <a:lnB w="12700" cmpd="sng">
+                      <a:noFill/>
+                    </a:lnB>
+                  </a:tcPr>
+                </a:tc>
+                <a:extLst>
+                  <a:ext uri="{0D108BD9-81ED-4DB2-BD59-A6C34878D82A}">
+                    <a16:rowId xmlns:a16="http://schemas.microsoft.com/office/drawing/2014/main" val="2010139002"/>
+                  </a:ext>
+                </a:extLst>
+              </a:tr>
+              <a:tr h="336868">
+                <a:tc>
+                  <a:txBody>
+                    <a:bodyPr/>
+                    <a:lstStyle/>
+                    <a:p>
+                      <a:r>
+                        <a:rPr lang="en-US" sz="2400" dirty="0"/>
+                        <a:t>Bob </a:t>
+                      </a:r>
+                      <a:r>
+                        <a:rPr lang="en-US" sz="2400" dirty="0">
+                          <a:sym typeface="Wingdings" panose="05000000000000000000" pitchFamily="2" charset="2"/>
+                        </a:rPr>
+                        <a:t> Cindy</a:t>
+                      </a:r>
+                      <a:endParaRPr lang="en-US" sz="2400" dirty="0"/>
+                    </a:p>
+                  </a:txBody>
+                  <a:tcPr>
+                    <a:lnT w="12700" cmpd="sng">
+                      <a:noFill/>
+                    </a:lnT>
+                    <a:lnB w="12700" cmpd="sng">
+                      <a:noFill/>
+                    </a:lnB>
+                  </a:tcPr>
+                </a:tc>
+                <a:tc>
+                  <a:txBody>
+                    <a:bodyPr/>
+                    <a:lstStyle/>
+                    <a:p>
+                      <a:r>
+                        <a:rPr lang="en-US" sz="2400" dirty="0"/>
+                        <a:t>100</a:t>
+                      </a:r>
+                    </a:p>
+                  </a:txBody>
+                  <a:tcPr>
+                    <a:lnT w="12700" cmpd="sng">
+                      <a:noFill/>
+                    </a:lnT>
+                    <a:lnB w="12700" cmpd="sng">
+                      <a:noFill/>
+                    </a:lnB>
+                  </a:tcPr>
+                </a:tc>
+                <a:extLst>
+                  <a:ext uri="{0D108BD9-81ED-4DB2-BD59-A6C34878D82A}">
+                    <a16:rowId xmlns:a16="http://schemas.microsoft.com/office/drawing/2014/main" val="2859383358"/>
+                  </a:ext>
+                </a:extLst>
+              </a:tr>
+              <a:tr h="336868">
+                <a:tc>
+                  <a:txBody>
+                    <a:bodyPr/>
+                    <a:lstStyle/>
+                    <a:p>
+                      <a:r>
+                        <a:rPr lang="en-US" sz="2400" dirty="0"/>
+                        <a:t>Frank </a:t>
+                      </a:r>
+                      <a:r>
+                        <a:rPr lang="en-US" sz="2400" dirty="0">
+                          <a:sym typeface="Wingdings" panose="05000000000000000000" pitchFamily="2" charset="2"/>
+                        </a:rPr>
+                        <a:t> Gary</a:t>
+                      </a:r>
+                      <a:endParaRPr lang="en-US" sz="2400" dirty="0"/>
+                    </a:p>
+                  </a:txBody>
+                  <a:tcPr>
+                    <a:lnT w="12700" cmpd="sng">
+                      <a:noFill/>
+                    </a:lnT>
+                    <a:lnB w="12700" cmpd="sng">
+                      <a:noFill/>
+                    </a:lnB>
+                  </a:tcPr>
+                </a:tc>
+                <a:tc>
+                  <a:txBody>
+                    <a:bodyPr/>
+                    <a:lstStyle/>
+                    <a:p>
+                      <a:r>
+                        <a:rPr lang="en-US" sz="2400" dirty="0"/>
+                        <a:t>700</a:t>
+                      </a:r>
+                    </a:p>
+                  </a:txBody>
+                  <a:tcPr>
+                    <a:lnT w="12700" cmpd="sng">
+                      <a:noFill/>
+                    </a:lnT>
+                    <a:lnB w="12700" cmpd="sng">
+                      <a:noFill/>
+                    </a:lnB>
+                  </a:tcPr>
+                </a:tc>
+                <a:extLst>
+                  <a:ext uri="{0D108BD9-81ED-4DB2-BD59-A6C34878D82A}">
+                    <a16:rowId xmlns:a16="http://schemas.microsoft.com/office/drawing/2014/main" val="3939695560"/>
+                  </a:ext>
+                </a:extLst>
+              </a:tr>
+              <a:tr h="406078">
+                <a:tc>
+                  <a:txBody>
+                    <a:bodyPr/>
+                    <a:lstStyle/>
+                    <a:p>
+                      <a:r>
+                        <a:rPr lang="en-US" sz="2400" dirty="0"/>
+                        <a:t>Carl </a:t>
+                      </a:r>
+                      <a:r>
+                        <a:rPr lang="en-US" sz="2400" dirty="0">
+                          <a:sym typeface="Wingdings" panose="05000000000000000000" pitchFamily="2" charset="2"/>
+                        </a:rPr>
+                        <a:t> Dave</a:t>
+                      </a:r>
+                      <a:endParaRPr lang="en-US" sz="2400" dirty="0"/>
+                    </a:p>
+                  </a:txBody>
+                  <a:tcPr>
+                    <a:lnT w="12700" cmpd="sng">
+                      <a:noFill/>
+                    </a:lnT>
+                    <a:lnB w="12700" cmpd="sng">
+                      <a:noFill/>
+                    </a:lnB>
+                  </a:tcPr>
+                </a:tc>
+                <a:tc>
+                  <a:txBody>
+                    <a:bodyPr/>
+                    <a:lstStyle/>
+                    <a:p>
+                      <a:r>
+                        <a:rPr lang="en-US" sz="2400" dirty="0"/>
+                        <a:t>0.001</a:t>
+                      </a:r>
+                    </a:p>
+                  </a:txBody>
+                  <a:tcPr>
+                    <a:lnT w="12700" cmpd="sng">
+                      <a:noFill/>
+                    </a:lnT>
+                    <a:lnB w="12700" cmpd="sng">
+                      <a:noFill/>
+                    </a:lnB>
+                  </a:tcPr>
+                </a:tc>
+                <a:extLst>
+                  <a:ext uri="{0D108BD9-81ED-4DB2-BD59-A6C34878D82A}">
+                    <a16:rowId xmlns:a16="http://schemas.microsoft.com/office/drawing/2014/main" val="2968606845"/>
+                  </a:ext>
+                </a:extLst>
+              </a:tr>
+              <a:tr h="336868">
+                <a:tc>
+                  <a:txBody>
+                    <a:bodyPr/>
+                    <a:lstStyle/>
+                    <a:p>
+                      <a:r>
+                        <a:rPr lang="en-US" sz="2400" dirty="0"/>
+                        <a:t>…</a:t>
+                      </a:r>
+                    </a:p>
+                  </a:txBody>
+                  <a:tcPr>
+                    <a:lnT w="12700" cmpd="sng">
+                      <a:noFill/>
+                    </a:lnT>
+                  </a:tcPr>
+                </a:tc>
+                <a:tc>
+                  <a:txBody>
+                    <a:bodyPr/>
+                    <a:lstStyle/>
+                    <a:p>
+                      <a:r>
+                        <a:rPr lang="en-US" sz="2400" dirty="0"/>
+                        <a:t>…</a:t>
+                      </a:r>
+                    </a:p>
+                  </a:txBody>
+                  <a:tcPr>
+                    <a:lnT w="12700" cmpd="sng">
+                      <a:noFill/>
+                    </a:lnT>
+                  </a:tcPr>
+                </a:tc>
+                <a:extLst>
+                  <a:ext uri="{0D108BD9-81ED-4DB2-BD59-A6C34878D82A}">
+                    <a16:rowId xmlns:a16="http://schemas.microsoft.com/office/drawing/2014/main" val="1180148383"/>
+                  </a:ext>
+                </a:extLst>
+              </a:tr>
+            </a:tbl>
+          </a:graphicData>
+        </a:graphic>
+      </p:graphicFrame>
+      <p:sp>
+        <p:nvSpPr>
+          <p:cNvPr id="6" name="ledger_title"/>
+          <p:cNvSpPr txBox="1"/>
+          <p:nvPr/>
+        </p:nvSpPr>
+        <p:spPr>
+          <a:xfrm>
+            <a:off x="9094230" y="256658"/>
+            <a:ext cx="1781421" cy="584775"/>
+          </a:xfrm>
+          <a:prstGeom prst="rect">
+            <a:avLst/>
+          </a:prstGeom>
+          <a:noFill/>
+        </p:spPr>
+        <p:txBody>
+          <a:bodyPr wrap="square" rtlCol="0">
+            <a:spAutoFit/>
+          </a:bodyPr>
+          <a:lstStyle/>
+          <a:p>
+            <a:pPr algn="ctr"/>
+            <a:r>
+              <a:rPr lang="en-US" sz="3200" dirty="0"/>
+              <a:t>Ledger</a:t>
+            </a:r>
+          </a:p>
+        </p:txBody>
+      </p:sp>
+      <p:sp>
+        <p:nvSpPr>
+          <p:cNvPr id="37" name="Rectangle 36">
+            <a:extLst>
+              <a:ext uri="{FF2B5EF4-FFF2-40B4-BE49-F238E27FC236}">
+                <a16:creationId xmlns:a16="http://schemas.microsoft.com/office/drawing/2014/main" id="{A8F08B1C-AC2A-415F-865B-A62E84EEB9D3}"/>
+              </a:ext>
+            </a:extLst>
+          </p:cNvPr>
+          <p:cNvSpPr/>
+          <p:nvPr/>
+        </p:nvSpPr>
+        <p:spPr>
+          <a:xfrm>
+            <a:off x="0" y="6488668"/>
+            <a:ext cx="1081377" cy="369332"/>
+          </a:xfrm>
+          <a:prstGeom prst="rect">
+            <a:avLst/>
+          </a:prstGeom>
+        </p:spPr>
+        <p:txBody>
+          <a:bodyPr wrap="square">
+            <a:spAutoFit/>
+          </a:bodyPr>
+          <a:lstStyle/>
+          <a:p>
+            <a:r>
+              <a:rPr lang="en-US" dirty="0">
+                <a:hlinkClick r:id="rId5" action="ppaction://hlinksldjump"/>
+              </a:rPr>
+              <a:t>Index</a:t>
+            </a:r>
+            <a:endParaRPr lang="en-US" dirty="0"/>
+          </a:p>
+        </p:txBody>
+      </p:sp>
+      <p:pic>
+        <p:nvPicPr>
+          <p:cNvPr id="11" name="bank_people">
+            <a:extLst>
+              <a:ext uri="{FF2B5EF4-FFF2-40B4-BE49-F238E27FC236}">
+                <a16:creationId xmlns:a16="http://schemas.microsoft.com/office/drawing/2014/main" id="{F0C3F369-9F4F-486D-803F-1667C23659A5}"/>
+              </a:ext>
+            </a:extLst>
+          </p:cNvPr>
+          <p:cNvPicPr>
+            <a:picLocks noChangeAspect="1"/>
+          </p:cNvPicPr>
+          <p:nvPr/>
+        </p:nvPicPr>
+        <p:blipFill>
+          <a:blip r:embed="rId6"/>
+          <a:stretch>
+            <a:fillRect/>
+          </a:stretch>
+        </p:blipFill>
+        <p:spPr>
+          <a:xfrm>
+            <a:off x="4564253" y="553610"/>
+            <a:ext cx="3100148" cy="2642750"/>
+          </a:xfrm>
+          <a:prstGeom prst="rect">
+            <a:avLst/>
+          </a:prstGeom>
+        </p:spPr>
+      </p:pic>
+      <p:pic>
+        <p:nvPicPr>
+          <p:cNvPr id="10" name="bank_frame">
+            <a:extLst>
+              <a:ext uri="{FF2B5EF4-FFF2-40B4-BE49-F238E27FC236}">
+                <a16:creationId xmlns:a16="http://schemas.microsoft.com/office/drawing/2014/main" id="{F1BC2A88-934B-4D6B-9AE1-57EE8FD4E803}"/>
+              </a:ext>
+            </a:extLst>
+          </p:cNvPr>
+          <p:cNvPicPr>
+            <a:picLocks noChangeAspect="1"/>
+          </p:cNvPicPr>
+          <p:nvPr/>
+        </p:nvPicPr>
+        <p:blipFill>
+          <a:blip r:embed="rId7"/>
+          <a:stretch>
+            <a:fillRect/>
+          </a:stretch>
+        </p:blipFill>
+        <p:spPr>
+          <a:xfrm>
+            <a:off x="5258823" y="1378732"/>
+            <a:ext cx="1484578" cy="1918125"/>
+          </a:xfrm>
+          <a:prstGeom prst="rect">
+            <a:avLst/>
+          </a:prstGeom>
+        </p:spPr>
+      </p:pic>
+      <p:pic>
+        <p:nvPicPr>
+          <p:cNvPr id="7" name="bank_ledger">
+            <a:extLst>
+              <a:ext uri="{FF2B5EF4-FFF2-40B4-BE49-F238E27FC236}">
+                <a16:creationId xmlns:a16="http://schemas.microsoft.com/office/drawing/2014/main" id="{AAA55A13-3434-4D9B-89D3-647FBDFA68FC}"/>
+              </a:ext>
+            </a:extLst>
+          </p:cNvPr>
+          <p:cNvPicPr>
+            <a:picLocks noChangeAspect="1"/>
+          </p:cNvPicPr>
+          <p:nvPr/>
+        </p:nvPicPr>
+        <p:blipFill>
+          <a:blip r:embed="rId8"/>
+          <a:stretch>
+            <a:fillRect/>
+          </a:stretch>
+        </p:blipFill>
+        <p:spPr>
+          <a:xfrm>
+            <a:off x="5372374" y="1335111"/>
+            <a:ext cx="1280813" cy="1221918"/>
+          </a:xfrm>
+          <a:prstGeom prst="rect">
+            <a:avLst/>
+          </a:prstGeom>
+        </p:spPr>
+      </p:pic>
+      <p:pic>
+        <p:nvPicPr>
+          <p:cNvPr id="64" name="distributed_cloud" descr="Distributed consensus system.png">
+            <a:extLst>
+              <a:ext uri="{FF2B5EF4-FFF2-40B4-BE49-F238E27FC236}">
+                <a16:creationId xmlns:a16="http://schemas.microsoft.com/office/drawing/2014/main" id="{DEAFEFC1-1EDF-444B-9D0D-72BF49B2D874}"/>
+              </a:ext>
+            </a:extLst>
+          </p:cNvPr>
+          <p:cNvPicPr>
+            <a:picLocks noChangeAspect="1"/>
+          </p:cNvPicPr>
+          <p:nvPr/>
+        </p:nvPicPr>
+        <p:blipFill>
+          <a:blip r:embed="rId9"/>
+          <a:stretch>
+            <a:fillRect/>
+          </a:stretch>
+        </p:blipFill>
+        <p:spPr>
+          <a:xfrm>
+            <a:off x="336093" y="928313"/>
+            <a:ext cx="3243970" cy="2814306"/>
+          </a:xfrm>
+          <a:prstGeom prst="rect">
+            <a:avLst/>
+          </a:prstGeom>
+        </p:spPr>
+      </p:pic>
+      <p:pic>
+        <p:nvPicPr>
+          <p:cNvPr id="3" name="Picture 2">
+            <a:extLst>
+              <a:ext uri="{FF2B5EF4-FFF2-40B4-BE49-F238E27FC236}">
+                <a16:creationId xmlns:a16="http://schemas.microsoft.com/office/drawing/2014/main" id="{1D9B4BA5-58D3-435D-9BFD-010D9C0C4CE1}"/>
+              </a:ext>
+            </a:extLst>
+          </p:cNvPr>
+          <p:cNvPicPr>
+            <a:picLocks noChangeAspect="1"/>
+          </p:cNvPicPr>
+          <p:nvPr/>
+        </p:nvPicPr>
+        <p:blipFill>
+          <a:blip r:embed="rId10"/>
+          <a:stretch>
+            <a:fillRect/>
+          </a:stretch>
+        </p:blipFill>
+        <p:spPr>
+          <a:xfrm>
+            <a:off x="5906098" y="4431266"/>
+            <a:ext cx="2008547" cy="2261967"/>
+          </a:xfrm>
+          <a:prstGeom prst="rect">
+            <a:avLst/>
+          </a:prstGeom>
+        </p:spPr>
+      </p:pic>
+      <p:pic>
+        <p:nvPicPr>
+          <p:cNvPr id="4" name="Picture 3">
+            <a:extLst>
+              <a:ext uri="{FF2B5EF4-FFF2-40B4-BE49-F238E27FC236}">
+                <a16:creationId xmlns:a16="http://schemas.microsoft.com/office/drawing/2014/main" id="{1BC59CC9-A8B7-4C03-BE7C-86891CD03249}"/>
+              </a:ext>
+            </a:extLst>
+          </p:cNvPr>
+          <p:cNvPicPr>
+            <a:picLocks noChangeAspect="1"/>
+          </p:cNvPicPr>
+          <p:nvPr/>
+        </p:nvPicPr>
+        <p:blipFill>
+          <a:blip r:embed="rId11"/>
+          <a:stretch>
+            <a:fillRect/>
+          </a:stretch>
+        </p:blipFill>
+        <p:spPr>
+          <a:xfrm>
+            <a:off x="7702023" y="4431266"/>
+            <a:ext cx="2247244" cy="2261967"/>
+          </a:xfrm>
+          <a:prstGeom prst="rect">
+            <a:avLst/>
+          </a:prstGeom>
+        </p:spPr>
+      </p:pic>
+      <p:pic>
+        <p:nvPicPr>
+          <p:cNvPr id="8" name="Picture 7">
+            <a:extLst>
+              <a:ext uri="{FF2B5EF4-FFF2-40B4-BE49-F238E27FC236}">
+                <a16:creationId xmlns:a16="http://schemas.microsoft.com/office/drawing/2014/main" id="{539AD43A-DD6F-4263-B491-BCFD7C3EDC6B}"/>
+              </a:ext>
+            </a:extLst>
+          </p:cNvPr>
+          <p:cNvPicPr>
+            <a:picLocks noChangeAspect="1"/>
+          </p:cNvPicPr>
+          <p:nvPr/>
+        </p:nvPicPr>
+        <p:blipFill>
+          <a:blip r:embed="rId12"/>
+          <a:stretch>
+            <a:fillRect/>
+          </a:stretch>
+        </p:blipFill>
+        <p:spPr>
+          <a:xfrm>
+            <a:off x="9704701" y="4431266"/>
+            <a:ext cx="2258888" cy="2261967"/>
+          </a:xfrm>
+          <a:prstGeom prst="rect">
+            <a:avLst/>
+          </a:prstGeom>
+        </p:spPr>
+      </p:pic>
+      <p:pic>
+        <p:nvPicPr>
+          <p:cNvPr id="12" name="Picture 11">
+            <a:extLst>
+              <a:ext uri="{FF2B5EF4-FFF2-40B4-BE49-F238E27FC236}">
+                <a16:creationId xmlns:a16="http://schemas.microsoft.com/office/drawing/2014/main" id="{42E11844-4580-439C-A353-36A5865915BA}"/>
+              </a:ext>
+            </a:extLst>
+          </p:cNvPr>
+          <p:cNvPicPr>
+            <a:picLocks noChangeAspect="1"/>
+          </p:cNvPicPr>
+          <p:nvPr/>
+        </p:nvPicPr>
+        <p:blipFill>
+          <a:blip r:embed="rId13"/>
+          <a:stretch>
+            <a:fillRect/>
+          </a:stretch>
+        </p:blipFill>
+        <p:spPr>
+          <a:xfrm>
+            <a:off x="4418836" y="4651676"/>
+            <a:ext cx="582188" cy="636533"/>
+          </a:xfrm>
+          <a:prstGeom prst="rect">
+            <a:avLst/>
+          </a:prstGeom>
+        </p:spPr>
+      </p:pic>
+      <p:pic>
+        <p:nvPicPr>
+          <p:cNvPr id="16" name="Picture 15">
+            <a:extLst>
+              <a:ext uri="{FF2B5EF4-FFF2-40B4-BE49-F238E27FC236}">
+                <a16:creationId xmlns:a16="http://schemas.microsoft.com/office/drawing/2014/main" id="{12B22BC8-A9C9-4818-9885-C7A1D36F94B8}"/>
+              </a:ext>
+            </a:extLst>
+          </p:cNvPr>
+          <p:cNvPicPr>
+            <a:picLocks noChangeAspect="1"/>
+          </p:cNvPicPr>
+          <p:nvPr/>
+        </p:nvPicPr>
+        <p:blipFill>
+          <a:blip r:embed="rId14"/>
+          <a:stretch>
+            <a:fillRect/>
+          </a:stretch>
+        </p:blipFill>
+        <p:spPr>
+          <a:xfrm>
+            <a:off x="4954123" y="4651676"/>
+            <a:ext cx="972253" cy="636533"/>
+          </a:xfrm>
+          <a:prstGeom prst="rect">
+            <a:avLst/>
+          </a:prstGeom>
+        </p:spPr>
+      </p:pic>
+    </p:spTree>
+    <p:extLst>
+      <p:ext uri="{BB962C8B-B14F-4D97-AF65-F5344CB8AC3E}">
+        <p14:creationId xmlns:p14="http://schemas.microsoft.com/office/powerpoint/2010/main" val="650632293"/>
+      </p:ext>
+    </p:extLst>
+  </p:cSld>
+  <p:clrMapOvr>
+    <a:masterClrMapping/>
+  </p:clrMapOvr>
+  <p:timing>
+    <p:tnLst>
+      <p:par>
+        <p:cTn id="1" dur="indefinite" restart="never" nodeType="tmRoot">
+          <p:childTnLst>
+            <p:seq concurrent="1" nextAc="seek">
+              <p:cTn id="2" dur="indefinite" nodeType="mainSeq">
+                <p:childTnLst>
+                  <p:par>
+                    <p:cTn id="3" fill="hold">
+                      <p:stCondLst>
+                        <p:cond delay="indefinite"/>
+                      </p:stCondLst>
+                      <p:childTnLst>
+                        <p:par>
+                          <p:cTn id="4" fill="hold">
+                            <p:stCondLst>
+                              <p:cond delay="0"/>
+                            </p:stCondLst>
+                            <p:childTnLst>
+                              <p:par>
+                                <p:cTn id="5" presetID="1" presetClass="entr" presetSubtype="0" fill="hold" nodeType="clickEffect">
+                                  <p:stCondLst>
+                                    <p:cond delay="0"/>
+                                  </p:stCondLst>
+                                  <p:childTnLst>
+                                    <p:set>
+                                      <p:cBhvr>
+                                        <p:cTn id="6" dur="1" fill="hold">
+                                          <p:stCondLst>
+                                            <p:cond delay="0"/>
+                                          </p:stCondLst>
+                                        </p:cTn>
+                                        <p:tgtEl>
+                                          <p:spTgt spid="12"/>
+                                        </p:tgtEl>
+                                        <p:attrNameLst>
+                                          <p:attrName>style.visibility</p:attrName>
+                                        </p:attrNameLst>
+                                      </p:cBhvr>
+                                      <p:to>
+                                        <p:strVal val="visible"/>
+                                      </p:to>
+                                    </p:set>
+                                  </p:childTnLst>
+                                </p:cTn>
+                              </p:par>
+                            </p:childTnLst>
+                          </p:cTn>
+                        </p:par>
+                      </p:childTnLst>
+                    </p:cTn>
+                  </p:par>
+                  <p:par>
+                    <p:cTn id="7" fill="hold">
+                      <p:stCondLst>
+                        <p:cond delay="indefinite"/>
+                      </p:stCondLst>
+                      <p:childTnLst>
+                        <p:par>
+                          <p:cTn id="8" fill="hold">
+                            <p:stCondLst>
+                              <p:cond delay="0"/>
+                            </p:stCondLst>
+                            <p:childTnLst>
+                              <p:par>
+                                <p:cTn id="9" presetID="2" presetClass="entr" presetSubtype="2" fill="hold" nodeType="clickEffect">
+                                  <p:stCondLst>
+                                    <p:cond delay="0"/>
+                                  </p:stCondLst>
+                                  <p:childTnLst>
+                                    <p:set>
+                                      <p:cBhvr>
+                                        <p:cTn id="10" dur="1" fill="hold">
+                                          <p:stCondLst>
+                                            <p:cond delay="0"/>
+                                          </p:stCondLst>
+                                        </p:cTn>
+                                        <p:tgtEl>
+                                          <p:spTgt spid="16"/>
+                                        </p:tgtEl>
+                                        <p:attrNameLst>
+                                          <p:attrName>style.visibility</p:attrName>
+                                        </p:attrNameLst>
+                                      </p:cBhvr>
+                                      <p:to>
+                                        <p:strVal val="visible"/>
+                                      </p:to>
+                                    </p:set>
+                                    <p:anim calcmode="lin" valueType="num">
+                                      <p:cBhvr additive="base">
+                                        <p:cTn id="11" dur="500" fill="hold"/>
+                                        <p:tgtEl>
+                                          <p:spTgt spid="16"/>
+                                        </p:tgtEl>
+                                        <p:attrNameLst>
+                                          <p:attrName>ppt_x</p:attrName>
+                                        </p:attrNameLst>
+                                      </p:cBhvr>
+                                      <p:tavLst>
+                                        <p:tav tm="0">
+                                          <p:val>
+                                            <p:strVal val="1+#ppt_w/2"/>
+                                          </p:val>
+                                        </p:tav>
+                                        <p:tav tm="100000">
+                                          <p:val>
+                                            <p:strVal val="#ppt_x"/>
+                                          </p:val>
+                                        </p:tav>
+                                      </p:tavLst>
+                                    </p:anim>
+                                    <p:anim calcmode="lin" valueType="num">
+                                      <p:cBhvr additive="base">
+                                        <p:cTn id="12" dur="500" fill="hold"/>
+                                        <p:tgtEl>
+                                          <p:spTgt spid="16"/>
+                                        </p:tgtEl>
+                                        <p:attrNameLst>
+                                          <p:attrName>ppt_y</p:attrName>
+                                        </p:attrNameLst>
+                                      </p:cBhvr>
+                                      <p:tavLst>
+                                        <p:tav tm="0">
+                                          <p:val>
+                                            <p:strVal val="#ppt_y"/>
+                                          </p:val>
+                                        </p:tav>
+                                        <p:tav tm="100000">
+                                          <p:val>
+                                            <p:strVal val="#ppt_y"/>
+                                          </p:val>
+                                        </p:tav>
+                                      </p:tavLst>
+                                    </p:anim>
+                                  </p:childTnLst>
+                                </p:cTn>
+                              </p:par>
+                            </p:childTnLst>
+                          </p:cTn>
+                        </p:par>
+                      </p:childTnLst>
+                    </p:cTn>
+                  </p:par>
+                  <p:par>
+                    <p:cTn id="13" fill="hold">
+                      <p:stCondLst>
+                        <p:cond delay="indefinite"/>
+                      </p:stCondLst>
+                      <p:childTnLst>
+                        <p:par>
+                          <p:cTn id="14" fill="hold">
+                            <p:stCondLst>
+                              <p:cond delay="0"/>
+                            </p:stCondLst>
+                            <p:childTnLst>
+                              <p:par>
+                                <p:cTn id="15" presetID="2" presetClass="entr" presetSubtype="2" fill="hold" nodeType="clickEffect">
+                                  <p:stCondLst>
+                                    <p:cond delay="0"/>
+                                  </p:stCondLst>
+                                  <p:childTnLst>
+                                    <p:set>
+                                      <p:cBhvr>
+                                        <p:cTn id="16" dur="1" fill="hold">
+                                          <p:stCondLst>
+                                            <p:cond delay="0"/>
+                                          </p:stCondLst>
+                                        </p:cTn>
+                                        <p:tgtEl>
+                                          <p:spTgt spid="3"/>
+                                        </p:tgtEl>
+                                        <p:attrNameLst>
+                                          <p:attrName>style.visibility</p:attrName>
+                                        </p:attrNameLst>
+                                      </p:cBhvr>
+                                      <p:to>
+                                        <p:strVal val="visible"/>
+                                      </p:to>
+                                    </p:set>
+                                    <p:anim calcmode="lin" valueType="num">
+                                      <p:cBhvr additive="base">
+                                        <p:cTn id="17" dur="500" fill="hold"/>
+                                        <p:tgtEl>
+                                          <p:spTgt spid="3"/>
+                                        </p:tgtEl>
+                                        <p:attrNameLst>
+                                          <p:attrName>ppt_x</p:attrName>
+                                        </p:attrNameLst>
+                                      </p:cBhvr>
+                                      <p:tavLst>
+                                        <p:tav tm="0">
+                                          <p:val>
+                                            <p:strVal val="1+#ppt_w/2"/>
+                                          </p:val>
+                                        </p:tav>
+                                        <p:tav tm="100000">
+                                          <p:val>
+                                            <p:strVal val="#ppt_x"/>
+                                          </p:val>
+                                        </p:tav>
+                                      </p:tavLst>
+                                    </p:anim>
+                                    <p:anim calcmode="lin" valueType="num">
+                                      <p:cBhvr additive="base">
+                                        <p:cTn id="18" dur="500" fill="hold"/>
+                                        <p:tgtEl>
+                                          <p:spTgt spid="3"/>
+                                        </p:tgtEl>
+                                        <p:attrNameLst>
+                                          <p:attrName>ppt_y</p:attrName>
+                                        </p:attrNameLst>
+                                      </p:cBhvr>
+                                      <p:tavLst>
+                                        <p:tav tm="0">
+                                          <p:val>
+                                            <p:strVal val="#ppt_y"/>
+                                          </p:val>
+                                        </p:tav>
+                                        <p:tav tm="100000">
+                                          <p:val>
+                                            <p:strVal val="#ppt_y"/>
+                                          </p:val>
+                                        </p:tav>
+                                      </p:tavLst>
+                                    </p:anim>
+                                  </p:childTnLst>
+                                </p:cTn>
+                              </p:par>
+                            </p:childTnLst>
+                          </p:cTn>
+                        </p:par>
+                      </p:childTnLst>
+                    </p:cTn>
+                  </p:par>
+                  <p:par>
+                    <p:cTn id="19" fill="hold">
+                      <p:stCondLst>
+                        <p:cond delay="indefinite"/>
+                      </p:stCondLst>
+                      <p:childTnLst>
+                        <p:par>
+                          <p:cTn id="20" fill="hold">
+                            <p:stCondLst>
+                              <p:cond delay="0"/>
+                            </p:stCondLst>
+                            <p:childTnLst>
+                              <p:par>
+                                <p:cTn id="21" presetID="2" presetClass="entr" presetSubtype="2" fill="hold" nodeType="clickEffect">
+                                  <p:stCondLst>
+                                    <p:cond delay="0"/>
+                                  </p:stCondLst>
+                                  <p:childTnLst>
+                                    <p:set>
+                                      <p:cBhvr>
+                                        <p:cTn id="22" dur="1" fill="hold">
+                                          <p:stCondLst>
+                                            <p:cond delay="0"/>
+                                          </p:stCondLst>
+                                        </p:cTn>
+                                        <p:tgtEl>
+                                          <p:spTgt spid="4"/>
+                                        </p:tgtEl>
+                                        <p:attrNameLst>
+                                          <p:attrName>style.visibility</p:attrName>
+                                        </p:attrNameLst>
+                                      </p:cBhvr>
+                                      <p:to>
+                                        <p:strVal val="visible"/>
+                                      </p:to>
+                                    </p:set>
+                                    <p:anim calcmode="lin" valueType="num">
+                                      <p:cBhvr additive="base">
+                                        <p:cTn id="23" dur="500" fill="hold"/>
+                                        <p:tgtEl>
+                                          <p:spTgt spid="4"/>
+                                        </p:tgtEl>
+                                        <p:attrNameLst>
+                                          <p:attrName>ppt_x</p:attrName>
+                                        </p:attrNameLst>
+                                      </p:cBhvr>
+                                      <p:tavLst>
+                                        <p:tav tm="0">
+                                          <p:val>
+                                            <p:strVal val="1+#ppt_w/2"/>
+                                          </p:val>
+                                        </p:tav>
+                                        <p:tav tm="100000">
+                                          <p:val>
+                                            <p:strVal val="#ppt_x"/>
+                                          </p:val>
+                                        </p:tav>
+                                      </p:tavLst>
+                                    </p:anim>
+                                    <p:anim calcmode="lin" valueType="num">
+                                      <p:cBhvr additive="base">
+                                        <p:cTn id="24" dur="500" fill="hold"/>
+                                        <p:tgtEl>
+                                          <p:spTgt spid="4"/>
+                                        </p:tgtEl>
+                                        <p:attrNameLst>
+                                          <p:attrName>ppt_y</p:attrName>
+                                        </p:attrNameLst>
+                                      </p:cBhvr>
+                                      <p:tavLst>
+                                        <p:tav tm="0">
+                                          <p:val>
+                                            <p:strVal val="#ppt_y"/>
+                                          </p:val>
+                                        </p:tav>
+                                        <p:tav tm="100000">
+                                          <p:val>
+                                            <p:strVal val="#ppt_y"/>
+                                          </p:val>
+                                        </p:tav>
+                                      </p:tavLst>
+                                    </p:anim>
+                                  </p:childTnLst>
+                                </p:cTn>
+                              </p:par>
+                            </p:childTnLst>
+                          </p:cTn>
+                        </p:par>
+                      </p:childTnLst>
+                    </p:cTn>
+                  </p:par>
+                  <p:par>
+                    <p:cTn id="25" fill="hold">
+                      <p:stCondLst>
+                        <p:cond delay="indefinite"/>
+                      </p:stCondLst>
+                      <p:childTnLst>
+                        <p:par>
+                          <p:cTn id="26" fill="hold">
+                            <p:stCondLst>
+                              <p:cond delay="0"/>
+                            </p:stCondLst>
+                            <p:childTnLst>
+                              <p:par>
+                                <p:cTn id="27" presetID="2" presetClass="entr" presetSubtype="2" fill="hold" nodeType="clickEffect">
+                                  <p:stCondLst>
+                                    <p:cond delay="0"/>
+                                  </p:stCondLst>
+                                  <p:childTnLst>
+                                    <p:set>
+                                      <p:cBhvr>
+                                        <p:cTn id="28" dur="1" fill="hold">
+                                          <p:stCondLst>
+                                            <p:cond delay="0"/>
+                                          </p:stCondLst>
+                                        </p:cTn>
+                                        <p:tgtEl>
+                                          <p:spTgt spid="8"/>
+                                        </p:tgtEl>
+                                        <p:attrNameLst>
+                                          <p:attrName>style.visibility</p:attrName>
+                                        </p:attrNameLst>
+                                      </p:cBhvr>
+                                      <p:to>
+                                        <p:strVal val="visible"/>
+                                      </p:to>
+                                    </p:set>
+                                    <p:anim calcmode="lin" valueType="num">
+                                      <p:cBhvr additive="base">
+                                        <p:cTn id="29" dur="500" fill="hold"/>
+                                        <p:tgtEl>
+                                          <p:spTgt spid="8"/>
+                                        </p:tgtEl>
+                                        <p:attrNameLst>
+                                          <p:attrName>ppt_x</p:attrName>
+                                        </p:attrNameLst>
+                                      </p:cBhvr>
+                                      <p:tavLst>
+                                        <p:tav tm="0">
+                                          <p:val>
+                                            <p:strVal val="1+#ppt_w/2"/>
+                                          </p:val>
+                                        </p:tav>
+                                        <p:tav tm="100000">
+                                          <p:val>
+                                            <p:strVal val="#ppt_x"/>
+                                          </p:val>
+                                        </p:tav>
+                                      </p:tavLst>
+                                    </p:anim>
+                                    <p:anim calcmode="lin" valueType="num">
+                                      <p:cBhvr additive="base">
+                                        <p:cTn id="30" dur="500" fill="hold"/>
+                                        <p:tgtEl>
+                                          <p:spTgt spid="8"/>
+                                        </p:tgtEl>
+                                        <p:attrNameLst>
+                                          <p:attrName>ppt_y</p:attrName>
+                                        </p:attrNameLst>
+                                      </p:cBhvr>
+                                      <p:tavLst>
+                                        <p:tav tm="0">
+                                          <p:val>
+                                            <p:strVal val="#ppt_y"/>
+                                          </p:val>
+                                        </p:tav>
+                                        <p:tav tm="100000">
+                                          <p:val>
+                                            <p:strVal val="#ppt_y"/>
+                                          </p:val>
+                                        </p:tav>
+                                      </p:tavLst>
+                                    </p:anim>
+                                  </p:childTnLst>
+                                </p:cTn>
+                              </p:par>
+                            </p:childTnLst>
+                          </p:cTn>
+                        </p:par>
+                      </p:childTnLst>
+                    </p:cTn>
+                  </p:par>
+                </p:childTnLst>
+              </p:cTn>
+              <p:prevCondLst>
+                <p:cond evt="onPrev" delay="0">
+                  <p:tgtEl>
+                    <p:sldTgt/>
+                  </p:tgtEl>
+                </p:cond>
+              </p:prevCondLst>
+              <p:nextCondLst>
+                <p:cond evt="onNext" delay="0">
+                  <p:tgtEl>
+                    <p:sldTgt/>
+                  </p:tgtEl>
+                </p:cond>
+              </p:nextCondLst>
+            </p:seq>
+          </p:childTnLst>
+        </p:cTn>
+      </p:par>
+    </p:tnLst>
+  </p:timing>
+</p:sld>
+</file>
+
 <file path=ppt/slides/slide5.xml><?xml version="1.0" encoding="utf-8"?>
 <p:sld xmlns:a="http://schemas.openxmlformats.org/drawingml/2006/main" xmlns:r="http://schemas.openxmlformats.org/officeDocument/2006/relationships" xmlns:p="http://schemas.openxmlformats.org/presentationml/2006/main">
   <p:cSld>
@@ -9365,7 +7917,7 @@
             <a:pPr lvl="1"/>
             <a:r>
               <a:rPr lang="zh-CN" altLang="en-US" dirty="0"/>
-              <a:t>这个机构想让这</a:t>
+              <a:t>这个机构可篡改这</a:t>
             </a:r>
             <a:r>
               <a:rPr lang="en-US" altLang="zh-CN" dirty="0"/>
@@ -9373,7 +7925,7 @@
             </a:r>
             <a:r>
               <a:rPr lang="zh-CN" altLang="en-US" dirty="0"/>
-              <a:t>个数据库节点干嘛就干嘛，</a:t>
+              <a:t>个数据库</a:t>
             </a:r>
             <a:endParaRPr lang="en-US" altLang="zh-CN" dirty="0"/>
           </a:p>
@@ -9409,8 +7961,8 @@
         </p:nvSpPr>
         <p:spPr>
           <a:xfrm>
-            <a:off x="6561972" y="1120876"/>
-            <a:ext cx="5630028" cy="5737123"/>
+            <a:off x="6561972" y="1120877"/>
+            <a:ext cx="5630028" cy="2462764"/>
           </a:xfrm>
         </p:spPr>
         <p:txBody>
@@ -9437,54 +7989,42 @@
             <a:pPr lvl="1"/>
             <a:r>
               <a:rPr lang="zh-CN" altLang="en-US" dirty="0"/>
-              <a:t>每节点数据一样，即完全冗余，</a:t>
+              <a:t>区块链组织</a:t>
+            </a:r>
+            <a:r>
+              <a:rPr lang="en-US" altLang="zh-CN" dirty="0"/>
+              <a:t>(</a:t>
+            </a:r>
+            <a:r>
+              <a:rPr lang="zh-CN" altLang="en-US" dirty="0"/>
+              <a:t>基于共识模型</a:t>
+            </a:r>
+            <a:r>
+              <a:rPr lang="en-US" altLang="zh-CN" dirty="0"/>
+              <a:t>)</a:t>
+            </a:r>
+          </a:p>
+          <a:p>
+            <a:pPr lvl="2"/>
+            <a:r>
+              <a:rPr lang="zh-CN" altLang="en-US" dirty="0"/>
+              <a:t>不可篡改 </a:t>
+            </a:r>
+          </a:p>
+          <a:p>
+            <a:pPr lvl="2"/>
+            <a:r>
+              <a:rPr lang="zh-CN" altLang="en-US" dirty="0"/>
+              <a:t>可追溯 </a:t>
+            </a:r>
+          </a:p>
+          <a:p>
+            <a:pPr lvl="2"/>
+            <a:r>
+              <a:rPr lang="zh-CN" altLang="en-US" dirty="0"/>
+              <a:t>去中心化 </a:t>
             </a:r>
             <a:endParaRPr lang="en-US" altLang="zh-CN" dirty="0"/>
-          </a:p>
-          <a:p>
-            <a:pPr lvl="1"/>
-            <a:r>
-              <a:rPr lang="zh-CN" altLang="en-US" dirty="0"/>
-              <a:t>节点处在广域网中，节点之间不信任，不存在拥有绝对仲裁权实体</a:t>
-            </a:r>
-            <a:endParaRPr lang="en-US" altLang="zh-CN" dirty="0"/>
-          </a:p>
-          <a:p>
-            <a:r>
-              <a:rPr lang="zh-CN" altLang="en-US" dirty="0"/>
-              <a:t>共识模型：</a:t>
-            </a:r>
-          </a:p>
-          <a:p>
-            <a:pPr lvl="1"/>
-            <a:r>
-              <a:rPr lang="zh-CN" altLang="en-US" dirty="0"/>
-              <a:t>每个节点交换数据过程不被篡改；</a:t>
-            </a:r>
-          </a:p>
-          <a:p>
-            <a:pPr lvl="1"/>
-            <a:r>
-              <a:rPr lang="zh-CN" altLang="en-US" dirty="0"/>
-              <a:t>交换历史记录不可被篡改；</a:t>
-            </a:r>
-          </a:p>
-          <a:p>
-            <a:pPr lvl="1"/>
-            <a:r>
-              <a:rPr lang="zh-CN" altLang="en-US" dirty="0"/>
-              <a:t>每个节点的数据会同步到最新数据，且承认经过共识的最新数据；</a:t>
-            </a:r>
-          </a:p>
-          <a:p>
-            <a:pPr lvl="1"/>
-            <a:r>
-              <a:rPr lang="zh-CN" altLang="en-US" dirty="0"/>
-              <a:t>少数服从多数的原则，整体节点维护的数据本身客观反映了交换历史。</a:t>
-            </a:r>
-          </a:p>
-          <a:p>
-            <a:endParaRPr lang="en-US" dirty="0"/>
           </a:p>
         </p:txBody>
       </p:sp>
@@ -10123,7 +8663,13 @@
       </p:grpSpPr>
       <p:sp>
         <p:nvSpPr>
-          <p:cNvPr id="2" name="Title 1"/>
+          <p:cNvPr id="2" name="Title 1">
+            <a:extLst>
+              <a:ext uri="{FF2B5EF4-FFF2-40B4-BE49-F238E27FC236}">
+                <a16:creationId xmlns:a16="http://schemas.microsoft.com/office/drawing/2014/main" id="{82761551-0087-4064-991A-A92245D5ACD2}"/>
+              </a:ext>
+            </a:extLst>
+          </p:cNvPr>
           <p:cNvSpPr>
             <a:spLocks noGrp="1"/>
           </p:cNvSpPr>
@@ -10140,142 +8686,134 @@
           <a:p>
             <a:r>
               <a:rPr lang="en-US" dirty="0"/>
-              <a:t>Outline</a:t>
-            </a:r>
-          </a:p>
-        </p:txBody>
-      </p:sp>
-      <p:sp>
-        <p:nvSpPr>
-          <p:cNvPr id="3" name="Content Placeholder 2"/>
+              <a:t>DAO </a:t>
+            </a:r>
+          </a:p>
+        </p:txBody>
+      </p:sp>
+      <p:sp>
+        <p:nvSpPr>
+          <p:cNvPr id="3" name="Content Placeholder 2">
+            <a:extLst>
+              <a:ext uri="{FF2B5EF4-FFF2-40B4-BE49-F238E27FC236}">
+                <a16:creationId xmlns:a16="http://schemas.microsoft.com/office/drawing/2014/main" id="{F79A9B9D-2954-4CBB-8687-518AC50208F4}"/>
+              </a:ext>
+            </a:extLst>
+          </p:cNvPr>
           <p:cNvSpPr>
             <a:spLocks noGrp="1"/>
           </p:cNvSpPr>
           <p:nvPr>
             <p:ph sz="half" idx="1"/>
+          </p:nvPr>
+        </p:nvSpPr>
+        <p:spPr/>
+        <p:txBody>
+          <a:bodyPr/>
+          <a:lstStyle/>
+          <a:p>
+            <a:r>
+              <a:rPr lang="zh-CN" altLang="en-US" dirty="0"/>
+              <a:t>分布式自治组织 </a:t>
+            </a:r>
+            <a:r>
+              <a:rPr lang="en-US" altLang="zh-CN" dirty="0"/>
+              <a:t>/ </a:t>
+            </a:r>
+            <a:r>
+              <a:rPr lang="zh-CN" altLang="en-US" dirty="0"/>
+              <a:t>公司</a:t>
+            </a:r>
+            <a:endParaRPr lang="en-US" altLang="zh-CN" dirty="0"/>
+          </a:p>
+          <a:p>
+            <a:r>
+              <a:rPr lang="en-US" altLang="zh-CN" dirty="0"/>
+              <a:t>2016</a:t>
+            </a:r>
+            <a:r>
+              <a:rPr lang="zh-CN" altLang="en-US" dirty="0"/>
+              <a:t>年</a:t>
+            </a:r>
+            <a:r>
+              <a:rPr lang="en-US" altLang="zh-CN" dirty="0"/>
+              <a:t>5</a:t>
+            </a:r>
+            <a:r>
+              <a:rPr lang="zh-CN" altLang="en-US" dirty="0"/>
+              <a:t>月，通过众筹</a:t>
+            </a:r>
+            <a:r>
+              <a:rPr lang="en-US" altLang="zh-CN" dirty="0"/>
+              <a:t>150 million $</a:t>
+            </a:r>
+            <a:r>
+              <a:rPr lang="zh-CN" altLang="en-US" dirty="0"/>
+              <a:t>，用于投资区块链相关项目</a:t>
+            </a:r>
+            <a:endParaRPr lang="en-US" altLang="zh-CN" dirty="0"/>
+          </a:p>
+          <a:p>
+            <a:pPr lvl="1"/>
+            <a:r>
+              <a:rPr lang="zh-CN" altLang="en-US" dirty="0"/>
+              <a:t>投资项目通过分布式投票决定 </a:t>
+            </a:r>
+            <a:endParaRPr lang="en-US" altLang="zh-CN" dirty="0"/>
+          </a:p>
+          <a:p>
+            <a:r>
+              <a:rPr lang="zh-CN" altLang="en-US" dirty="0"/>
+              <a:t>完全通过智能合约完成，所有人可以审计，看相关内容</a:t>
+            </a:r>
+            <a:endParaRPr lang="en-US" altLang="zh-CN" dirty="0"/>
+          </a:p>
+          <a:p>
+            <a:r>
+              <a:rPr lang="zh-CN" altLang="en-US" dirty="0"/>
+              <a:t>为与现实法律系统沟通，成立基于瑞士的公司</a:t>
+            </a:r>
+            <a:endParaRPr lang="en-US" altLang="zh-CN" dirty="0"/>
+          </a:p>
+          <a:p>
+            <a:r>
+              <a:rPr lang="zh-CN" altLang="en-US" dirty="0"/>
+              <a:t>开源，基于</a:t>
+            </a:r>
+            <a:r>
+              <a:rPr lang="en-US" altLang="zh-CN" dirty="0" err="1"/>
+              <a:t>Ethereum</a:t>
+            </a:r>
+            <a:r>
+              <a:rPr lang="en-US" altLang="zh-CN" dirty="0"/>
+              <a:t> Solidity</a:t>
+            </a:r>
+          </a:p>
+          <a:p>
+            <a:endParaRPr lang="en-US" dirty="0"/>
+          </a:p>
+        </p:txBody>
+      </p:sp>
+      <p:sp>
+        <p:nvSpPr>
+          <p:cNvPr id="4" name="Content Placeholder 3">
+            <a:extLst>
+              <a:ext uri="{FF2B5EF4-FFF2-40B4-BE49-F238E27FC236}">
+                <a16:creationId xmlns:a16="http://schemas.microsoft.com/office/drawing/2014/main" id="{6B5DFBE4-27C9-42E3-81E4-44FE606C5108}"/>
+              </a:ext>
+            </a:extLst>
+          </p:cNvPr>
+          <p:cNvSpPr>
+            <a:spLocks noGrp="1"/>
+          </p:cNvSpPr>
+          <p:nvPr>
+            <p:ph sz="half" idx="2"/>
           </p:nvPr>
         </p:nvSpPr>
         <p:spPr>
           <a:xfrm>
-            <a:off x="749857" y="1045058"/>
-            <a:ext cx="5534108" cy="2736533"/>
-          </a:xfrm>
-        </p:spPr>
-        <p:txBody>
-          <a:bodyPr>
-            <a:normAutofit fontScale="92500" lnSpcReduction="10000"/>
-          </a:bodyPr>
-          <a:lstStyle/>
-          <a:p>
-            <a:pPr marL="514350" indent="-514350">
-              <a:buFont typeface="+mj-lt"/>
-              <a:buAutoNum type="arabicPeriod"/>
-            </a:pPr>
-            <a:r>
-              <a:rPr lang="zh-CN" altLang="en-US" dirty="0"/>
-              <a:t>相关案例</a:t>
-            </a:r>
-            <a:endParaRPr lang="en-US" altLang="zh-CN" dirty="0"/>
-          </a:p>
-          <a:p>
-            <a:pPr marL="971550" lvl="1" indent="-514350">
-              <a:buFont typeface="+mj-lt"/>
-              <a:buAutoNum type="arabicPeriod"/>
-            </a:pPr>
-            <a:r>
-              <a:rPr lang="en-US" altLang="zh-CN" dirty="0"/>
-              <a:t>DAO (</a:t>
-            </a:r>
-            <a:r>
-              <a:rPr lang="zh-CN" altLang="en-US" dirty="0"/>
-              <a:t>分布式自治组织</a:t>
-            </a:r>
-            <a:r>
-              <a:rPr lang="en-US" altLang="zh-CN" dirty="0"/>
-              <a:t>/</a:t>
-            </a:r>
-            <a:r>
-              <a:rPr lang="zh-CN" altLang="en-US" dirty="0"/>
-              <a:t>公司</a:t>
-            </a:r>
-            <a:r>
-              <a:rPr lang="en-US" altLang="zh-CN" dirty="0"/>
-              <a:t>)</a:t>
-            </a:r>
-          </a:p>
-          <a:p>
-            <a:pPr marL="514350" indent="-514350">
-              <a:buFont typeface="+mj-lt"/>
-              <a:buAutoNum type="arabicPeriod"/>
-            </a:pPr>
-            <a:r>
-              <a:rPr lang="zh-CN" altLang="en-US" dirty="0"/>
-              <a:t>以太坊简介 </a:t>
-            </a:r>
-            <a:r>
-              <a:rPr lang="en-US" dirty="0"/>
-              <a:t>&gt;&gt;</a:t>
-            </a:r>
-          </a:p>
-          <a:p>
-            <a:pPr marL="514350" indent="-514350">
-              <a:buFont typeface="+mj-lt"/>
-              <a:buAutoNum type="arabicPeriod"/>
-            </a:pPr>
-            <a:r>
-              <a:rPr lang="zh-CN" altLang="en-US" dirty="0"/>
-              <a:t>应用实例</a:t>
-            </a:r>
-            <a:r>
-              <a:rPr lang="en-US" dirty="0"/>
-              <a:t> &gt;&gt;</a:t>
-            </a:r>
-          </a:p>
-          <a:p>
-            <a:pPr marL="514350" indent="-514350">
-              <a:buFont typeface="+mj-lt"/>
-              <a:buAutoNum type="arabicPeriod"/>
-            </a:pPr>
-            <a:r>
-              <a:rPr lang="zh-CN" altLang="en-US" dirty="0"/>
-              <a:t>我们工作 </a:t>
-            </a:r>
-            <a:r>
-              <a:rPr lang="en-US" altLang="zh-CN" dirty="0"/>
-              <a:t>&gt;&gt;</a:t>
-            </a:r>
-          </a:p>
-          <a:p>
-            <a:pPr marL="514350" indent="-514350">
-              <a:buFont typeface="+mj-lt"/>
-              <a:buAutoNum type="arabicPeriod"/>
-            </a:pPr>
-            <a:r>
-              <a:rPr lang="zh-CN" altLang="en-US" dirty="0"/>
-              <a:t>投资建议 </a:t>
-            </a:r>
-            <a:r>
-              <a:rPr lang="en-US" altLang="zh-CN" dirty="0"/>
-              <a:t>&gt;&gt;</a:t>
-            </a:r>
-            <a:endParaRPr lang="en-US" dirty="0"/>
-          </a:p>
-        </p:txBody>
-      </p:sp>
-      <p:sp>
-        <p:nvSpPr>
-          <p:cNvPr id="5" name="Content Placeholder 4"/>
-          <p:cNvSpPr>
-            <a:spLocks noGrp="1"/>
-          </p:cNvSpPr>
-          <p:nvPr>
-            <p:ph sz="half" idx="2"/>
-          </p:nvPr>
-        </p:nvSpPr>
-        <p:spPr>
-          <a:xfrm>
-            <a:off x="7079101" y="1045059"/>
-            <a:ext cx="4300099" cy="2479318"/>
+            <a:off x="6172200" y="1120877"/>
+            <a:ext cx="5793658" cy="5600598"/>
           </a:xfrm>
         </p:spPr>
         <p:txBody>
@@ -10284,380 +8822,172 @@
           </a:bodyPr>
           <a:lstStyle/>
           <a:p>
-            <a:pPr marL="0" indent="0">
-              <a:buNone/>
-            </a:pPr>
-            <a:r>
-              <a:rPr lang="en-US" dirty="0">
-                <a:solidFill>
-                  <a:srgbClr val="C00000"/>
-                </a:solidFill>
-              </a:rPr>
-              <a:t>Abbr. </a:t>
-            </a:r>
-            <a:r>
-              <a:rPr lang="zh-CN" altLang="en-US" dirty="0">
-                <a:solidFill>
-                  <a:srgbClr val="C00000"/>
-                </a:solidFill>
-              </a:rPr>
-              <a:t>（简称）</a:t>
-            </a:r>
-            <a:endParaRPr lang="en-US" dirty="0">
-              <a:solidFill>
-                <a:srgbClr val="C00000"/>
-              </a:solidFill>
-            </a:endParaRPr>
+            <a:r>
+              <a:rPr lang="zh-CN" altLang="en-US" dirty="0"/>
+              <a:t>最大众筹</a:t>
+            </a:r>
+            <a:r>
+              <a:rPr lang="en-US" altLang="zh-CN" dirty="0"/>
+              <a:t>1.5</a:t>
+            </a:r>
+            <a:r>
+              <a:rPr lang="zh-CN" altLang="en-US" dirty="0"/>
+              <a:t>亿美元</a:t>
+            </a:r>
+            <a:endParaRPr lang="en-US" altLang="zh-CN" dirty="0"/>
+          </a:p>
+          <a:p>
+            <a:r>
+              <a:rPr lang="zh-CN" altLang="en-US" dirty="0"/>
+              <a:t>智能合约中</a:t>
+            </a:r>
+            <a:r>
+              <a:rPr lang="en-US" altLang="zh-CN" dirty="0" err="1"/>
+              <a:t>splitDAO</a:t>
+            </a:r>
+            <a:r>
+              <a:rPr lang="zh-CN" altLang="en-US" dirty="0"/>
+              <a:t>有漏洞</a:t>
+            </a:r>
+            <a:endParaRPr lang="en-US" altLang="zh-CN" dirty="0"/>
+          </a:p>
+          <a:p>
+            <a:r>
+              <a:rPr lang="en-US" dirty="0"/>
+              <a:t>300</a:t>
+            </a:r>
+            <a:r>
+              <a:rPr lang="zh-CN" altLang="en-US" dirty="0"/>
+              <a:t>多万以太币通过漏洞被转移至子</a:t>
+            </a:r>
+            <a:r>
+              <a:rPr lang="en-US" altLang="zh-CN" dirty="0"/>
+              <a:t>DAO</a:t>
+            </a:r>
+          </a:p>
+          <a:p>
+            <a:r>
+              <a:rPr lang="en-US" dirty="0"/>
+              <a:t>2016</a:t>
+            </a:r>
+            <a:r>
+              <a:rPr lang="zh-CN" altLang="en-US" dirty="0"/>
+              <a:t>年</a:t>
+            </a:r>
+            <a:r>
+              <a:rPr lang="en-US" altLang="zh-CN" dirty="0"/>
+              <a:t>7</a:t>
+            </a:r>
+            <a:r>
+              <a:rPr lang="zh-CN" altLang="en-US" dirty="0"/>
+              <a:t>月在</a:t>
+            </a:r>
+            <a:r>
+              <a:rPr lang="en-US" altLang="zh-CN" dirty="0"/>
+              <a:t>1920000</a:t>
+            </a:r>
+            <a:r>
+              <a:rPr lang="zh-CN" altLang="en-US" dirty="0"/>
+              <a:t>区块强行把</a:t>
+            </a:r>
+            <a:r>
+              <a:rPr lang="en-US" altLang="zh-CN" dirty="0"/>
+              <a:t>The DAO</a:t>
+            </a:r>
+            <a:r>
+              <a:rPr lang="zh-CN" altLang="en-US" dirty="0"/>
+              <a:t>及其子</a:t>
+            </a:r>
+            <a:r>
+              <a:rPr lang="en-US" altLang="zh-CN" dirty="0"/>
+              <a:t>DAO</a:t>
+            </a:r>
+            <a:r>
+              <a:rPr lang="zh-CN" altLang="en-US" dirty="0"/>
+              <a:t>的所有资金全部转到一个特定的退款合约地址，夺回黑客所控制的</a:t>
+            </a:r>
+            <a:r>
+              <a:rPr lang="en-US" altLang="zh-CN" dirty="0"/>
+              <a:t>DAO</a:t>
+            </a:r>
+            <a:r>
+              <a:rPr lang="zh-CN" altLang="en-US" dirty="0"/>
+              <a:t>合约的币</a:t>
+            </a:r>
+            <a:endParaRPr lang="en-US" altLang="zh-CN" dirty="0"/>
+          </a:p>
+          <a:p>
+            <a:r>
+              <a:rPr lang="zh-CN" altLang="en-US" dirty="0"/>
+              <a:t>形成两条链</a:t>
+            </a:r>
+            <a:endParaRPr lang="en-US" altLang="zh-CN" dirty="0"/>
           </a:p>
           <a:p>
             <a:pPr lvl="1"/>
             <a:r>
-              <a:rPr lang="en-US" dirty="0"/>
-              <a:t>BTC = bitcoin (</a:t>
-            </a:r>
-            <a:r>
               <a:rPr lang="zh-CN" altLang="en-US" dirty="0"/>
-              <a:t>比特币</a:t>
-            </a:r>
-            <a:r>
-              <a:rPr lang="en-US" dirty="0"/>
-              <a:t>)</a:t>
+              <a:t>原链</a:t>
+            </a:r>
+            <a:r>
+              <a:rPr lang="en-US" altLang="zh-CN" dirty="0"/>
+              <a:t>(ETC)</a:t>
             </a:r>
           </a:p>
           <a:p>
             <a:pPr lvl="1"/>
             <a:r>
-              <a:rPr lang="en-US" dirty="0" err="1"/>
-              <a:t>txn</a:t>
-            </a:r>
-            <a:r>
-              <a:rPr lang="en-US" dirty="0"/>
-              <a:t> = transaction (</a:t>
-            </a:r>
-            <a:r>
               <a:rPr lang="zh-CN" altLang="en-US" dirty="0"/>
-              <a:t>交易</a:t>
-            </a:r>
-            <a:r>
-              <a:rPr lang="en-US" dirty="0"/>
-              <a:t>)</a:t>
+              <a:t>新的分叉链</a:t>
+            </a:r>
+            <a:r>
+              <a:rPr lang="en-US" altLang="zh-CN" dirty="0"/>
+              <a:t>(ETH)</a:t>
             </a:r>
           </a:p>
           <a:p>
             <a:pPr lvl="1"/>
             <a:r>
-              <a:rPr lang="en-US" dirty="0"/>
-              <a:t>sig = signature (</a:t>
-            </a:r>
-            <a:r>
               <a:rPr lang="zh-CN" altLang="en-US" dirty="0"/>
-              <a:t>数字签名</a:t>
-            </a:r>
-            <a:r>
-              <a:rPr lang="en-US" dirty="0"/>
-              <a:t>)</a:t>
-            </a:r>
-          </a:p>
-          <a:p>
-            <a:pPr lvl="1"/>
-            <a:r>
-              <a:rPr lang="en-US" dirty="0"/>
-              <a:t>blockchain (</a:t>
-            </a:r>
-            <a:r>
-              <a:rPr lang="zh-CN" altLang="en-US" dirty="0"/>
-              <a:t>区块链</a:t>
-            </a:r>
-            <a:r>
-              <a:rPr lang="en-US" dirty="0"/>
-              <a:t>)</a:t>
-            </a:r>
-          </a:p>
-          <a:p>
-            <a:pPr lvl="1"/>
-            <a:r>
-              <a:rPr lang="en-US" dirty="0"/>
-              <a:t>ledger (</a:t>
-            </a:r>
-            <a:r>
-              <a:rPr lang="zh-CN" altLang="en-US" dirty="0"/>
-              <a:t>账本</a:t>
-            </a:r>
-            <a:r>
-              <a:rPr lang="en-US" dirty="0"/>
-              <a:t>)</a:t>
-            </a:r>
-            <a:endParaRPr lang="en-US" dirty="0">
-              <a:hlinkClick r:id="rId2"/>
-            </a:endParaRPr>
-          </a:p>
-        </p:txBody>
-      </p:sp>
-      <p:sp>
-        <p:nvSpPr>
-          <p:cNvPr id="6" name="Rectangle 5">
+              <a:t>两种不同的价值观</a:t>
+            </a:r>
+            <a:endParaRPr lang="en-US" dirty="0"/>
+          </a:p>
+        </p:txBody>
+      </p:sp>
+      <p:sp>
+        <p:nvSpPr>
+          <p:cNvPr id="5" name="Slide Number Placeholder 4">
             <a:extLst>
               <a:ext uri="{FF2B5EF4-FFF2-40B4-BE49-F238E27FC236}">
-                <a16:creationId xmlns:a16="http://schemas.microsoft.com/office/drawing/2014/main" id="{4ABE40B6-95B2-4267-8E2C-3C8F7F9B2248}"/>
+                <a16:creationId xmlns:a16="http://schemas.microsoft.com/office/drawing/2014/main" id="{0F78B231-5F21-430D-B55F-6C92F07D0B92}"/>
               </a:ext>
             </a:extLst>
           </p:cNvPr>
-          <p:cNvSpPr/>
-          <p:nvPr/>
-        </p:nvSpPr>
-        <p:spPr>
-          <a:xfrm>
-            <a:off x="0" y="6488668"/>
-            <a:ext cx="1081377" cy="369332"/>
-          </a:xfrm>
-          <a:prstGeom prst="rect">
-            <a:avLst/>
-          </a:prstGeom>
-        </p:spPr>
-        <p:txBody>
-          <a:bodyPr wrap="square">
-            <a:spAutoFit/>
-          </a:bodyPr>
-          <a:lstStyle/>
-          <a:p>
-            <a:r>
-              <a:rPr lang="en-US" dirty="0">
-                <a:hlinkClick r:id="rId3" action="ppaction://hlinksldjump"/>
-              </a:rPr>
-              <a:t>Index</a:t>
-            </a:r>
-            <a:endParaRPr lang="en-US" dirty="0"/>
-          </a:p>
-        </p:txBody>
-      </p:sp>
-      <p:sp>
-        <p:nvSpPr>
-          <p:cNvPr id="13" name="Rectangle 12">
-            <a:extLst>
-              <a:ext uri="{FF2B5EF4-FFF2-40B4-BE49-F238E27FC236}">
-                <a16:creationId xmlns:a16="http://schemas.microsoft.com/office/drawing/2014/main" id="{ECD801AD-DF36-4B17-9A1B-80E4636B7504}"/>
-              </a:ext>
-            </a:extLst>
-          </p:cNvPr>
-          <p:cNvSpPr/>
-          <p:nvPr/>
-        </p:nvSpPr>
-        <p:spPr>
-          <a:xfrm>
-            <a:off x="729832" y="4339000"/>
-            <a:ext cx="2763905" cy="1261884"/>
-          </a:xfrm>
-          <a:prstGeom prst="rect">
-            <a:avLst/>
-          </a:prstGeom>
-        </p:spPr>
-        <p:txBody>
-          <a:bodyPr wrap="square">
-            <a:spAutoFit/>
-          </a:bodyPr>
-          <a:lstStyle/>
-          <a:p>
-            <a:r>
-              <a:rPr lang="en-US" altLang="zh-CN" sz="2800" dirty="0">
-                <a:solidFill>
-                  <a:srgbClr val="C00000"/>
-                </a:solidFill>
-              </a:rPr>
-              <a:t>Related Site</a:t>
-            </a:r>
-            <a:endParaRPr lang="en-US" sz="2800" dirty="0">
-              <a:solidFill>
-                <a:srgbClr val="C00000"/>
-              </a:solidFill>
-              <a:hlinkClick r:id="rId4"/>
-            </a:endParaRPr>
-          </a:p>
-          <a:p>
-            <a:pPr marL="342900" indent="-342900">
-              <a:buFont typeface="Arial" panose="020B0604020202020204" pitchFamily="34" charset="0"/>
-              <a:buChar char="•"/>
-            </a:pPr>
-            <a:r>
-              <a:rPr lang="en-US" sz="2400" dirty="0">
-                <a:hlinkClick r:id="rId4"/>
-              </a:rPr>
-              <a:t>huobi.com</a:t>
-            </a:r>
-            <a:endParaRPr lang="en-US" sz="2400" dirty="0"/>
-          </a:p>
-          <a:p>
-            <a:pPr marL="342900" indent="-342900">
-              <a:buFont typeface="Arial" panose="020B0604020202020204" pitchFamily="34" charset="0"/>
-              <a:buChar char="•"/>
-            </a:pPr>
-            <a:r>
-              <a:rPr lang="en-US" sz="2400" dirty="0">
-                <a:hlinkClick r:id="rId5" action="ppaction://hlinkfile"/>
-              </a:rPr>
-              <a:t>blockchain.info</a:t>
-            </a:r>
-            <a:endParaRPr lang="en-US" sz="2000" dirty="0">
-              <a:solidFill>
-                <a:srgbClr val="0070C0"/>
-              </a:solidFill>
-            </a:endParaRPr>
-          </a:p>
-        </p:txBody>
-      </p:sp>
-      <p:pic>
-        <p:nvPicPr>
-          <p:cNvPr id="29" name="Picture 28">
-            <a:extLst>
-              <a:ext uri="{FF2B5EF4-FFF2-40B4-BE49-F238E27FC236}">
-                <a16:creationId xmlns:a16="http://schemas.microsoft.com/office/drawing/2014/main" id="{DD383D80-5A0D-490F-AB92-8DA9044F55B3}"/>
-              </a:ext>
-            </a:extLst>
-          </p:cNvPr>
-          <p:cNvPicPr>
-            <a:picLocks noChangeAspect="1"/>
-          </p:cNvPicPr>
-          <p:nvPr/>
-        </p:nvPicPr>
-        <p:blipFill>
-          <a:blip r:embed="rId6"/>
-          <a:stretch>
-            <a:fillRect/>
-          </a:stretch>
-        </p:blipFill>
-        <p:spPr>
-          <a:xfrm>
-            <a:off x="5906098" y="4431266"/>
-            <a:ext cx="2008547" cy="2261967"/>
-          </a:xfrm>
-          <a:prstGeom prst="rect">
-            <a:avLst/>
-          </a:prstGeom>
-        </p:spPr>
-      </p:pic>
-      <p:pic>
-        <p:nvPicPr>
-          <p:cNvPr id="30" name="Picture 29">
-            <a:extLst>
-              <a:ext uri="{FF2B5EF4-FFF2-40B4-BE49-F238E27FC236}">
-                <a16:creationId xmlns:a16="http://schemas.microsoft.com/office/drawing/2014/main" id="{F9361C03-60D5-466E-A828-3B44A62D358E}"/>
-              </a:ext>
-            </a:extLst>
-          </p:cNvPr>
-          <p:cNvPicPr>
-            <a:picLocks noChangeAspect="1"/>
-          </p:cNvPicPr>
-          <p:nvPr/>
-        </p:nvPicPr>
-        <p:blipFill>
-          <a:blip r:embed="rId7"/>
-          <a:stretch>
-            <a:fillRect/>
-          </a:stretch>
-        </p:blipFill>
-        <p:spPr>
-          <a:xfrm>
-            <a:off x="7702023" y="4431266"/>
-            <a:ext cx="2247244" cy="2261967"/>
-          </a:xfrm>
-          <a:prstGeom prst="rect">
-            <a:avLst/>
-          </a:prstGeom>
-        </p:spPr>
-      </p:pic>
-      <p:pic>
-        <p:nvPicPr>
-          <p:cNvPr id="31" name="Picture 30">
-            <a:extLst>
-              <a:ext uri="{FF2B5EF4-FFF2-40B4-BE49-F238E27FC236}">
-                <a16:creationId xmlns:a16="http://schemas.microsoft.com/office/drawing/2014/main" id="{4B15DDAA-87C0-4659-84FC-220A55247C4E}"/>
-              </a:ext>
-            </a:extLst>
-          </p:cNvPr>
-          <p:cNvPicPr>
-            <a:picLocks noChangeAspect="1"/>
-          </p:cNvPicPr>
-          <p:nvPr/>
-        </p:nvPicPr>
-        <p:blipFill>
-          <a:blip r:embed="rId8"/>
-          <a:stretch>
-            <a:fillRect/>
-          </a:stretch>
-        </p:blipFill>
-        <p:spPr>
-          <a:xfrm>
-            <a:off x="9704701" y="4431266"/>
-            <a:ext cx="2258888" cy="2261967"/>
-          </a:xfrm>
-          <a:prstGeom prst="rect">
-            <a:avLst/>
-          </a:prstGeom>
-        </p:spPr>
-      </p:pic>
-      <p:pic>
-        <p:nvPicPr>
-          <p:cNvPr id="32" name="Picture 31">
-            <a:extLst>
-              <a:ext uri="{FF2B5EF4-FFF2-40B4-BE49-F238E27FC236}">
-                <a16:creationId xmlns:a16="http://schemas.microsoft.com/office/drawing/2014/main" id="{EACE4313-BA45-4B09-8DAD-F80A5EC1739D}"/>
-              </a:ext>
-            </a:extLst>
-          </p:cNvPr>
-          <p:cNvPicPr>
-            <a:picLocks noChangeAspect="1"/>
-          </p:cNvPicPr>
-          <p:nvPr/>
-        </p:nvPicPr>
-        <p:blipFill>
-          <a:blip r:embed="rId9"/>
-          <a:stretch>
-            <a:fillRect/>
-          </a:stretch>
-        </p:blipFill>
-        <p:spPr>
-          <a:xfrm>
-            <a:off x="4418836" y="4651676"/>
-            <a:ext cx="582188" cy="636533"/>
-          </a:xfrm>
-          <a:prstGeom prst="rect">
-            <a:avLst/>
-          </a:prstGeom>
-        </p:spPr>
-      </p:pic>
-      <p:pic>
-        <p:nvPicPr>
-          <p:cNvPr id="33" name="Picture 32">
-            <a:extLst>
-              <a:ext uri="{FF2B5EF4-FFF2-40B4-BE49-F238E27FC236}">
-                <a16:creationId xmlns:a16="http://schemas.microsoft.com/office/drawing/2014/main" id="{A2F1297B-F7A8-4DF3-9D64-2D462B006F56}"/>
-              </a:ext>
-            </a:extLst>
-          </p:cNvPr>
-          <p:cNvPicPr>
-            <a:picLocks noChangeAspect="1"/>
-          </p:cNvPicPr>
-          <p:nvPr/>
-        </p:nvPicPr>
-        <p:blipFill>
-          <a:blip r:embed="rId10"/>
-          <a:stretch>
-            <a:fillRect/>
-          </a:stretch>
-        </p:blipFill>
-        <p:spPr>
-          <a:xfrm>
-            <a:off x="4954123" y="4651676"/>
-            <a:ext cx="972253" cy="636533"/>
-          </a:xfrm>
-          <a:prstGeom prst="rect">
-            <a:avLst/>
-          </a:prstGeom>
-        </p:spPr>
-      </p:pic>
+          <p:cNvSpPr>
+            <a:spLocks noGrp="1"/>
+          </p:cNvSpPr>
+          <p:nvPr>
+            <p:ph type="sldNum" sz="quarter" idx="12"/>
+          </p:nvPr>
+        </p:nvSpPr>
+        <p:spPr/>
+        <p:txBody>
+          <a:bodyPr/>
+          <a:lstStyle/>
+          <a:p>
+            <a:fld id="{656EEF9C-D8EE-4444-AD18-FDA4DCDDF73B}" type="slidenum">
+              <a:rPr lang="en-US" smtClean="0"/>
+              <a:t>7</a:t>
+            </a:fld>
+            <a:endParaRPr lang="en-US"/>
+          </a:p>
+        </p:txBody>
+      </p:sp>
     </p:spTree>
     <p:extLst>
       <p:ext uri="{BB962C8B-B14F-4D97-AF65-F5344CB8AC3E}">
-        <p14:creationId xmlns:p14="http://schemas.microsoft.com/office/powerpoint/2010/main" val="1670691078"/>
+        <p14:creationId xmlns:p14="http://schemas.microsoft.com/office/powerpoint/2010/main" val="3074699478"/>
       </p:ext>
     </p:extLst>
   </p:cSld>
@@ -10689,7 +9019,7 @@
           <p:cNvPr id="2" name="Title 1">
             <a:extLst>
               <a:ext uri="{FF2B5EF4-FFF2-40B4-BE49-F238E27FC236}">
-                <a16:creationId xmlns:a16="http://schemas.microsoft.com/office/drawing/2014/main" id="{C02262BC-9D96-4FE3-9702-5FE792CCB9B2}"/>
+                <a16:creationId xmlns:a16="http://schemas.microsoft.com/office/drawing/2014/main" id="{6EFB2A4A-3DBE-4101-853E-5CA1C7397F99}"/>
               </a:ext>
             </a:extLst>
           </p:cNvPr>
@@ -10700,67 +9030,89 @@
             <p:ph type="title"/>
           </p:nvPr>
         </p:nvSpPr>
-        <p:spPr>
-          <a:xfrm>
-            <a:off x="2191288" y="5540426"/>
-            <a:ext cx="8159408" cy="667262"/>
-          </a:xfrm>
-        </p:spPr>
+        <p:spPr/>
         <p:txBody>
           <a:bodyPr>
             <a:normAutofit fontScale="90000"/>
           </a:bodyPr>
           <a:lstStyle/>
           <a:p>
-            <a:pPr algn="ctr"/>
-            <a:r>
-              <a:rPr lang="zh-CN" altLang="en-US" sz="3600" dirty="0">
-                <a:solidFill>
-                  <a:srgbClr val="7030A0"/>
-                </a:solidFill>
-              </a:rPr>
-              <a:t>区块链系列之二</a:t>
-            </a:r>
-            <a:r>
-              <a:rPr lang="en-US" altLang="zh-CN" dirty="0">
-                <a:solidFill>
-                  <a:srgbClr val="7030A0"/>
-                </a:solidFill>
-              </a:rPr>
-              <a:t>: </a:t>
-            </a:r>
-            <a:r>
-              <a:rPr lang="zh-CN" altLang="en-US" dirty="0">
-                <a:latin typeface="+mn-ea"/>
-                <a:ea typeface="+mn-ea"/>
-              </a:rPr>
-              <a:t>以太坊</a:t>
-            </a:r>
-            <a:endParaRPr lang="en-US" dirty="0">
-              <a:latin typeface="+mn-ea"/>
-              <a:ea typeface="+mn-ea"/>
-            </a:endParaRPr>
-          </a:p>
-        </p:txBody>
-      </p:sp>
-      <p:sp>
-        <p:nvSpPr>
-          <p:cNvPr id="13" name="AutoShape 4" descr="Image result for rocket">
+            <a:r>
+              <a:rPr lang="zh-CN" altLang="en-US" dirty="0"/>
+              <a:t>从区块链到</a:t>
+            </a:r>
+            <a:r>
+              <a:rPr lang="en-US" altLang="zh-CN" dirty="0"/>
+              <a:t>DAO</a:t>
+            </a:r>
+            <a:r>
+              <a:rPr lang="zh-CN" altLang="en-US" dirty="0"/>
+              <a:t>需要什么</a:t>
+            </a:r>
+            <a:endParaRPr lang="en-US" dirty="0"/>
+          </a:p>
+        </p:txBody>
+      </p:sp>
+      <p:sp>
+        <p:nvSpPr>
+          <p:cNvPr id="5" name="Slide Number Placeholder 4">
             <a:extLst>
               <a:ext uri="{FF2B5EF4-FFF2-40B4-BE49-F238E27FC236}">
-                <a16:creationId xmlns:a16="http://schemas.microsoft.com/office/drawing/2014/main" id="{C089C2A4-2E7C-47FE-BE21-88B88BA440E8}"/>
+                <a16:creationId xmlns:a16="http://schemas.microsoft.com/office/drawing/2014/main" id="{673C3275-DFE7-4A46-9FD5-49D6FC4C1104}"/>
               </a:ext>
             </a:extLst>
           </p:cNvPr>
           <p:cNvSpPr>
-            <a:spLocks noChangeAspect="1" noChangeArrowheads="1"/>
-          </p:cNvSpPr>
+            <a:spLocks noGrp="1"/>
+          </p:cNvSpPr>
+          <p:nvPr>
+            <p:ph type="sldNum" sz="quarter" idx="12"/>
+          </p:nvPr>
+        </p:nvSpPr>
+        <p:spPr/>
+        <p:txBody>
+          <a:bodyPr/>
+          <a:lstStyle/>
+          <a:p>
+            <a:fld id="{656EEF9C-D8EE-4444-AD18-FDA4DCDDF73B}" type="slidenum">
+              <a:rPr lang="en-US" smtClean="0"/>
+              <a:t>8</a:t>
+            </a:fld>
+            <a:endParaRPr lang="en-US" dirty="0"/>
+          </a:p>
+        </p:txBody>
+      </p:sp>
+      <p:pic>
+        <p:nvPicPr>
+          <p:cNvPr id="1026" name="Picture 2" descr="http://7xqy72.com1.z0.glb.clouddn.com/public/resources/pic/news/2016/06/07/HqGsH2diDj_3eb26a7a033fae2fa86fa356ddcd3b54_r.png">
+            <a:extLst>
+              <a:ext uri="{FF2B5EF4-FFF2-40B4-BE49-F238E27FC236}">
+                <a16:creationId xmlns:a16="http://schemas.microsoft.com/office/drawing/2014/main" id="{5C9D0B3C-E52C-4F72-B8F2-DA4A430496BD}"/>
+              </a:ext>
+            </a:extLst>
+          </p:cNvPr>
+          <p:cNvPicPr>
+            <a:picLocks noChangeAspect="1" noChangeArrowheads="1"/>
+          </p:cNvPicPr>
           <p:nvPr/>
-        </p:nvSpPr>
+        </p:nvPicPr>
+        <p:blipFill>
+          <a:blip r:embed="rId3">
+            <a:extLst>
+              <a:ext uri="{28A0092B-C50C-407E-A947-70E740481C1C}">
+                <a14:useLocalDpi xmlns:a14="http://schemas.microsoft.com/office/drawing/2010/main" val="0"/>
+              </a:ext>
+            </a:extLst>
+          </a:blip>
+          <a:srcRect/>
+          <a:stretch>
+            <a:fillRect/>
+          </a:stretch>
+        </p:blipFill>
         <p:spPr bwMode="auto">
           <a:xfrm>
-            <a:off x="6658679" y="2241486"/>
-            <a:ext cx="304800" cy="304800"/>
+            <a:off x="5733274" y="2724150"/>
+            <a:ext cx="6448425" cy="4133850"/>
           </a:xfrm>
           <a:prstGeom prst="rect">
             <a:avLst/>
@@ -10776,534 +9128,25 @@
             </a:ext>
           </a:extLst>
         </p:spPr>
-        <p:txBody>
-          <a:bodyPr vert="horz" wrap="square" lIns="91440" tIns="45720" rIns="91440" bIns="45720" numCol="1" anchor="t" anchorCtr="0" compatLnSpc="1">
-            <a:prstTxWarp prst="textNoShape">
-              <a:avLst/>
-            </a:prstTxWarp>
-          </a:bodyPr>
-          <a:lstStyle/>
-          <a:p>
-            <a:endParaRPr lang="en-US"/>
-          </a:p>
-        </p:txBody>
-      </p:sp>
+      </p:pic>
       <p:pic>
         <p:nvPicPr>
-          <p:cNvPr id="16" name="line_trend">
+          <p:cNvPr id="7" name="Content Placeholder 6">
             <a:extLst>
               <a:ext uri="{FF2B5EF4-FFF2-40B4-BE49-F238E27FC236}">
-                <a16:creationId xmlns:a16="http://schemas.microsoft.com/office/drawing/2014/main" id="{34C5B4AB-7F23-43E9-B2ED-E7EE7D3345E1}"/>
+                <a16:creationId xmlns:a16="http://schemas.microsoft.com/office/drawing/2014/main" id="{C7EF5133-D662-41C9-AEC7-0E25FEC2CFCB}"/>
               </a:ext>
             </a:extLst>
           </p:cNvPr>
           <p:cNvPicPr>
-            <a:picLocks noChangeAspect="1"/>
+            <a:picLocks noGrp="1" noChangeAspect="1"/>
           </p:cNvPicPr>
-          <p:nvPr/>
+          <p:nvPr>
+            <p:ph sz="half" idx="2"/>
+          </p:nvPr>
         </p:nvPicPr>
         <p:blipFill>
-          <a:blip r:embed="rId2"/>
-          <a:stretch>
-            <a:fillRect/>
-          </a:stretch>
-        </p:blipFill>
-        <p:spPr>
-          <a:xfrm>
-            <a:off x="330200" y="1553104"/>
-            <a:ext cx="8289010" cy="2295354"/>
-          </a:xfrm>
-          <a:prstGeom prst="rect">
-            <a:avLst/>
-          </a:prstGeom>
-        </p:spPr>
-      </p:pic>
-      <p:pic>
-        <p:nvPicPr>
-          <p:cNvPr id="15" name="P_rocket">
-            <a:extLst>
-              <a:ext uri="{FF2B5EF4-FFF2-40B4-BE49-F238E27FC236}">
-                <a16:creationId xmlns:a16="http://schemas.microsoft.com/office/drawing/2014/main" id="{292FB83D-3C81-408E-AF7A-FC86546C3EE0}"/>
-              </a:ext>
-            </a:extLst>
-          </p:cNvPr>
-          <p:cNvPicPr>
-            <a:picLocks noChangeAspect="1"/>
-          </p:cNvPicPr>
-          <p:nvPr/>
-        </p:nvPicPr>
-        <p:blipFill>
-          <a:blip r:embed="rId3">
-            <a:extLst>
-              <a:ext uri="{28A0092B-C50C-407E-A947-70E740481C1C}">
-                <a14:useLocalDpi xmlns:a14="http://schemas.microsoft.com/office/drawing/2010/main" val="0"/>
-              </a:ext>
-            </a:extLst>
-          </a:blip>
-          <a:stretch>
-            <a:fillRect/>
-          </a:stretch>
-        </p:blipFill>
-        <p:spPr>
-          <a:xfrm rot="470718">
-            <a:off x="7602187" y="2408075"/>
-            <a:ext cx="1337791" cy="1337791"/>
-          </a:xfrm>
-          <a:prstGeom prst="rect">
-            <a:avLst/>
-          </a:prstGeom>
-        </p:spPr>
-      </p:pic>
-      <p:grpSp>
-        <p:nvGrpSpPr>
-          <p:cNvPr id="20" name="g_coin">
-            <a:extLst>
-              <a:ext uri="{FF2B5EF4-FFF2-40B4-BE49-F238E27FC236}">
-                <a16:creationId xmlns:a16="http://schemas.microsoft.com/office/drawing/2014/main" id="{1E8E226F-8E2C-4DCD-B797-BAEDAA59394B}"/>
-              </a:ext>
-            </a:extLst>
-          </p:cNvPr>
-          <p:cNvGrpSpPr/>
-          <p:nvPr/>
-        </p:nvGrpSpPr>
-        <p:grpSpPr>
-          <a:xfrm>
-            <a:off x="1346402" y="745934"/>
-            <a:ext cx="1560185" cy="1577097"/>
-            <a:chOff x="2235402" y="1906258"/>
-            <a:chExt cx="1560185" cy="1451887"/>
-          </a:xfrm>
-        </p:grpSpPr>
-        <p:pic>
-          <p:nvPicPr>
-            <p:cNvPr id="18" name="Picture 17">
-              <a:extLst>
-                <a:ext uri="{FF2B5EF4-FFF2-40B4-BE49-F238E27FC236}">
-                  <a16:creationId xmlns:a16="http://schemas.microsoft.com/office/drawing/2014/main" id="{B537F824-D059-405C-ACB1-DC826811F5A0}"/>
-                </a:ext>
-              </a:extLst>
-            </p:cNvPr>
-            <p:cNvPicPr>
-              <a:picLocks noChangeAspect="1"/>
-            </p:cNvPicPr>
-            <p:nvPr/>
-          </p:nvPicPr>
-          <p:blipFill>
-            <a:blip r:embed="rId4"/>
-            <a:stretch>
-              <a:fillRect/>
-            </a:stretch>
-          </p:blipFill>
-          <p:spPr>
-            <a:xfrm>
-              <a:off x="2235402" y="1906258"/>
-              <a:ext cx="1560185" cy="1451887"/>
-            </a:xfrm>
-            <a:prstGeom prst="rect">
-              <a:avLst/>
-            </a:prstGeom>
-          </p:spPr>
-        </p:pic>
-        <p:sp>
-          <p:nvSpPr>
-            <p:cNvPr id="19" name="Rectangle 18">
-              <a:extLst>
-                <a:ext uri="{FF2B5EF4-FFF2-40B4-BE49-F238E27FC236}">
-                  <a16:creationId xmlns:a16="http://schemas.microsoft.com/office/drawing/2014/main" id="{4E405EBD-BC09-40E6-BC82-7FB29DF1409B}"/>
-                </a:ext>
-              </a:extLst>
-            </p:cNvPr>
-            <p:cNvSpPr/>
-            <p:nvPr/>
-          </p:nvSpPr>
-          <p:spPr>
-            <a:xfrm>
-              <a:off x="2425485" y="2170169"/>
-              <a:ext cx="1309607" cy="1015663"/>
-            </a:xfrm>
-            <a:prstGeom prst="rect">
-              <a:avLst/>
-            </a:prstGeom>
-          </p:spPr>
-          <p:txBody>
-            <a:bodyPr wrap="square">
-              <a:spAutoFit/>
-            </a:bodyPr>
-            <a:lstStyle/>
-            <a:p>
-              <a:r>
-                <a:rPr lang="en-US" sz="6000" b="1" dirty="0">
-                  <a:solidFill>
-                    <a:srgbClr val="7030A0"/>
-                  </a:solidFill>
-                </a:rPr>
-                <a:t>1</a:t>
-              </a:r>
-              <a:r>
-                <a:rPr lang="en-US" altLang="zh-CN" sz="6000" b="1" dirty="0">
-                  <a:solidFill>
-                    <a:srgbClr val="7030A0"/>
-                  </a:solidFill>
-                </a:rPr>
-                <a:t>.0</a:t>
-              </a:r>
-              <a:endParaRPr lang="en-US" sz="6000" b="1" dirty="0">
-                <a:solidFill>
-                  <a:srgbClr val="7030A0"/>
-                </a:solidFill>
-              </a:endParaRPr>
-            </a:p>
-          </p:txBody>
-        </p:sp>
-      </p:grpSp>
-      <p:grpSp>
-        <p:nvGrpSpPr>
-          <p:cNvPr id="24" name="G_eth">
-            <a:extLst>
-              <a:ext uri="{FF2B5EF4-FFF2-40B4-BE49-F238E27FC236}">
-                <a16:creationId xmlns:a16="http://schemas.microsoft.com/office/drawing/2014/main" id="{3C0572CF-9A7D-4F25-B307-41948758A5AC}"/>
-              </a:ext>
-            </a:extLst>
-          </p:cNvPr>
-          <p:cNvGrpSpPr/>
-          <p:nvPr/>
-        </p:nvGrpSpPr>
-        <p:grpSpPr>
-          <a:xfrm>
-            <a:off x="4819844" y="2074588"/>
-            <a:ext cx="3018066" cy="3018066"/>
-            <a:chOff x="3813895" y="2637441"/>
-            <a:chExt cx="3018066" cy="3018066"/>
-          </a:xfrm>
-        </p:grpSpPr>
-        <p:pic>
-          <p:nvPicPr>
-            <p:cNvPr id="22" name="Picture 21">
-              <a:extLst>
-                <a:ext uri="{FF2B5EF4-FFF2-40B4-BE49-F238E27FC236}">
-                  <a16:creationId xmlns:a16="http://schemas.microsoft.com/office/drawing/2014/main" id="{271A3C44-3CD9-4020-8958-57415FD11731}"/>
-                </a:ext>
-              </a:extLst>
-            </p:cNvPr>
-            <p:cNvPicPr>
-              <a:picLocks noChangeAspect="1"/>
-            </p:cNvPicPr>
-            <p:nvPr/>
-          </p:nvPicPr>
-          <p:blipFill>
-            <a:blip r:embed="rId5">
-              <a:extLst>
-                <a:ext uri="{28A0092B-C50C-407E-A947-70E740481C1C}">
-                  <a14:useLocalDpi xmlns:a14="http://schemas.microsoft.com/office/drawing/2010/main" val="0"/>
-                </a:ext>
-              </a:extLst>
-            </a:blip>
-            <a:stretch>
-              <a:fillRect/>
-            </a:stretch>
-          </p:blipFill>
-          <p:spPr>
-            <a:xfrm>
-              <a:off x="3813895" y="2637441"/>
-              <a:ext cx="3018066" cy="3018066"/>
-            </a:xfrm>
-            <a:prstGeom prst="rect">
-              <a:avLst/>
-            </a:prstGeom>
-          </p:spPr>
-        </p:pic>
-        <p:sp>
-          <p:nvSpPr>
-            <p:cNvPr id="23" name="Rectangle 22">
-              <a:extLst>
-                <a:ext uri="{FF2B5EF4-FFF2-40B4-BE49-F238E27FC236}">
-                  <a16:creationId xmlns:a16="http://schemas.microsoft.com/office/drawing/2014/main" id="{97911A30-EAA4-4AD1-8877-9786CA9C68C7}"/>
-                </a:ext>
-              </a:extLst>
-            </p:cNvPr>
-            <p:cNvSpPr/>
-            <p:nvPr/>
-          </p:nvSpPr>
-          <p:spPr>
-            <a:xfrm>
-              <a:off x="4722233" y="3704506"/>
-              <a:ext cx="1309607" cy="1015663"/>
-            </a:xfrm>
-            <a:prstGeom prst="rect">
-              <a:avLst/>
-            </a:prstGeom>
-          </p:spPr>
-          <p:txBody>
-            <a:bodyPr wrap="square">
-              <a:spAutoFit/>
-            </a:bodyPr>
-            <a:lstStyle/>
-            <a:p>
-              <a:r>
-                <a:rPr lang="en-US" altLang="zh-CN" sz="6000" b="1" dirty="0">
-                  <a:solidFill>
-                    <a:srgbClr val="FFFF00"/>
-                  </a:solidFill>
-                </a:rPr>
-                <a:t>2.0</a:t>
-              </a:r>
-              <a:endParaRPr lang="en-US" sz="6000" b="1" dirty="0">
-                <a:solidFill>
-                  <a:srgbClr val="FFFF00"/>
-                </a:solidFill>
-              </a:endParaRPr>
-            </a:p>
-          </p:txBody>
-        </p:sp>
-      </p:grpSp>
-      <p:grpSp>
-        <p:nvGrpSpPr>
-          <p:cNvPr id="28" name="G_e3.0">
-            <a:extLst>
-              <a:ext uri="{FF2B5EF4-FFF2-40B4-BE49-F238E27FC236}">
-                <a16:creationId xmlns:a16="http://schemas.microsoft.com/office/drawing/2014/main" id="{7E0E7C32-3741-4AAD-A1AC-9559949B970B}"/>
-              </a:ext>
-            </a:extLst>
-          </p:cNvPr>
-          <p:cNvGrpSpPr/>
-          <p:nvPr/>
-        </p:nvGrpSpPr>
-        <p:grpSpPr>
-          <a:xfrm>
-            <a:off x="8671953" y="958481"/>
-            <a:ext cx="2237547" cy="2237547"/>
-            <a:chOff x="9286272" y="2070628"/>
-            <a:chExt cx="2237547" cy="2237547"/>
-          </a:xfrm>
-        </p:grpSpPr>
-        <p:pic>
-          <p:nvPicPr>
-            <p:cNvPr id="26" name="Picture 25">
-              <a:extLst>
-                <a:ext uri="{FF2B5EF4-FFF2-40B4-BE49-F238E27FC236}">
-                  <a16:creationId xmlns:a16="http://schemas.microsoft.com/office/drawing/2014/main" id="{EAB4B739-E4DD-4DAD-B741-FEE6BDBF43F1}"/>
-                </a:ext>
-              </a:extLst>
-            </p:cNvPr>
-            <p:cNvPicPr>
-              <a:picLocks noChangeAspect="1"/>
-            </p:cNvPicPr>
-            <p:nvPr/>
-          </p:nvPicPr>
-          <p:blipFill>
-            <a:blip r:embed="rId6">
-              <a:extLst>
-                <a:ext uri="{28A0092B-C50C-407E-A947-70E740481C1C}">
-                  <a14:useLocalDpi xmlns:a14="http://schemas.microsoft.com/office/drawing/2010/main" val="0"/>
-                </a:ext>
-              </a:extLst>
-            </a:blip>
-            <a:stretch>
-              <a:fillRect/>
-            </a:stretch>
-          </p:blipFill>
-          <p:spPr>
-            <a:xfrm>
-              <a:off x="9286272" y="2070628"/>
-              <a:ext cx="2237547" cy="2237547"/>
-            </a:xfrm>
-            <a:prstGeom prst="rect">
-              <a:avLst/>
-            </a:prstGeom>
-          </p:spPr>
-        </p:pic>
-        <p:sp>
-          <p:nvSpPr>
-            <p:cNvPr id="27" name="Rectangle 26">
-              <a:extLst>
-                <a:ext uri="{FF2B5EF4-FFF2-40B4-BE49-F238E27FC236}">
-                  <a16:creationId xmlns:a16="http://schemas.microsoft.com/office/drawing/2014/main" id="{1E7013AD-709B-4C73-B5BF-43A3E872C69F}"/>
-                </a:ext>
-              </a:extLst>
-            </p:cNvPr>
-            <p:cNvSpPr/>
-            <p:nvPr/>
-          </p:nvSpPr>
-          <p:spPr>
-            <a:xfrm>
-              <a:off x="9804421" y="2420806"/>
-              <a:ext cx="1309607" cy="1015663"/>
-            </a:xfrm>
-            <a:prstGeom prst="rect">
-              <a:avLst/>
-            </a:prstGeom>
-          </p:spPr>
-          <p:txBody>
-            <a:bodyPr wrap="square">
-              <a:spAutoFit/>
-            </a:bodyPr>
-            <a:lstStyle/>
-            <a:p>
-              <a:r>
-                <a:rPr lang="en-US" altLang="zh-CN" sz="6000" b="1" dirty="0">
-                  <a:solidFill>
-                    <a:srgbClr val="FFFF00"/>
-                  </a:solidFill>
-                </a:rPr>
-                <a:t>3.0</a:t>
-              </a:r>
-              <a:endParaRPr lang="en-US" sz="6000" b="1" dirty="0">
-                <a:solidFill>
-                  <a:srgbClr val="FFFF00"/>
-                </a:solidFill>
-              </a:endParaRPr>
-            </a:p>
-          </p:txBody>
-        </p:sp>
-      </p:grpSp>
-      <p:sp>
-        <p:nvSpPr>
-          <p:cNvPr id="29" name="R_coin">
-            <a:extLst>
-              <a:ext uri="{FF2B5EF4-FFF2-40B4-BE49-F238E27FC236}">
-                <a16:creationId xmlns:a16="http://schemas.microsoft.com/office/drawing/2014/main" id="{91F14FB1-AE21-4DFF-84CA-AA162D70A7DE}"/>
-              </a:ext>
-            </a:extLst>
-          </p:cNvPr>
-          <p:cNvSpPr/>
-          <p:nvPr/>
-        </p:nvSpPr>
-        <p:spPr>
-          <a:xfrm>
-            <a:off x="815983" y="2441540"/>
-            <a:ext cx="2646878" cy="1077218"/>
-          </a:xfrm>
-          <a:prstGeom prst="rect">
-            <a:avLst/>
-          </a:prstGeom>
-        </p:spPr>
-        <p:txBody>
-          <a:bodyPr wrap="none">
-            <a:spAutoFit/>
-          </a:bodyPr>
-          <a:lstStyle/>
-          <a:p>
-            <a:pPr algn="ctr"/>
-            <a:r>
-              <a:rPr lang="zh-CN" altLang="en-US" sz="3200" dirty="0"/>
-              <a:t>电子现金</a:t>
-            </a:r>
-            <a:endParaRPr lang="en-US" altLang="zh-CN" sz="3200" dirty="0"/>
-          </a:p>
-          <a:p>
-            <a:pPr algn="ctr"/>
-            <a:r>
-              <a:rPr lang="zh-CN" altLang="en-US" sz="3200" dirty="0"/>
-              <a:t>去中心化交易</a:t>
-            </a:r>
-            <a:endParaRPr lang="en-US" sz="3200" dirty="0"/>
-          </a:p>
-        </p:txBody>
-      </p:sp>
-      <p:sp>
-        <p:nvSpPr>
-          <p:cNvPr id="30" name="Rectangle 29">
-            <a:extLst>
-              <a:ext uri="{FF2B5EF4-FFF2-40B4-BE49-F238E27FC236}">
-                <a16:creationId xmlns:a16="http://schemas.microsoft.com/office/drawing/2014/main" id="{5C5A3534-7B86-4AB9-911D-2DCB45F18630}"/>
-              </a:ext>
-            </a:extLst>
-          </p:cNvPr>
-          <p:cNvSpPr/>
-          <p:nvPr/>
-        </p:nvSpPr>
-        <p:spPr>
-          <a:xfrm>
-            <a:off x="4429831" y="4368957"/>
-            <a:ext cx="4288353" cy="1569660"/>
-          </a:xfrm>
-          <a:prstGeom prst="rect">
-            <a:avLst/>
-          </a:prstGeom>
-        </p:spPr>
-        <p:txBody>
-          <a:bodyPr wrap="none">
-            <a:spAutoFit/>
-          </a:bodyPr>
-          <a:lstStyle/>
-          <a:p>
-            <a:r>
-              <a:rPr lang="zh-CN" altLang="en-US" sz="3200" dirty="0"/>
-              <a:t>智能合约、数字资产、</a:t>
-            </a:r>
-            <a:endParaRPr lang="en-US" altLang="zh-CN" sz="3200" dirty="0"/>
-          </a:p>
-          <a:p>
-            <a:pPr algn="ctr"/>
-            <a:r>
-              <a:rPr lang="zh-CN" altLang="en-US" sz="3200" dirty="0"/>
-              <a:t>物联网、各行业应用</a:t>
-            </a:r>
-            <a:br>
-              <a:rPr lang="en-US" altLang="zh-CN" sz="3200" dirty="0"/>
-            </a:br>
-            <a:endParaRPr lang="en-US" altLang="zh-CN" sz="3200" dirty="0"/>
-          </a:p>
-        </p:txBody>
-      </p:sp>
-      <p:sp>
-        <p:nvSpPr>
-          <p:cNvPr id="31" name="Rectangle 30">
-            <a:extLst>
-              <a:ext uri="{FF2B5EF4-FFF2-40B4-BE49-F238E27FC236}">
-                <a16:creationId xmlns:a16="http://schemas.microsoft.com/office/drawing/2014/main" id="{F349A4FA-6A59-4E23-8A9B-3C7DA21755AD}"/>
-              </a:ext>
-            </a:extLst>
-          </p:cNvPr>
-          <p:cNvSpPr/>
-          <p:nvPr/>
-        </p:nvSpPr>
-        <p:spPr>
-          <a:xfrm>
-            <a:off x="8468056" y="2980149"/>
-            <a:ext cx="3467616" cy="1077218"/>
-          </a:xfrm>
-          <a:prstGeom prst="rect">
-            <a:avLst/>
-          </a:prstGeom>
-        </p:spPr>
-        <p:txBody>
-          <a:bodyPr wrap="none">
-            <a:spAutoFit/>
-          </a:bodyPr>
-          <a:lstStyle/>
-          <a:p>
-            <a:r>
-              <a:rPr lang="zh-CN" altLang="en-US" sz="3200" dirty="0"/>
-              <a:t>去中心化互联网、</a:t>
-            </a:r>
-            <a:br>
-              <a:rPr lang="en-US" altLang="zh-CN" sz="3200" dirty="0"/>
-            </a:br>
-            <a:r>
-              <a:rPr lang="zh-CN" altLang="en-US" sz="3200" dirty="0"/>
-              <a:t>去中心化社会治理</a:t>
-            </a:r>
-            <a:endParaRPr lang="en-US" altLang="zh-CN" sz="3200" dirty="0"/>
-          </a:p>
-        </p:txBody>
-      </p:sp>
-      <p:pic>
-        <p:nvPicPr>
-          <p:cNvPr id="4" name="Picture 3">
-            <a:extLst>
-              <a:ext uri="{FF2B5EF4-FFF2-40B4-BE49-F238E27FC236}">
-                <a16:creationId xmlns:a16="http://schemas.microsoft.com/office/drawing/2014/main" id="{4771882B-18BD-459E-AFD4-59F33EA7C023}"/>
-              </a:ext>
-            </a:extLst>
-          </p:cNvPr>
-          <p:cNvPicPr>
-            <a:picLocks noChangeAspect="1"/>
-          </p:cNvPicPr>
-          <p:nvPr/>
-        </p:nvPicPr>
-        <p:blipFill>
-          <a:blip r:embed="rId7">
+          <a:blip r:embed="rId4">
             <a:extLst>
               <a:ext uri="{28A0092B-C50C-407E-A947-70E740481C1C}">
                 <a14:useLocalDpi xmlns:a14="http://schemas.microsoft.com/office/drawing/2010/main" val="0"/>
@@ -11316,345 +9159,55 @@
         </p:blipFill>
         <p:spPr>
           <a:xfrm>
-            <a:off x="1237336" y="3492657"/>
-            <a:ext cx="1851992" cy="1239151"/>
+            <a:off x="159514" y="1077264"/>
+            <a:ext cx="6710843" cy="4688397"/>
           </a:xfrm>
-          <a:prstGeom prst="rect">
-            <a:avLst/>
-          </a:prstGeom>
         </p:spPr>
       </p:pic>
-      <p:grpSp>
-        <p:nvGrpSpPr>
-          <p:cNvPr id="6" name="Group 5">
+      <p:sp>
+        <p:nvSpPr>
+          <p:cNvPr id="3" name="Content Placeholder 2">
             <a:extLst>
               <a:ext uri="{FF2B5EF4-FFF2-40B4-BE49-F238E27FC236}">
-                <a16:creationId xmlns:a16="http://schemas.microsoft.com/office/drawing/2014/main" id="{3D628CD9-401A-4D13-839C-C1FD9955422C}"/>
+                <a16:creationId xmlns:a16="http://schemas.microsoft.com/office/drawing/2014/main" id="{DA085542-932A-4257-87FA-C51C943FB4FB}"/>
               </a:ext>
             </a:extLst>
           </p:cNvPr>
-          <p:cNvGrpSpPr/>
-          <p:nvPr/>
-        </p:nvGrpSpPr>
-        <p:grpSpPr>
-          <a:xfrm>
-            <a:off x="5309310" y="461579"/>
-            <a:ext cx="1979158" cy="1982341"/>
-            <a:chOff x="5309310" y="461579"/>
-            <a:chExt cx="1979158" cy="1982341"/>
+          <p:cNvSpPr>
+            <a:spLocks noGrp="1"/>
+          </p:cNvSpPr>
+          <p:nvPr>
+            <p:ph sz="half" idx="1"/>
+          </p:nvPr>
+        </p:nvSpPr>
+        <p:spPr>
+          <a:xfrm rot="19486667">
+            <a:off x="7007912" y="3863752"/>
+            <a:ext cx="4530850" cy="796838"/>
           </a:xfrm>
-        </p:grpSpPr>
-        <p:pic>
-          <p:nvPicPr>
-            <p:cNvPr id="1026" name="Picture 2" descr="VitalikButerinProfile.jpg">
-              <a:hlinkClick r:id="rId8"/>
-              <a:extLst>
-                <a:ext uri="{FF2B5EF4-FFF2-40B4-BE49-F238E27FC236}">
-                  <a16:creationId xmlns:a16="http://schemas.microsoft.com/office/drawing/2014/main" id="{E0B30C35-96D8-44D6-92EA-EBCCED1D6A62}"/>
-                </a:ext>
-              </a:extLst>
-            </p:cNvPr>
-            <p:cNvPicPr>
-              <a:picLocks noChangeAspect="1" noChangeArrowheads="1"/>
-            </p:cNvPicPr>
-            <p:nvPr/>
-          </p:nvPicPr>
-          <p:blipFill>
-            <a:blip r:embed="rId9">
-              <a:extLst>
-                <a:ext uri="{28A0092B-C50C-407E-A947-70E740481C1C}">
-                  <a14:useLocalDpi xmlns:a14="http://schemas.microsoft.com/office/drawing/2010/main" val="0"/>
-                </a:ext>
-              </a:extLst>
-            </a:blip>
-            <a:srcRect/>
-            <a:stretch>
-              <a:fillRect/>
-            </a:stretch>
-          </p:blipFill>
-          <p:spPr bwMode="auto">
-            <a:xfrm>
-              <a:off x="5309310" y="461579"/>
-              <a:ext cx="1979158" cy="1694159"/>
-            </a:xfrm>
-            <a:prstGeom prst="rect">
-              <a:avLst/>
-            </a:prstGeom>
-            <a:noFill/>
-            <a:extLst>
-              <a:ext uri="{909E8E84-426E-40DD-AFC4-6F175D3DCCD1}">
-                <a14:hiddenFill xmlns:a14="http://schemas.microsoft.com/office/drawing/2010/main">
-                  <a:solidFill>
-                    <a:srgbClr val="FFFFFF"/>
-                  </a:solidFill>
-                </a14:hiddenFill>
-              </a:ext>
-            </a:extLst>
-          </p:spPr>
-        </p:pic>
-        <p:sp>
-          <p:nvSpPr>
-            <p:cNvPr id="5" name="Rectangle 4">
-              <a:extLst>
-                <a:ext uri="{FF2B5EF4-FFF2-40B4-BE49-F238E27FC236}">
-                  <a16:creationId xmlns:a16="http://schemas.microsoft.com/office/drawing/2014/main" id="{ADF81AF2-40ED-42D7-BEAB-45B9F3BD0EA3}"/>
-                </a:ext>
-              </a:extLst>
-            </p:cNvPr>
-            <p:cNvSpPr/>
-            <p:nvPr/>
-          </p:nvSpPr>
-          <p:spPr>
-            <a:xfrm>
-              <a:off x="5412472" y="2074588"/>
-              <a:ext cx="1625317" cy="369332"/>
-            </a:xfrm>
-            <a:prstGeom prst="rect">
-              <a:avLst/>
-            </a:prstGeom>
-          </p:spPr>
-          <p:txBody>
-            <a:bodyPr wrap="none">
-              <a:spAutoFit/>
-            </a:bodyPr>
-            <a:lstStyle/>
-            <a:p>
-              <a:r>
-                <a:rPr lang="en-US" dirty="0" err="1">
-                  <a:solidFill>
-                    <a:srgbClr val="000000"/>
-                  </a:solidFill>
-                  <a:latin typeface="Linux Libertine"/>
-                </a:rPr>
-                <a:t>Vitalik</a:t>
-              </a:r>
-              <a:r>
-                <a:rPr lang="en-US" dirty="0">
-                  <a:solidFill>
-                    <a:srgbClr val="000000"/>
-                  </a:solidFill>
-                  <a:latin typeface="Linux Libertine"/>
-                </a:rPr>
-                <a:t> </a:t>
-              </a:r>
-              <a:r>
-                <a:rPr lang="en-US" dirty="0" err="1">
-                  <a:solidFill>
-                    <a:srgbClr val="000000"/>
-                  </a:solidFill>
-                  <a:latin typeface="Linux Libertine"/>
-                </a:rPr>
-                <a:t>Buterin</a:t>
-              </a:r>
-              <a:endParaRPr lang="en-US" b="0" i="0" dirty="0">
-                <a:solidFill>
-                  <a:srgbClr val="000000"/>
-                </a:solidFill>
-                <a:effectLst/>
-                <a:latin typeface="Linux Libertine"/>
-              </a:endParaRPr>
-            </a:p>
-          </p:txBody>
-        </p:sp>
-      </p:grpSp>
+        </p:spPr>
+        <p:txBody>
+          <a:bodyPr/>
+          <a:lstStyle/>
+          <a:p>
+            <a:r>
+              <a:rPr lang="zh-CN" altLang="en-US" dirty="0"/>
+              <a:t>区块链应用普及程度</a:t>
+            </a:r>
+            <a:endParaRPr lang="en-US" dirty="0"/>
+          </a:p>
+        </p:txBody>
+      </p:sp>
     </p:spTree>
     <p:extLst>
       <p:ext uri="{BB962C8B-B14F-4D97-AF65-F5344CB8AC3E}">
-        <p14:creationId xmlns:p14="http://schemas.microsoft.com/office/powerpoint/2010/main" val="2432030526"/>
+        <p14:creationId xmlns:p14="http://schemas.microsoft.com/office/powerpoint/2010/main" val="1809186909"/>
       </p:ext>
     </p:extLst>
   </p:cSld>
   <p:clrMapOvr>
     <a:masterClrMapping/>
   </p:clrMapOvr>
-  <p:timing>
-    <p:tnLst>
-      <p:par>
-        <p:cTn id="1" dur="indefinite" restart="never" nodeType="tmRoot">
-          <p:childTnLst>
-            <p:seq concurrent="1" nextAc="seek">
-              <p:cTn id="2" dur="indefinite" nodeType="mainSeq">
-                <p:childTnLst>
-                  <p:par>
-                    <p:cTn id="3" fill="hold">
-                      <p:stCondLst>
-                        <p:cond delay="indefinite"/>
-                        <p:cond evt="onBegin" delay="0">
-                          <p:tn val="2"/>
-                        </p:cond>
-                      </p:stCondLst>
-                      <p:childTnLst>
-                        <p:par>
-                          <p:cTn id="4" fill="hold">
-                            <p:stCondLst>
-                              <p:cond delay="0"/>
-                            </p:stCondLst>
-                            <p:childTnLst>
-                              <p:par>
-                                <p:cTn id="5" presetID="8" presetClass="emph" presetSubtype="0" repeatCount="indefinite" fill="hold" nodeType="withEffect">
-                                  <p:stCondLst>
-                                    <p:cond delay="0"/>
-                                  </p:stCondLst>
-                                  <p:childTnLst>
-                                    <p:animRot by="21600000">
-                                      <p:cBhvr>
-                                        <p:cTn id="6" dur="2000" fill="hold"/>
-                                        <p:tgtEl>
-                                          <p:spTgt spid="24"/>
-                                        </p:tgtEl>
-                                        <p:attrNameLst>
-                                          <p:attrName>r</p:attrName>
-                                        </p:attrNameLst>
-                                      </p:cBhvr>
-                                    </p:animRot>
-                                  </p:childTnLst>
-                                </p:cTn>
-                              </p:par>
-                              <p:par>
-                                <p:cTn id="7" presetID="26" presetClass="emph" presetSubtype="0" repeatCount="indefinite" fill="hold" nodeType="withEffect">
-                                  <p:stCondLst>
-                                    <p:cond delay="0"/>
-                                  </p:stCondLst>
-                                  <p:childTnLst>
-                                    <p:animEffect transition="out" filter="fade">
-                                      <p:cBhvr>
-                                        <p:cTn id="8" dur="2000" tmFilter="0, 0; .2, .5; .8, .5; 1, 0"/>
-                                        <p:tgtEl>
-                                          <p:spTgt spid="2"/>
-                                        </p:tgtEl>
-                                      </p:cBhvr>
-                                    </p:animEffect>
-                                    <p:animScale>
-                                      <p:cBhvr>
-                                        <p:cTn id="9" dur="1000" autoRev="1" fill="hold"/>
-                                        <p:tgtEl>
-                                          <p:spTgt spid="2"/>
-                                        </p:tgtEl>
-                                      </p:cBhvr>
-                                      <p:by x="105000" y="105000"/>
-                                    </p:animScale>
-                                  </p:childTnLst>
-                                </p:cTn>
-                              </p:par>
-                              <p:par>
-                                <p:cTn id="10" presetID="32" presetClass="emph" presetSubtype="0" repeatCount="indefinite" fill="hold" nodeType="withEffect">
-                                  <p:stCondLst>
-                                    <p:cond delay="0"/>
-                                  </p:stCondLst>
-                                  <p:endCondLst>
-                                    <p:cond evt="onNext" delay="0">
-                                      <p:tgtEl>
-                                        <p:sldTgt/>
-                                      </p:tgtEl>
-                                    </p:cond>
-                                  </p:endCondLst>
-                                  <p:childTnLst>
-                                    <p:animRot by="120000">
-                                      <p:cBhvr>
-                                        <p:cTn id="11" dur="100" fill="hold">
-                                          <p:stCondLst>
-                                            <p:cond delay="0"/>
-                                          </p:stCondLst>
-                                        </p:cTn>
-                                        <p:tgtEl>
-                                          <p:spTgt spid="6"/>
-                                        </p:tgtEl>
-                                        <p:attrNameLst>
-                                          <p:attrName>r</p:attrName>
-                                        </p:attrNameLst>
-                                      </p:cBhvr>
-                                    </p:animRot>
-                                    <p:animRot by="-240000">
-                                      <p:cBhvr>
-                                        <p:cTn id="12" dur="200" fill="hold">
-                                          <p:stCondLst>
-                                            <p:cond delay="200"/>
-                                          </p:stCondLst>
-                                        </p:cTn>
-                                        <p:tgtEl>
-                                          <p:spTgt spid="6"/>
-                                        </p:tgtEl>
-                                        <p:attrNameLst>
-                                          <p:attrName>r</p:attrName>
-                                        </p:attrNameLst>
-                                      </p:cBhvr>
-                                    </p:animRot>
-                                    <p:animRot by="240000">
-                                      <p:cBhvr>
-                                        <p:cTn id="13" dur="200" fill="hold">
-                                          <p:stCondLst>
-                                            <p:cond delay="400"/>
-                                          </p:stCondLst>
-                                        </p:cTn>
-                                        <p:tgtEl>
-                                          <p:spTgt spid="6"/>
-                                        </p:tgtEl>
-                                        <p:attrNameLst>
-                                          <p:attrName>r</p:attrName>
-                                        </p:attrNameLst>
-                                      </p:cBhvr>
-                                    </p:animRot>
-                                    <p:animRot by="-240000">
-                                      <p:cBhvr>
-                                        <p:cTn id="14" dur="200" fill="hold">
-                                          <p:stCondLst>
-                                            <p:cond delay="600"/>
-                                          </p:stCondLst>
-                                        </p:cTn>
-                                        <p:tgtEl>
-                                          <p:spTgt spid="6"/>
-                                        </p:tgtEl>
-                                        <p:attrNameLst>
-                                          <p:attrName>r</p:attrName>
-                                        </p:attrNameLst>
-                                      </p:cBhvr>
-                                    </p:animRot>
-                                    <p:animRot by="120000">
-                                      <p:cBhvr>
-                                        <p:cTn id="15" dur="200" fill="hold">
-                                          <p:stCondLst>
-                                            <p:cond delay="800"/>
-                                          </p:stCondLst>
-                                        </p:cTn>
-                                        <p:tgtEl>
-                                          <p:spTgt spid="6"/>
-                                        </p:tgtEl>
-                                        <p:attrNameLst>
-                                          <p:attrName>r</p:attrName>
-                                        </p:attrNameLst>
-                                      </p:cBhvr>
-                                    </p:animRot>
-                                  </p:childTnLst>
-                                </p:cTn>
-                              </p:par>
-                            </p:childTnLst>
-                          </p:cTn>
-                        </p:par>
-                      </p:childTnLst>
-                    </p:cTn>
-                  </p:par>
-                </p:childTnLst>
-              </p:cTn>
-              <p:prevCondLst>
-                <p:cond evt="onPrev" delay="0">
-                  <p:tgtEl>
-                    <p:sldTgt/>
-                  </p:tgtEl>
-                </p:cond>
-              </p:prevCondLst>
-              <p:nextCondLst>
-                <p:cond evt="onNext" delay="0">
-                  <p:tgtEl>
-                    <p:sldTgt/>
-                  </p:tgtEl>
-                </p:cond>
-              </p:nextCondLst>
-            </p:seq>
-          </p:childTnLst>
-        </p:cTn>
-      </p:par>
-    </p:tnLst>
-  </p:timing>
 </p:sld>
 </file>
 
@@ -11677,37 +9230,13 @@
       </p:grpSpPr>
       <p:sp>
         <p:nvSpPr>
-          <p:cNvPr id="2" name="Title 1"/>
-          <p:cNvSpPr>
-            <a:spLocks noGrp="1"/>
-          </p:cNvSpPr>
-          <p:nvPr>
-            <p:ph type="title"/>
-          </p:nvPr>
-        </p:nvSpPr>
-        <p:spPr>
-          <a:xfrm>
-            <a:off x="979695" y="2299446"/>
-            <a:ext cx="9702882" cy="618101"/>
-          </a:xfrm>
-        </p:spPr>
-        <p:txBody>
-          <a:bodyPr>
-            <a:noAutofit/>
-          </a:bodyPr>
-          <a:lstStyle/>
-          <a:p>
-            <a:pPr algn="ctr"/>
-            <a:r>
-              <a:rPr lang="en-US" sz="11500" dirty="0"/>
-              <a:t>Q &amp; A</a:t>
-            </a:r>
-          </a:p>
-        </p:txBody>
-      </p:sp>
-      <p:sp>
-        <p:nvSpPr>
-          <p:cNvPr id="5" name="Slide Number Placeholder 4"/>
+          <p:cNvPr id="5" name="Slide Number Placeholder 4">
+            <a:extLst>
+              <a:ext uri="{FF2B5EF4-FFF2-40B4-BE49-F238E27FC236}">
+                <a16:creationId xmlns:a16="http://schemas.microsoft.com/office/drawing/2014/main" id="{0D3B7593-480A-4A95-948B-B225FA923859}"/>
+              </a:ext>
+            </a:extLst>
+          </p:cNvPr>
           <p:cNvSpPr>
             <a:spLocks noGrp="1"/>
           </p:cNvSpPr>
@@ -11728,38 +9257,103 @@
           </a:p>
         </p:txBody>
       </p:sp>
-      <p:sp>
-        <p:nvSpPr>
-          <p:cNvPr id="4" name="Rectangle 3">
+      <p:pic>
+        <p:nvPicPr>
+          <p:cNvPr id="1026" name="Picture 2" descr="http://mmbiz.qpic.cn/mmbiz_jpg/ZicfEblzAUZCVtiaJ8cfH8THEoKSlYw3U0icS3f6qWv1CWT7TluyhBZFU5Cq2yb4SnGGibCxw1HSfx64MQsQAKKiabA/0?wx_fmt=jpeg?0.8609523860491302">
             <a:extLst>
               <a:ext uri="{FF2B5EF4-FFF2-40B4-BE49-F238E27FC236}">
-                <a16:creationId xmlns:a16="http://schemas.microsoft.com/office/drawing/2014/main" id="{1D8BF281-2BBE-4282-BBDC-BDEECCAD3CE9}"/>
+                <a16:creationId xmlns:a16="http://schemas.microsoft.com/office/drawing/2014/main" id="{B923DE7D-1807-4E25-955A-1E9AD7CCE7F0}"/>
               </a:ext>
             </a:extLst>
           </p:cNvPr>
-          <p:cNvSpPr/>
+          <p:cNvPicPr>
+            <a:picLocks noChangeAspect="1" noChangeArrowheads="1"/>
+          </p:cNvPicPr>
+          <p:nvPr/>
+        </p:nvPicPr>
+        <p:blipFill>
+          <a:blip r:embed="rId2">
+            <a:extLst>
+              <a:ext uri="{28A0092B-C50C-407E-A947-70E740481C1C}">
+                <a14:useLocalDpi xmlns:a14="http://schemas.microsoft.com/office/drawing/2010/main" val="0"/>
+              </a:ext>
+            </a:extLst>
+          </a:blip>
+          <a:srcRect/>
+          <a:stretch>
+            <a:fillRect/>
+          </a:stretch>
+        </p:blipFill>
+        <p:spPr bwMode="auto">
+          <a:xfrm>
+            <a:off x="2046669" y="19016"/>
+            <a:ext cx="10122674" cy="6832806"/>
+          </a:xfrm>
+          <a:prstGeom prst="rect">
+            <a:avLst/>
+          </a:prstGeom>
+          <a:noFill/>
+          <a:extLst>
+            <a:ext uri="{909E8E84-426E-40DD-AFC4-6F175D3DCCD1}">
+              <a14:hiddenFill xmlns:a14="http://schemas.microsoft.com/office/drawing/2010/main">
+                <a:solidFill>
+                  <a:srgbClr val="FFFFFF"/>
+                </a:solidFill>
+              </a14:hiddenFill>
+            </a:ext>
+          </a:extLst>
+        </p:spPr>
+      </p:pic>
+      <p:sp>
+        <p:nvSpPr>
+          <p:cNvPr id="6" name="Title 1">
+            <a:extLst>
+              <a:ext uri="{FF2B5EF4-FFF2-40B4-BE49-F238E27FC236}">
+                <a16:creationId xmlns:a16="http://schemas.microsoft.com/office/drawing/2014/main" id="{C0E86F1D-E3D9-45E8-AE22-3CB796303458}"/>
+              </a:ext>
+            </a:extLst>
+          </p:cNvPr>
+          <p:cNvSpPr txBox="1">
+            <a:spLocks/>
+          </p:cNvSpPr>
           <p:nvPr/>
         </p:nvSpPr>
         <p:spPr>
           <a:xfrm>
-            <a:off x="0" y="6488668"/>
-            <a:ext cx="1081377" cy="369332"/>
+            <a:off x="294462" y="365125"/>
+            <a:ext cx="11671396" cy="618101"/>
           </a:xfrm>
           <a:prstGeom prst="rect">
             <a:avLst/>
           </a:prstGeom>
         </p:spPr>
         <p:txBody>
-          <a:bodyPr wrap="square">
-            <a:spAutoFit/>
+          <a:bodyPr vert="horz" lIns="91440" tIns="45720" rIns="91440" bIns="45720" rtlCol="0" anchor="ctr">
+            <a:normAutofit fontScale="90000" lnSpcReduction="10000"/>
           </a:bodyPr>
-          <a:lstStyle/>
-          <a:p>
-            <a:r>
-              <a:rPr lang="en-US" dirty="0">
-                <a:hlinkClick r:id="rId2" action="ppaction://hlinksldjump"/>
-              </a:rPr>
-              <a:t>Index</a:t>
+          <a:lstStyle>
+            <a:lvl1pPr algn="l" defTabSz="914400" rtl="0" eaLnBrk="1" latinLnBrk="0" hangingPunct="1">
+              <a:lnSpc>
+                <a:spcPct val="90000"/>
+              </a:lnSpc>
+              <a:spcBef>
+                <a:spcPct val="0"/>
+              </a:spcBef>
+              <a:buNone/>
+              <a:defRPr sz="4400" b="1" kern="1200" baseline="0">
+                <a:solidFill>
+                  <a:srgbClr val="C00000"/>
+                </a:solidFill>
+                <a:latin typeface="+mj-lt"/>
+                <a:ea typeface="+mj-ea"/>
+                <a:cs typeface="+mj-cs"/>
+              </a:defRPr>
+            </a:lvl1pPr>
+          </a:lstStyle>
+          <a:p>
+            <a:r>
+              <a:rPr lang="zh-CN" altLang="en-US" dirty="0"/>
+              <a:t>食品安全：农产品出厂全过程</a:t>
             </a:r>
             <a:endParaRPr lang="en-US" dirty="0"/>
           </a:p>
@@ -11768,7 +9362,7 @@
     </p:spTree>
     <p:extLst>
       <p:ext uri="{BB962C8B-B14F-4D97-AF65-F5344CB8AC3E}">
-        <p14:creationId xmlns:p14="http://schemas.microsoft.com/office/powerpoint/2010/main" val="564625984"/>
+        <p14:creationId xmlns:p14="http://schemas.microsoft.com/office/powerpoint/2010/main" val="2210258608"/>
       </p:ext>
     </p:extLst>
   </p:cSld>
